--- a/pcf.pptx
+++ b/pcf.pptx
@@ -4,13 +4,17 @@
   <p:sldMasterIdLst>
     <p:sldMasterId id="2147483648" r:id="rId1"/>
     <p:sldMasterId id="2147483660" r:id="rId2"/>
+    <p:sldMasterId id="2147483680" r:id="rId3"/>
   </p:sldMasterIdLst>
   <p:sldIdLst>
-    <p:sldId id="256" r:id="rId3"/>
-    <p:sldId id="257" r:id="rId4"/>
-    <p:sldId id="258" r:id="rId5"/>
-    <p:sldId id="259" r:id="rId6"/>
-    <p:sldId id="260" r:id="rId7"/>
+    <p:sldId id="256" r:id="rId4"/>
+    <p:sldId id="257" r:id="rId5"/>
+    <p:sldId id="258" r:id="rId6"/>
+    <p:sldId id="259" r:id="rId7"/>
+    <p:sldId id="260" r:id="rId8"/>
+    <p:sldId id="261" r:id="rId9"/>
+    <p:sldId id="262" r:id="rId10"/>
+    <p:sldId id="263" r:id="rId11"/>
   </p:sldIdLst>
   <p:sldSz cx="12192000" cy="6858000"/>
   <p:notesSz cx="6858000" cy="9144000"/>
@@ -109,6 +113,11 @@
       </a:defRPr>
     </a:lvl9pPr>
   </p:defaultTextStyle>
+  <p:extLst>
+    <p:ext uri="{EFAFB233-063F-42B5-8137-9DF3F51BA10A}">
+      <p15:sldGuideLst xmlns:p15="http://schemas.microsoft.com/office/powerpoint/2012/main"/>
+    </p:ext>
+  </p:extLst>
 </p:presentation>
 </file>
 
@@ -3585,25 +3594,7 @@
                 </a:solidFill>
                 <a:cs typeface="Arial" pitchFamily="34" charset="0"/>
               </a:rPr>
-              <a:t>Copyright © </a:t>
-            </a:r>
-            <a:r>
-              <a:rPr lang="en-US" sz="900" dirty="0">
-                <a:solidFill>
-                  <a:srgbClr val="7F7F7F"/>
-                </a:solidFill>
-                <a:cs typeface="Arial" pitchFamily="34" charset="0"/>
-              </a:rPr>
-              <a:t>2012 </a:t>
-            </a:r>
-            <a:r>
-              <a:rPr lang="en-US" sz="900" dirty="0">
-                <a:solidFill>
-                  <a:srgbClr val="7F7F7F"/>
-                </a:solidFill>
-                <a:cs typeface="Arial" pitchFamily="34" charset="0"/>
-              </a:rPr>
-              <a:t>Accenture  All rights reserved.</a:t>
+              <a:t>Copyright © 2012 Accenture  All rights reserved.</a:t>
             </a:r>
           </a:p>
         </p:txBody>
@@ -3864,25 +3855,7 @@
                 </a:solidFill>
                 <a:cs typeface="Arial" pitchFamily="34" charset="0"/>
               </a:rPr>
-              <a:t>Copyright © </a:t>
-            </a:r>
-            <a:r>
-              <a:rPr lang="en-US" sz="900" dirty="0">
-                <a:solidFill>
-                  <a:srgbClr val="7F7F7F"/>
-                </a:solidFill>
-                <a:cs typeface="Arial" pitchFamily="34" charset="0"/>
-              </a:rPr>
-              <a:t>2012 </a:t>
-            </a:r>
-            <a:r>
-              <a:rPr lang="en-US" sz="900" dirty="0">
-                <a:solidFill>
-                  <a:srgbClr val="7F7F7F"/>
-                </a:solidFill>
-                <a:cs typeface="Arial" pitchFamily="34" charset="0"/>
-              </a:rPr>
-              <a:t>Accenture  All rights reserved.</a:t>
+              <a:t>Copyright © 2012 Accenture  All rights reserved.</a:t>
             </a:r>
           </a:p>
         </p:txBody>
@@ -4143,25 +4116,7 @@
                 </a:solidFill>
                 <a:cs typeface="Arial" pitchFamily="34" charset="0"/>
               </a:rPr>
-              <a:t>Copyright © </a:t>
-            </a:r>
-            <a:r>
-              <a:rPr lang="en-US" sz="900" dirty="0">
-                <a:solidFill>
-                  <a:srgbClr val="7F7F7F"/>
-                </a:solidFill>
-                <a:cs typeface="Arial" pitchFamily="34" charset="0"/>
-              </a:rPr>
-              <a:t>2012 </a:t>
-            </a:r>
-            <a:r>
-              <a:rPr lang="en-US" sz="900" dirty="0">
-                <a:solidFill>
-                  <a:srgbClr val="7F7F7F"/>
-                </a:solidFill>
-                <a:cs typeface="Arial" pitchFamily="34" charset="0"/>
-              </a:rPr>
-              <a:t>Accenture  All rights reserved.</a:t>
+              <a:t>Copyright © 2012 Accenture  All rights reserved.</a:t>
             </a:r>
           </a:p>
         </p:txBody>
@@ -4422,25 +4377,7 @@
                 </a:solidFill>
                 <a:cs typeface="Arial" pitchFamily="34" charset="0"/>
               </a:rPr>
-              <a:t>Copyright © </a:t>
-            </a:r>
-            <a:r>
-              <a:rPr lang="en-US" sz="900" dirty="0">
-                <a:solidFill>
-                  <a:srgbClr val="7F7F7F"/>
-                </a:solidFill>
-                <a:cs typeface="Arial" pitchFamily="34" charset="0"/>
-              </a:rPr>
-              <a:t>2012 </a:t>
-            </a:r>
-            <a:r>
-              <a:rPr lang="en-US" sz="900" dirty="0">
-                <a:solidFill>
-                  <a:srgbClr val="7F7F7F"/>
-                </a:solidFill>
-                <a:cs typeface="Arial" pitchFamily="34" charset="0"/>
-              </a:rPr>
-              <a:t>Accenture  All rights reserved.</a:t>
+              <a:t>Copyright © 2012 Accenture  All rights reserved.</a:t>
             </a:r>
           </a:p>
         </p:txBody>
@@ -4696,25 +4633,7 @@
                 </a:solidFill>
                 <a:cs typeface="Arial" pitchFamily="34" charset="0"/>
               </a:rPr>
-              <a:t>Copyright © </a:t>
-            </a:r>
-            <a:r>
-              <a:rPr lang="en-US" sz="900" dirty="0">
-                <a:solidFill>
-                  <a:srgbClr val="7F7F7F"/>
-                </a:solidFill>
-                <a:cs typeface="Arial" pitchFamily="34" charset="0"/>
-              </a:rPr>
-              <a:t>2012 </a:t>
-            </a:r>
-            <a:r>
-              <a:rPr lang="en-US" sz="900" dirty="0">
-                <a:solidFill>
-                  <a:srgbClr val="7F7F7F"/>
-                </a:solidFill>
-                <a:cs typeface="Arial" pitchFamily="34" charset="0"/>
-              </a:rPr>
-              <a:t>Accenture  All rights reserved.</a:t>
+              <a:t>Copyright © 2012 Accenture  All rights reserved.</a:t>
             </a:r>
           </a:p>
         </p:txBody>
@@ -4970,25 +4889,7 @@
                 </a:solidFill>
                 <a:cs typeface="Arial" pitchFamily="34" charset="0"/>
               </a:rPr>
-              <a:t>Copyright © </a:t>
-            </a:r>
-            <a:r>
-              <a:rPr lang="en-US" sz="900" dirty="0">
-                <a:solidFill>
-                  <a:srgbClr val="7F7F7F"/>
-                </a:solidFill>
-                <a:cs typeface="Arial" pitchFamily="34" charset="0"/>
-              </a:rPr>
-              <a:t>2012 </a:t>
-            </a:r>
-            <a:r>
-              <a:rPr lang="en-US" sz="900" dirty="0">
-                <a:solidFill>
-                  <a:srgbClr val="7F7F7F"/>
-                </a:solidFill>
-                <a:cs typeface="Arial" pitchFamily="34" charset="0"/>
-              </a:rPr>
-              <a:t>Accenture  All rights reserved.</a:t>
+              <a:t>Copyright © 2012 Accenture  All rights reserved.</a:t>
             </a:r>
           </a:p>
         </p:txBody>
@@ -5244,25 +5145,7 @@
                 </a:solidFill>
                 <a:cs typeface="Arial" pitchFamily="34" charset="0"/>
               </a:rPr>
-              <a:t>Copyright © </a:t>
-            </a:r>
-            <a:r>
-              <a:rPr lang="en-US" sz="900" dirty="0">
-                <a:solidFill>
-                  <a:srgbClr val="7F7F7F"/>
-                </a:solidFill>
-                <a:cs typeface="Arial" pitchFamily="34" charset="0"/>
-              </a:rPr>
-              <a:t>2012 </a:t>
-            </a:r>
-            <a:r>
-              <a:rPr lang="en-US" sz="900" dirty="0">
-                <a:solidFill>
-                  <a:srgbClr val="7F7F7F"/>
-                </a:solidFill>
-                <a:cs typeface="Arial" pitchFamily="34" charset="0"/>
-              </a:rPr>
-              <a:t>Accenture  All rights reserved.</a:t>
+              <a:t>Copyright © 2012 Accenture  All rights reserved.</a:t>
             </a:r>
           </a:p>
         </p:txBody>
@@ -5518,25 +5401,7 @@
                 </a:solidFill>
                 <a:cs typeface="Arial" pitchFamily="34" charset="0"/>
               </a:rPr>
-              <a:t>Copyright © </a:t>
-            </a:r>
-            <a:r>
-              <a:rPr lang="en-US" sz="900" dirty="0">
-                <a:solidFill>
-                  <a:srgbClr val="7F7F7F"/>
-                </a:solidFill>
-                <a:cs typeface="Arial" pitchFamily="34" charset="0"/>
-              </a:rPr>
-              <a:t>2012 </a:t>
-            </a:r>
-            <a:r>
-              <a:rPr lang="en-US" sz="900" dirty="0">
-                <a:solidFill>
-                  <a:srgbClr val="7F7F7F"/>
-                </a:solidFill>
-                <a:cs typeface="Arial" pitchFamily="34" charset="0"/>
-              </a:rPr>
-              <a:t>Accenture  All rights reserved.</a:t>
+              <a:t>Copyright © 2012 Accenture  All rights reserved.</a:t>
             </a:r>
           </a:p>
         </p:txBody>
@@ -6038,25 +5903,7 @@
                 </a:solidFill>
                 <a:cs typeface="Arial" pitchFamily="34" charset="0"/>
               </a:rPr>
-              <a:t>Copyright © </a:t>
-            </a:r>
-            <a:r>
-              <a:rPr lang="en-US" sz="900" dirty="0">
-                <a:solidFill>
-                  <a:srgbClr val="7F7F7F"/>
-                </a:solidFill>
-                <a:cs typeface="Arial" pitchFamily="34" charset="0"/>
-              </a:rPr>
-              <a:t>2012 </a:t>
-            </a:r>
-            <a:r>
-              <a:rPr lang="en-US" sz="900" dirty="0">
-                <a:solidFill>
-                  <a:srgbClr val="7F7F7F"/>
-                </a:solidFill>
-                <a:cs typeface="Arial" pitchFamily="34" charset="0"/>
-              </a:rPr>
-              <a:t>Accenture  All rights reserved.</a:t>
+              <a:t>Copyright © 2012 Accenture  All rights reserved.</a:t>
             </a:r>
           </a:p>
         </p:txBody>
@@ -6130,6 +5977,2461 @@
     <p:extLst>
       <p:ext uri="{BB962C8B-B14F-4D97-AF65-F5344CB8AC3E}">
         <p14:creationId xmlns:p14="http://schemas.microsoft.com/office/powerpoint/2010/main" val="1867338581"/>
+      </p:ext>
+    </p:extLst>
+  </p:cSld>
+  <p:clrMapOvr>
+    <a:masterClrMapping/>
+  </p:clrMapOvr>
+  <p:timing>
+    <p:tnLst>
+      <p:par>
+        <p:cTn id="1" dur="indefinite" restart="never" nodeType="tmRoot"/>
+      </p:par>
+    </p:tnLst>
+  </p:timing>
+</p:sldLayout>
+</file>
+
+<file path=ppt/slideLayouts/slideLayout31.xml><?xml version="1.0" encoding="utf-8"?>
+<p:sldLayout xmlns:a="http://schemas.openxmlformats.org/drawingml/2006/main" xmlns:r="http://schemas.openxmlformats.org/officeDocument/2006/relationships" xmlns:p="http://schemas.openxmlformats.org/presentationml/2006/main" preserve="1" userDrawn="1">
+  <p:cSld name="Title Slide with Black Signature">
+    <p:spTree>
+      <p:nvGrpSpPr>
+        <p:cNvPr id="1" name=""/>
+        <p:cNvGrpSpPr/>
+        <p:nvPr/>
+      </p:nvGrpSpPr>
+      <p:grpSpPr>
+        <a:xfrm>
+          <a:off x="0" y="0"/>
+          <a:ext cx="0" cy="0"/>
+          <a:chOff x="0" y="0"/>
+          <a:chExt cx="0" cy="0"/>
+        </a:xfrm>
+      </p:grpSpPr>
+      <p:pic>
+        <p:nvPicPr>
+          <p:cNvPr id="13" name="Picture 12" descr="swf_photo2.jpg"/>
+          <p:cNvPicPr>
+            <a:picLocks noChangeAspect="1"/>
+          </p:cNvPicPr>
+          <p:nvPr userDrawn="1"/>
+        </p:nvPicPr>
+        <p:blipFill>
+          <a:blip r:embed="rId2" cstate="print"/>
+          <a:stretch>
+            <a:fillRect/>
+          </a:stretch>
+        </p:blipFill>
+        <p:spPr>
+          <a:xfrm>
+            <a:off x="0" y="0"/>
+            <a:ext cx="12192000" cy="6858000"/>
+          </a:xfrm>
+          <a:prstGeom prst="rect">
+            <a:avLst/>
+          </a:prstGeom>
+        </p:spPr>
+      </p:pic>
+      <p:sp>
+        <p:nvSpPr>
+          <p:cNvPr id="9" name="Text Placeholder 8"/>
+          <p:cNvSpPr>
+            <a:spLocks noGrp="1"/>
+          </p:cNvSpPr>
+          <p:nvPr>
+            <p:ph type="body" sz="quarter" idx="10" hasCustomPrompt="1"/>
+          </p:nvPr>
+        </p:nvSpPr>
+        <p:spPr>
+          <a:xfrm>
+            <a:off x="611717" y="544531"/>
+            <a:ext cx="6415808" cy="1854206"/>
+          </a:xfrm>
+        </p:spPr>
+        <p:txBody>
+          <a:bodyPr anchor="b" anchorCtr="0">
+            <a:noAutofit/>
+          </a:bodyPr>
+          <a:lstStyle>
+            <a:lvl1pPr marL="0" indent="0">
+              <a:lnSpc>
+                <a:spcPts val="3900"/>
+              </a:lnSpc>
+              <a:spcBef>
+                <a:spcPts val="0"/>
+              </a:spcBef>
+              <a:spcAft>
+                <a:spcPts val="0"/>
+              </a:spcAft>
+              <a:buNone/>
+              <a:defRPr sz="3600" baseline="0">
+                <a:solidFill>
+                  <a:schemeClr val="accent1"/>
+                </a:solidFill>
+              </a:defRPr>
+            </a:lvl1pPr>
+            <a:lvl2pPr marL="0" indent="0">
+              <a:lnSpc>
+                <a:spcPct val="100000"/>
+              </a:lnSpc>
+              <a:spcAft>
+                <a:spcPts val="0"/>
+              </a:spcAft>
+              <a:buNone/>
+              <a:defRPr sz="1900">
+                <a:solidFill>
+                  <a:schemeClr val="bg1"/>
+                </a:solidFill>
+              </a:defRPr>
+            </a:lvl2pPr>
+            <a:lvl3pPr marL="468000" indent="0">
+              <a:buNone/>
+              <a:defRPr/>
+            </a:lvl3pPr>
+          </a:lstStyle>
+          <a:p>
+            <a:pPr lvl="0"/>
+            <a:r>
+              <a:rPr lang="en-US" dirty="0" smtClean="0"/>
+              <a:t>Master Title Slide Headline</a:t>
+            </a:r>
+          </a:p>
+        </p:txBody>
+      </p:sp>
+      <p:grpSp>
+        <p:nvGrpSpPr>
+          <p:cNvPr id="4" name="Group 3"/>
+          <p:cNvGrpSpPr/>
+          <p:nvPr userDrawn="1"/>
+        </p:nvGrpSpPr>
+        <p:grpSpPr>
+          <a:xfrm>
+            <a:off x="7602272" y="2274980"/>
+            <a:ext cx="4099193" cy="2060440"/>
+            <a:chOff x="5701703" y="682760"/>
+            <a:chExt cx="3074395" cy="2060440"/>
+          </a:xfrm>
+        </p:grpSpPr>
+        <p:sp>
+          <p:nvSpPr>
+            <p:cNvPr id="5" name="Freeform 4"/>
+            <p:cNvSpPr/>
+            <p:nvPr/>
+          </p:nvSpPr>
+          <p:spPr>
+            <a:xfrm>
+              <a:off x="6164291" y="682760"/>
+              <a:ext cx="2013677" cy="2060440"/>
+            </a:xfrm>
+            <a:custGeom>
+              <a:avLst/>
+              <a:gdLst>
+                <a:gd name="connsiteX0" fmla="*/ 0 w 4457700"/>
+                <a:gd name="connsiteY0" fmla="*/ 0 h 4552950"/>
+                <a:gd name="connsiteX1" fmla="*/ 4457700 w 4457700"/>
+                <a:gd name="connsiteY1" fmla="*/ 1828800 h 4552950"/>
+                <a:gd name="connsiteX2" fmla="*/ 4457700 w 4457700"/>
+                <a:gd name="connsiteY2" fmla="*/ 2743200 h 4552950"/>
+                <a:gd name="connsiteX3" fmla="*/ 0 w 4457700"/>
+                <a:gd name="connsiteY3" fmla="*/ 4552950 h 4552950"/>
+                <a:gd name="connsiteX4" fmla="*/ 0 w 4457700"/>
+                <a:gd name="connsiteY4" fmla="*/ 3543300 h 4552950"/>
+                <a:gd name="connsiteX5" fmla="*/ 3282950 w 4457700"/>
+                <a:gd name="connsiteY5" fmla="*/ 2286000 h 4552950"/>
+                <a:gd name="connsiteX6" fmla="*/ 0 w 4457700"/>
+                <a:gd name="connsiteY6" fmla="*/ 1016000 h 4552950"/>
+                <a:gd name="connsiteX7" fmla="*/ 0 w 4457700"/>
+                <a:gd name="connsiteY7" fmla="*/ 0 h 4552950"/>
+                <a:gd name="connsiteX0" fmla="*/ 0 w 4457700"/>
+                <a:gd name="connsiteY0" fmla="*/ 0 h 4552950"/>
+                <a:gd name="connsiteX1" fmla="*/ 4457700 w 4457700"/>
+                <a:gd name="connsiteY1" fmla="*/ 1824037 h 4552950"/>
+                <a:gd name="connsiteX2" fmla="*/ 4457700 w 4457700"/>
+                <a:gd name="connsiteY2" fmla="*/ 2743200 h 4552950"/>
+                <a:gd name="connsiteX3" fmla="*/ 0 w 4457700"/>
+                <a:gd name="connsiteY3" fmla="*/ 4552950 h 4552950"/>
+                <a:gd name="connsiteX4" fmla="*/ 0 w 4457700"/>
+                <a:gd name="connsiteY4" fmla="*/ 3543300 h 4552950"/>
+                <a:gd name="connsiteX5" fmla="*/ 3282950 w 4457700"/>
+                <a:gd name="connsiteY5" fmla="*/ 2286000 h 4552950"/>
+                <a:gd name="connsiteX6" fmla="*/ 0 w 4457700"/>
+                <a:gd name="connsiteY6" fmla="*/ 1016000 h 4552950"/>
+                <a:gd name="connsiteX7" fmla="*/ 0 w 4457700"/>
+                <a:gd name="connsiteY7" fmla="*/ 0 h 4552950"/>
+                <a:gd name="connsiteX0" fmla="*/ 0 w 4457700"/>
+                <a:gd name="connsiteY0" fmla="*/ 0 h 4552950"/>
+                <a:gd name="connsiteX1" fmla="*/ 4457700 w 4457700"/>
+                <a:gd name="connsiteY1" fmla="*/ 1816893 h 4552950"/>
+                <a:gd name="connsiteX2" fmla="*/ 4457700 w 4457700"/>
+                <a:gd name="connsiteY2" fmla="*/ 2743200 h 4552950"/>
+                <a:gd name="connsiteX3" fmla="*/ 0 w 4457700"/>
+                <a:gd name="connsiteY3" fmla="*/ 4552950 h 4552950"/>
+                <a:gd name="connsiteX4" fmla="*/ 0 w 4457700"/>
+                <a:gd name="connsiteY4" fmla="*/ 3543300 h 4552950"/>
+                <a:gd name="connsiteX5" fmla="*/ 3282950 w 4457700"/>
+                <a:gd name="connsiteY5" fmla="*/ 2286000 h 4552950"/>
+                <a:gd name="connsiteX6" fmla="*/ 0 w 4457700"/>
+                <a:gd name="connsiteY6" fmla="*/ 1016000 h 4552950"/>
+                <a:gd name="connsiteX7" fmla="*/ 0 w 4457700"/>
+                <a:gd name="connsiteY7" fmla="*/ 0 h 4552950"/>
+                <a:gd name="connsiteX0" fmla="*/ 0 w 4462462"/>
+                <a:gd name="connsiteY0" fmla="*/ 0 h 4552950"/>
+                <a:gd name="connsiteX1" fmla="*/ 4462462 w 4462462"/>
+                <a:gd name="connsiteY1" fmla="*/ 1819275 h 4552950"/>
+                <a:gd name="connsiteX2" fmla="*/ 4457700 w 4462462"/>
+                <a:gd name="connsiteY2" fmla="*/ 2743200 h 4552950"/>
+                <a:gd name="connsiteX3" fmla="*/ 0 w 4462462"/>
+                <a:gd name="connsiteY3" fmla="*/ 4552950 h 4552950"/>
+                <a:gd name="connsiteX4" fmla="*/ 0 w 4462462"/>
+                <a:gd name="connsiteY4" fmla="*/ 3543300 h 4552950"/>
+                <a:gd name="connsiteX5" fmla="*/ 3282950 w 4462462"/>
+                <a:gd name="connsiteY5" fmla="*/ 2286000 h 4552950"/>
+                <a:gd name="connsiteX6" fmla="*/ 0 w 4462462"/>
+                <a:gd name="connsiteY6" fmla="*/ 1016000 h 4552950"/>
+                <a:gd name="connsiteX7" fmla="*/ 0 w 4462462"/>
+                <a:gd name="connsiteY7" fmla="*/ 0 h 4552950"/>
+                <a:gd name="connsiteX0" fmla="*/ 0 w 4462921"/>
+                <a:gd name="connsiteY0" fmla="*/ 0 h 4552950"/>
+                <a:gd name="connsiteX1" fmla="*/ 4462462 w 4462921"/>
+                <a:gd name="connsiteY1" fmla="*/ 1819275 h 4552950"/>
+                <a:gd name="connsiteX2" fmla="*/ 4462463 w 4462921"/>
+                <a:gd name="connsiteY2" fmla="*/ 2747962 h 4552950"/>
+                <a:gd name="connsiteX3" fmla="*/ 0 w 4462921"/>
+                <a:gd name="connsiteY3" fmla="*/ 4552950 h 4552950"/>
+                <a:gd name="connsiteX4" fmla="*/ 0 w 4462921"/>
+                <a:gd name="connsiteY4" fmla="*/ 3543300 h 4552950"/>
+                <a:gd name="connsiteX5" fmla="*/ 3282950 w 4462921"/>
+                <a:gd name="connsiteY5" fmla="*/ 2286000 h 4552950"/>
+                <a:gd name="connsiteX6" fmla="*/ 0 w 4462921"/>
+                <a:gd name="connsiteY6" fmla="*/ 1016000 h 4552950"/>
+                <a:gd name="connsiteX7" fmla="*/ 0 w 4462921"/>
+                <a:gd name="connsiteY7" fmla="*/ 0 h 4552950"/>
+                <a:gd name="connsiteX0" fmla="*/ 0 w 4462921"/>
+                <a:gd name="connsiteY0" fmla="*/ 0 h 4552950"/>
+                <a:gd name="connsiteX1" fmla="*/ 4462462 w 4462921"/>
+                <a:gd name="connsiteY1" fmla="*/ 1819275 h 4552950"/>
+                <a:gd name="connsiteX2" fmla="*/ 4462463 w 4462921"/>
+                <a:gd name="connsiteY2" fmla="*/ 2747962 h 4552950"/>
+                <a:gd name="connsiteX3" fmla="*/ 0 w 4462921"/>
+                <a:gd name="connsiteY3" fmla="*/ 4552950 h 4552950"/>
+                <a:gd name="connsiteX4" fmla="*/ 0 w 4462921"/>
+                <a:gd name="connsiteY4" fmla="*/ 3543300 h 4552950"/>
+                <a:gd name="connsiteX5" fmla="*/ 3282950 w 4462921"/>
+                <a:gd name="connsiteY5" fmla="*/ 2286000 h 4552950"/>
+                <a:gd name="connsiteX6" fmla="*/ 0 w 4462921"/>
+                <a:gd name="connsiteY6" fmla="*/ 1016000 h 4552950"/>
+                <a:gd name="connsiteX7" fmla="*/ 0 w 4462921"/>
+                <a:gd name="connsiteY7" fmla="*/ 0 h 4552950"/>
+                <a:gd name="connsiteX0" fmla="*/ 0 w 4462921"/>
+                <a:gd name="connsiteY0" fmla="*/ 0 h 4560094"/>
+                <a:gd name="connsiteX1" fmla="*/ 4462462 w 4462921"/>
+                <a:gd name="connsiteY1" fmla="*/ 1819275 h 4560094"/>
+                <a:gd name="connsiteX2" fmla="*/ 4462463 w 4462921"/>
+                <a:gd name="connsiteY2" fmla="*/ 2747962 h 4560094"/>
+                <a:gd name="connsiteX3" fmla="*/ 2381 w 4462921"/>
+                <a:gd name="connsiteY3" fmla="*/ 4560094 h 4560094"/>
+                <a:gd name="connsiteX4" fmla="*/ 0 w 4462921"/>
+                <a:gd name="connsiteY4" fmla="*/ 3543300 h 4560094"/>
+                <a:gd name="connsiteX5" fmla="*/ 3282950 w 4462921"/>
+                <a:gd name="connsiteY5" fmla="*/ 2286000 h 4560094"/>
+                <a:gd name="connsiteX6" fmla="*/ 0 w 4462921"/>
+                <a:gd name="connsiteY6" fmla="*/ 1016000 h 4560094"/>
+                <a:gd name="connsiteX7" fmla="*/ 0 w 4462921"/>
+                <a:gd name="connsiteY7" fmla="*/ 0 h 4560094"/>
+                <a:gd name="connsiteX0" fmla="*/ 0 w 4462921"/>
+                <a:gd name="connsiteY0" fmla="*/ 0 h 4560094"/>
+                <a:gd name="connsiteX1" fmla="*/ 4462462 w 4462921"/>
+                <a:gd name="connsiteY1" fmla="*/ 1819275 h 4560094"/>
+                <a:gd name="connsiteX2" fmla="*/ 4462463 w 4462921"/>
+                <a:gd name="connsiteY2" fmla="*/ 2747962 h 4560094"/>
+                <a:gd name="connsiteX3" fmla="*/ 2381 w 4462921"/>
+                <a:gd name="connsiteY3" fmla="*/ 4560094 h 4560094"/>
+                <a:gd name="connsiteX4" fmla="*/ 0 w 4462921"/>
+                <a:gd name="connsiteY4" fmla="*/ 3543300 h 4560094"/>
+                <a:gd name="connsiteX5" fmla="*/ 3275807 w 4462921"/>
+                <a:gd name="connsiteY5" fmla="*/ 2286000 h 4560094"/>
+                <a:gd name="connsiteX6" fmla="*/ 0 w 4462921"/>
+                <a:gd name="connsiteY6" fmla="*/ 1016000 h 4560094"/>
+                <a:gd name="connsiteX7" fmla="*/ 0 w 4462921"/>
+                <a:gd name="connsiteY7" fmla="*/ 0 h 4560094"/>
+                <a:gd name="connsiteX0" fmla="*/ 0 w 4462921"/>
+                <a:gd name="connsiteY0" fmla="*/ 0 h 4557713"/>
+                <a:gd name="connsiteX1" fmla="*/ 4462462 w 4462921"/>
+                <a:gd name="connsiteY1" fmla="*/ 1819275 h 4557713"/>
+                <a:gd name="connsiteX2" fmla="*/ 4462463 w 4462921"/>
+                <a:gd name="connsiteY2" fmla="*/ 2747962 h 4557713"/>
+                <a:gd name="connsiteX3" fmla="*/ 2381 w 4462921"/>
+                <a:gd name="connsiteY3" fmla="*/ 4557713 h 4557713"/>
+                <a:gd name="connsiteX4" fmla="*/ 0 w 4462921"/>
+                <a:gd name="connsiteY4" fmla="*/ 3543300 h 4557713"/>
+                <a:gd name="connsiteX5" fmla="*/ 3275807 w 4462921"/>
+                <a:gd name="connsiteY5" fmla="*/ 2286000 h 4557713"/>
+                <a:gd name="connsiteX6" fmla="*/ 0 w 4462921"/>
+                <a:gd name="connsiteY6" fmla="*/ 1016000 h 4557713"/>
+                <a:gd name="connsiteX7" fmla="*/ 0 w 4462921"/>
+                <a:gd name="connsiteY7" fmla="*/ 0 h 4557713"/>
+                <a:gd name="connsiteX0" fmla="*/ 0 w 4462921"/>
+                <a:gd name="connsiteY0" fmla="*/ 0 h 4562475"/>
+                <a:gd name="connsiteX1" fmla="*/ 4462462 w 4462921"/>
+                <a:gd name="connsiteY1" fmla="*/ 1819275 h 4562475"/>
+                <a:gd name="connsiteX2" fmla="*/ 4462463 w 4462921"/>
+                <a:gd name="connsiteY2" fmla="*/ 2747962 h 4562475"/>
+                <a:gd name="connsiteX3" fmla="*/ 2381 w 4462921"/>
+                <a:gd name="connsiteY3" fmla="*/ 4562475 h 4562475"/>
+                <a:gd name="connsiteX4" fmla="*/ 0 w 4462921"/>
+                <a:gd name="connsiteY4" fmla="*/ 3543300 h 4562475"/>
+                <a:gd name="connsiteX5" fmla="*/ 3275807 w 4462921"/>
+                <a:gd name="connsiteY5" fmla="*/ 2286000 h 4562475"/>
+                <a:gd name="connsiteX6" fmla="*/ 0 w 4462921"/>
+                <a:gd name="connsiteY6" fmla="*/ 1016000 h 4562475"/>
+                <a:gd name="connsiteX7" fmla="*/ 0 w 4462921"/>
+                <a:gd name="connsiteY7" fmla="*/ 0 h 4562475"/>
+                <a:gd name="connsiteX0" fmla="*/ 2486 w 4465407"/>
+                <a:gd name="connsiteY0" fmla="*/ 0 h 4564856"/>
+                <a:gd name="connsiteX1" fmla="*/ 4464948 w 4465407"/>
+                <a:gd name="connsiteY1" fmla="*/ 1819275 h 4564856"/>
+                <a:gd name="connsiteX2" fmla="*/ 4464949 w 4465407"/>
+                <a:gd name="connsiteY2" fmla="*/ 2747962 h 4564856"/>
+                <a:gd name="connsiteX3" fmla="*/ 105 w 4465407"/>
+                <a:gd name="connsiteY3" fmla="*/ 4564856 h 4564856"/>
+                <a:gd name="connsiteX4" fmla="*/ 2486 w 4465407"/>
+                <a:gd name="connsiteY4" fmla="*/ 3543300 h 4564856"/>
+                <a:gd name="connsiteX5" fmla="*/ 3278293 w 4465407"/>
+                <a:gd name="connsiteY5" fmla="*/ 2286000 h 4564856"/>
+                <a:gd name="connsiteX6" fmla="*/ 2486 w 4465407"/>
+                <a:gd name="connsiteY6" fmla="*/ 1016000 h 4564856"/>
+                <a:gd name="connsiteX7" fmla="*/ 2486 w 4465407"/>
+                <a:gd name="connsiteY7" fmla="*/ 0 h 4564856"/>
+                <a:gd name="connsiteX0" fmla="*/ 2610 w 4465531"/>
+                <a:gd name="connsiteY0" fmla="*/ 0 h 4564856"/>
+                <a:gd name="connsiteX1" fmla="*/ 4465072 w 4465531"/>
+                <a:gd name="connsiteY1" fmla="*/ 1819275 h 4564856"/>
+                <a:gd name="connsiteX2" fmla="*/ 4465073 w 4465531"/>
+                <a:gd name="connsiteY2" fmla="*/ 2747962 h 4564856"/>
+                <a:gd name="connsiteX3" fmla="*/ 229 w 4465531"/>
+                <a:gd name="connsiteY3" fmla="*/ 4564856 h 4564856"/>
+                <a:gd name="connsiteX4" fmla="*/ 228 w 4465531"/>
+                <a:gd name="connsiteY4" fmla="*/ 3545681 h 4564856"/>
+                <a:gd name="connsiteX5" fmla="*/ 3278417 w 4465531"/>
+                <a:gd name="connsiteY5" fmla="*/ 2286000 h 4564856"/>
+                <a:gd name="connsiteX6" fmla="*/ 2610 w 4465531"/>
+                <a:gd name="connsiteY6" fmla="*/ 1016000 h 4564856"/>
+                <a:gd name="connsiteX7" fmla="*/ 2610 w 4465531"/>
+                <a:gd name="connsiteY7" fmla="*/ 0 h 4564856"/>
+                <a:gd name="connsiteX0" fmla="*/ 2610 w 4465531"/>
+                <a:gd name="connsiteY0" fmla="*/ 0 h 4564856"/>
+                <a:gd name="connsiteX1" fmla="*/ 4465072 w 4465531"/>
+                <a:gd name="connsiteY1" fmla="*/ 1819275 h 4564856"/>
+                <a:gd name="connsiteX2" fmla="*/ 4465073 w 4465531"/>
+                <a:gd name="connsiteY2" fmla="*/ 2750343 h 4564856"/>
+                <a:gd name="connsiteX3" fmla="*/ 229 w 4465531"/>
+                <a:gd name="connsiteY3" fmla="*/ 4564856 h 4564856"/>
+                <a:gd name="connsiteX4" fmla="*/ 228 w 4465531"/>
+                <a:gd name="connsiteY4" fmla="*/ 3545681 h 4564856"/>
+                <a:gd name="connsiteX5" fmla="*/ 3278417 w 4465531"/>
+                <a:gd name="connsiteY5" fmla="*/ 2286000 h 4564856"/>
+                <a:gd name="connsiteX6" fmla="*/ 2610 w 4465531"/>
+                <a:gd name="connsiteY6" fmla="*/ 1016000 h 4564856"/>
+                <a:gd name="connsiteX7" fmla="*/ 2610 w 4465531"/>
+                <a:gd name="connsiteY7" fmla="*/ 0 h 4564856"/>
+                <a:gd name="connsiteX0" fmla="*/ 2610 w 4465531"/>
+                <a:gd name="connsiteY0" fmla="*/ 0 h 4564856"/>
+                <a:gd name="connsiteX1" fmla="*/ 4465072 w 4465531"/>
+                <a:gd name="connsiteY1" fmla="*/ 1819275 h 4564856"/>
+                <a:gd name="connsiteX2" fmla="*/ 4465073 w 4465531"/>
+                <a:gd name="connsiteY2" fmla="*/ 2755106 h 4564856"/>
+                <a:gd name="connsiteX3" fmla="*/ 229 w 4465531"/>
+                <a:gd name="connsiteY3" fmla="*/ 4564856 h 4564856"/>
+                <a:gd name="connsiteX4" fmla="*/ 228 w 4465531"/>
+                <a:gd name="connsiteY4" fmla="*/ 3545681 h 4564856"/>
+                <a:gd name="connsiteX5" fmla="*/ 3278417 w 4465531"/>
+                <a:gd name="connsiteY5" fmla="*/ 2286000 h 4564856"/>
+                <a:gd name="connsiteX6" fmla="*/ 2610 w 4465531"/>
+                <a:gd name="connsiteY6" fmla="*/ 1016000 h 4564856"/>
+                <a:gd name="connsiteX7" fmla="*/ 2610 w 4465531"/>
+                <a:gd name="connsiteY7" fmla="*/ 0 h 4564856"/>
+                <a:gd name="connsiteX0" fmla="*/ 2610 w 4467453"/>
+                <a:gd name="connsiteY0" fmla="*/ 0 h 4564856"/>
+                <a:gd name="connsiteX1" fmla="*/ 4467453 w 4467453"/>
+                <a:gd name="connsiteY1" fmla="*/ 1816894 h 4564856"/>
+                <a:gd name="connsiteX2" fmla="*/ 4465073 w 4467453"/>
+                <a:gd name="connsiteY2" fmla="*/ 2755106 h 4564856"/>
+                <a:gd name="connsiteX3" fmla="*/ 229 w 4467453"/>
+                <a:gd name="connsiteY3" fmla="*/ 4564856 h 4564856"/>
+                <a:gd name="connsiteX4" fmla="*/ 228 w 4467453"/>
+                <a:gd name="connsiteY4" fmla="*/ 3545681 h 4564856"/>
+                <a:gd name="connsiteX5" fmla="*/ 3278417 w 4467453"/>
+                <a:gd name="connsiteY5" fmla="*/ 2286000 h 4564856"/>
+                <a:gd name="connsiteX6" fmla="*/ 2610 w 4467453"/>
+                <a:gd name="connsiteY6" fmla="*/ 1016000 h 4564856"/>
+                <a:gd name="connsiteX7" fmla="*/ 2610 w 4467453"/>
+                <a:gd name="connsiteY7" fmla="*/ 0 h 4564856"/>
+                <a:gd name="connsiteX0" fmla="*/ 2610 w 4467453"/>
+                <a:gd name="connsiteY0" fmla="*/ 0 h 4564856"/>
+                <a:gd name="connsiteX1" fmla="*/ 4467453 w 4467453"/>
+                <a:gd name="connsiteY1" fmla="*/ 1816894 h 4564856"/>
+                <a:gd name="connsiteX2" fmla="*/ 4465073 w 4467453"/>
+                <a:gd name="connsiteY2" fmla="*/ 2755106 h 4564856"/>
+                <a:gd name="connsiteX3" fmla="*/ 229 w 4467453"/>
+                <a:gd name="connsiteY3" fmla="*/ 4564856 h 4564856"/>
+                <a:gd name="connsiteX4" fmla="*/ 228 w 4467453"/>
+                <a:gd name="connsiteY4" fmla="*/ 3545681 h 4564856"/>
+                <a:gd name="connsiteX5" fmla="*/ 3278417 w 4467453"/>
+                <a:gd name="connsiteY5" fmla="*/ 2286000 h 4564856"/>
+                <a:gd name="connsiteX6" fmla="*/ 2610 w 4467453"/>
+                <a:gd name="connsiteY6" fmla="*/ 1020763 h 4564856"/>
+                <a:gd name="connsiteX7" fmla="*/ 2610 w 4467453"/>
+                <a:gd name="connsiteY7" fmla="*/ 0 h 4564856"/>
+                <a:gd name="connsiteX0" fmla="*/ 2610 w 4467453"/>
+                <a:gd name="connsiteY0" fmla="*/ 0 h 4564856"/>
+                <a:gd name="connsiteX1" fmla="*/ 4467453 w 4467453"/>
+                <a:gd name="connsiteY1" fmla="*/ 1816894 h 4564856"/>
+                <a:gd name="connsiteX2" fmla="*/ 4465073 w 4467453"/>
+                <a:gd name="connsiteY2" fmla="*/ 2755106 h 4564856"/>
+                <a:gd name="connsiteX3" fmla="*/ 229 w 4467453"/>
+                <a:gd name="connsiteY3" fmla="*/ 4564856 h 4564856"/>
+                <a:gd name="connsiteX4" fmla="*/ 228 w 4467453"/>
+                <a:gd name="connsiteY4" fmla="*/ 3545681 h 4564856"/>
+                <a:gd name="connsiteX5" fmla="*/ 3271273 w 4467453"/>
+                <a:gd name="connsiteY5" fmla="*/ 2288382 h 4564856"/>
+                <a:gd name="connsiteX6" fmla="*/ 2610 w 4467453"/>
+                <a:gd name="connsiteY6" fmla="*/ 1020763 h 4564856"/>
+                <a:gd name="connsiteX7" fmla="*/ 2610 w 4467453"/>
+                <a:gd name="connsiteY7" fmla="*/ 0 h 4564856"/>
+                <a:gd name="connsiteX0" fmla="*/ 2610 w 4467453"/>
+                <a:gd name="connsiteY0" fmla="*/ 0 h 4564856"/>
+                <a:gd name="connsiteX1" fmla="*/ 4467453 w 4467453"/>
+                <a:gd name="connsiteY1" fmla="*/ 1816894 h 4564856"/>
+                <a:gd name="connsiteX2" fmla="*/ 4465073 w 4467453"/>
+                <a:gd name="connsiteY2" fmla="*/ 2755106 h 4564856"/>
+                <a:gd name="connsiteX3" fmla="*/ 229 w 4467453"/>
+                <a:gd name="connsiteY3" fmla="*/ 4564856 h 4564856"/>
+                <a:gd name="connsiteX4" fmla="*/ 228 w 4467453"/>
+                <a:gd name="connsiteY4" fmla="*/ 3545681 h 4564856"/>
+                <a:gd name="connsiteX5" fmla="*/ 3271273 w 4467453"/>
+                <a:gd name="connsiteY5" fmla="*/ 2288382 h 4564856"/>
+                <a:gd name="connsiteX6" fmla="*/ 2610 w 4467453"/>
+                <a:gd name="connsiteY6" fmla="*/ 1020763 h 4564856"/>
+                <a:gd name="connsiteX7" fmla="*/ 2610 w 4467453"/>
+                <a:gd name="connsiteY7" fmla="*/ 0 h 4564856"/>
+                <a:gd name="connsiteX0" fmla="*/ 2610 w 4465530"/>
+                <a:gd name="connsiteY0" fmla="*/ 0 h 4564856"/>
+                <a:gd name="connsiteX1" fmla="*/ 4465071 w 4465530"/>
+                <a:gd name="connsiteY1" fmla="*/ 1819275 h 4564856"/>
+                <a:gd name="connsiteX2" fmla="*/ 4465073 w 4465530"/>
+                <a:gd name="connsiteY2" fmla="*/ 2755106 h 4564856"/>
+                <a:gd name="connsiteX3" fmla="*/ 229 w 4465530"/>
+                <a:gd name="connsiteY3" fmla="*/ 4564856 h 4564856"/>
+                <a:gd name="connsiteX4" fmla="*/ 228 w 4465530"/>
+                <a:gd name="connsiteY4" fmla="*/ 3545681 h 4564856"/>
+                <a:gd name="connsiteX5" fmla="*/ 3271273 w 4465530"/>
+                <a:gd name="connsiteY5" fmla="*/ 2288382 h 4564856"/>
+                <a:gd name="connsiteX6" fmla="*/ 2610 w 4465530"/>
+                <a:gd name="connsiteY6" fmla="*/ 1020763 h 4564856"/>
+                <a:gd name="connsiteX7" fmla="*/ 2610 w 4465530"/>
+                <a:gd name="connsiteY7" fmla="*/ 0 h 4564856"/>
+                <a:gd name="connsiteX0" fmla="*/ 2610 w 4465530"/>
+                <a:gd name="connsiteY0" fmla="*/ 0 h 4564856"/>
+                <a:gd name="connsiteX1" fmla="*/ 4465071 w 4465530"/>
+                <a:gd name="connsiteY1" fmla="*/ 1812131 h 4564856"/>
+                <a:gd name="connsiteX2" fmla="*/ 4465073 w 4465530"/>
+                <a:gd name="connsiteY2" fmla="*/ 2755106 h 4564856"/>
+                <a:gd name="connsiteX3" fmla="*/ 229 w 4465530"/>
+                <a:gd name="connsiteY3" fmla="*/ 4564856 h 4564856"/>
+                <a:gd name="connsiteX4" fmla="*/ 228 w 4465530"/>
+                <a:gd name="connsiteY4" fmla="*/ 3545681 h 4564856"/>
+                <a:gd name="connsiteX5" fmla="*/ 3271273 w 4465530"/>
+                <a:gd name="connsiteY5" fmla="*/ 2288382 h 4564856"/>
+                <a:gd name="connsiteX6" fmla="*/ 2610 w 4465530"/>
+                <a:gd name="connsiteY6" fmla="*/ 1020763 h 4564856"/>
+                <a:gd name="connsiteX7" fmla="*/ 2610 w 4465530"/>
+                <a:gd name="connsiteY7" fmla="*/ 0 h 4564856"/>
+                <a:gd name="connsiteX0" fmla="*/ 2610 w 4465530"/>
+                <a:gd name="connsiteY0" fmla="*/ 0 h 4564856"/>
+                <a:gd name="connsiteX1" fmla="*/ 4465071 w 4465530"/>
+                <a:gd name="connsiteY1" fmla="*/ 1812131 h 4564856"/>
+                <a:gd name="connsiteX2" fmla="*/ 4465073 w 4465530"/>
+                <a:gd name="connsiteY2" fmla="*/ 2755106 h 4564856"/>
+                <a:gd name="connsiteX3" fmla="*/ 229 w 4465530"/>
+                <a:gd name="connsiteY3" fmla="*/ 4564856 h 4564856"/>
+                <a:gd name="connsiteX4" fmla="*/ 228 w 4465530"/>
+                <a:gd name="connsiteY4" fmla="*/ 3545681 h 4564856"/>
+                <a:gd name="connsiteX5" fmla="*/ 3271273 w 4465530"/>
+                <a:gd name="connsiteY5" fmla="*/ 2288382 h 4564856"/>
+                <a:gd name="connsiteX6" fmla="*/ 2610 w 4465530"/>
+                <a:gd name="connsiteY6" fmla="*/ 1023145 h 4564856"/>
+                <a:gd name="connsiteX7" fmla="*/ 2610 w 4465530"/>
+                <a:gd name="connsiteY7" fmla="*/ 0 h 4564856"/>
+                <a:gd name="connsiteX0" fmla="*/ 2610 w 4465530"/>
+                <a:gd name="connsiteY0" fmla="*/ 0 h 4564856"/>
+                <a:gd name="connsiteX1" fmla="*/ 4465071 w 4465530"/>
+                <a:gd name="connsiteY1" fmla="*/ 1812131 h 4564856"/>
+                <a:gd name="connsiteX2" fmla="*/ 4465073 w 4465530"/>
+                <a:gd name="connsiteY2" fmla="*/ 2755106 h 4564856"/>
+                <a:gd name="connsiteX3" fmla="*/ 229 w 4465530"/>
+                <a:gd name="connsiteY3" fmla="*/ 4564856 h 4564856"/>
+                <a:gd name="connsiteX4" fmla="*/ 228 w 4465530"/>
+                <a:gd name="connsiteY4" fmla="*/ 3545681 h 4564856"/>
+                <a:gd name="connsiteX5" fmla="*/ 3264129 w 4465530"/>
+                <a:gd name="connsiteY5" fmla="*/ 2288382 h 4564856"/>
+                <a:gd name="connsiteX6" fmla="*/ 2610 w 4465530"/>
+                <a:gd name="connsiteY6" fmla="*/ 1023145 h 4564856"/>
+                <a:gd name="connsiteX7" fmla="*/ 2610 w 4465530"/>
+                <a:gd name="connsiteY7" fmla="*/ 0 h 4564856"/>
+                <a:gd name="connsiteX0" fmla="*/ 0 w 4467986"/>
+                <a:gd name="connsiteY0" fmla="*/ 0 h 4564856"/>
+                <a:gd name="connsiteX1" fmla="*/ 4467527 w 4467986"/>
+                <a:gd name="connsiteY1" fmla="*/ 1812131 h 4564856"/>
+                <a:gd name="connsiteX2" fmla="*/ 4467529 w 4467986"/>
+                <a:gd name="connsiteY2" fmla="*/ 2755106 h 4564856"/>
+                <a:gd name="connsiteX3" fmla="*/ 2685 w 4467986"/>
+                <a:gd name="connsiteY3" fmla="*/ 4564856 h 4564856"/>
+                <a:gd name="connsiteX4" fmla="*/ 2684 w 4467986"/>
+                <a:gd name="connsiteY4" fmla="*/ 3545681 h 4564856"/>
+                <a:gd name="connsiteX5" fmla="*/ 3266585 w 4467986"/>
+                <a:gd name="connsiteY5" fmla="*/ 2288382 h 4564856"/>
+                <a:gd name="connsiteX6" fmla="*/ 5066 w 4467986"/>
+                <a:gd name="connsiteY6" fmla="*/ 1023145 h 4564856"/>
+                <a:gd name="connsiteX7" fmla="*/ 0 w 4467986"/>
+                <a:gd name="connsiteY7" fmla="*/ 0 h 4564856"/>
+                <a:gd name="connsiteX0" fmla="*/ 0 w 4467986"/>
+                <a:gd name="connsiteY0" fmla="*/ 0 h 4564856"/>
+                <a:gd name="connsiteX1" fmla="*/ 4467527 w 4467986"/>
+                <a:gd name="connsiteY1" fmla="*/ 1812131 h 4564856"/>
+                <a:gd name="connsiteX2" fmla="*/ 4467529 w 4467986"/>
+                <a:gd name="connsiteY2" fmla="*/ 2755106 h 4564856"/>
+                <a:gd name="connsiteX3" fmla="*/ 2685 w 4467986"/>
+                <a:gd name="connsiteY3" fmla="*/ 4564856 h 4564856"/>
+                <a:gd name="connsiteX4" fmla="*/ 2684 w 4467986"/>
+                <a:gd name="connsiteY4" fmla="*/ 3545681 h 4564856"/>
+                <a:gd name="connsiteX5" fmla="*/ 3266585 w 4467986"/>
+                <a:gd name="connsiteY5" fmla="*/ 2288382 h 4564856"/>
+                <a:gd name="connsiteX6" fmla="*/ 2533 w 4467986"/>
+                <a:gd name="connsiteY6" fmla="*/ 1018079 h 4564856"/>
+                <a:gd name="connsiteX7" fmla="*/ 0 w 4467986"/>
+                <a:gd name="connsiteY7" fmla="*/ 0 h 4564856"/>
+                <a:gd name="connsiteX0" fmla="*/ 0 w 4467986"/>
+                <a:gd name="connsiteY0" fmla="*/ 0 h 4564856"/>
+                <a:gd name="connsiteX1" fmla="*/ 4467527 w 4467986"/>
+                <a:gd name="connsiteY1" fmla="*/ 1812131 h 4564856"/>
+                <a:gd name="connsiteX2" fmla="*/ 4467529 w 4467986"/>
+                <a:gd name="connsiteY2" fmla="*/ 2755106 h 4564856"/>
+                <a:gd name="connsiteX3" fmla="*/ 2685 w 4467986"/>
+                <a:gd name="connsiteY3" fmla="*/ 4564856 h 4564856"/>
+                <a:gd name="connsiteX4" fmla="*/ 2684 w 4467986"/>
+                <a:gd name="connsiteY4" fmla="*/ 3545681 h 4564856"/>
+                <a:gd name="connsiteX5" fmla="*/ 3266585 w 4467986"/>
+                <a:gd name="connsiteY5" fmla="*/ 2288382 h 4564856"/>
+                <a:gd name="connsiteX6" fmla="*/ 2533 w 4467986"/>
+                <a:gd name="connsiteY6" fmla="*/ 1023145 h 4564856"/>
+                <a:gd name="connsiteX7" fmla="*/ 0 w 4467986"/>
+                <a:gd name="connsiteY7" fmla="*/ 0 h 4564856"/>
+                <a:gd name="connsiteX0" fmla="*/ 0 w 4467986"/>
+                <a:gd name="connsiteY0" fmla="*/ 0 h 4567262"/>
+                <a:gd name="connsiteX1" fmla="*/ 4467527 w 4467986"/>
+                <a:gd name="connsiteY1" fmla="*/ 1814537 h 4567262"/>
+                <a:gd name="connsiteX2" fmla="*/ 4467529 w 4467986"/>
+                <a:gd name="connsiteY2" fmla="*/ 2757512 h 4567262"/>
+                <a:gd name="connsiteX3" fmla="*/ 2685 w 4467986"/>
+                <a:gd name="connsiteY3" fmla="*/ 4567262 h 4567262"/>
+                <a:gd name="connsiteX4" fmla="*/ 2684 w 4467986"/>
+                <a:gd name="connsiteY4" fmla="*/ 3548087 h 4567262"/>
+                <a:gd name="connsiteX5" fmla="*/ 3266585 w 4467986"/>
+                <a:gd name="connsiteY5" fmla="*/ 2290788 h 4567262"/>
+                <a:gd name="connsiteX6" fmla="*/ 2533 w 4467986"/>
+                <a:gd name="connsiteY6" fmla="*/ 1025551 h 4567262"/>
+                <a:gd name="connsiteX7" fmla="*/ 0 w 4467986"/>
+                <a:gd name="connsiteY7" fmla="*/ 0 h 4567262"/>
+                <a:gd name="connsiteX0" fmla="*/ 377 w 4465956"/>
+                <a:gd name="connsiteY0" fmla="*/ 0 h 4569668"/>
+                <a:gd name="connsiteX1" fmla="*/ 4465497 w 4465956"/>
+                <a:gd name="connsiteY1" fmla="*/ 1816943 h 4569668"/>
+                <a:gd name="connsiteX2" fmla="*/ 4465499 w 4465956"/>
+                <a:gd name="connsiteY2" fmla="*/ 2759918 h 4569668"/>
+                <a:gd name="connsiteX3" fmla="*/ 655 w 4465956"/>
+                <a:gd name="connsiteY3" fmla="*/ 4569668 h 4569668"/>
+                <a:gd name="connsiteX4" fmla="*/ 654 w 4465956"/>
+                <a:gd name="connsiteY4" fmla="*/ 3550493 h 4569668"/>
+                <a:gd name="connsiteX5" fmla="*/ 3264555 w 4465956"/>
+                <a:gd name="connsiteY5" fmla="*/ 2293194 h 4569668"/>
+                <a:gd name="connsiteX6" fmla="*/ 503 w 4465956"/>
+                <a:gd name="connsiteY6" fmla="*/ 1027957 h 4569668"/>
+                <a:gd name="connsiteX7" fmla="*/ 377 w 4465956"/>
+                <a:gd name="connsiteY7" fmla="*/ 0 h 4569668"/>
+                <a:gd name="connsiteX0" fmla="*/ 377 w 4465956"/>
+                <a:gd name="connsiteY0" fmla="*/ 0 h 4569668"/>
+                <a:gd name="connsiteX1" fmla="*/ 4465497 w 4465956"/>
+                <a:gd name="connsiteY1" fmla="*/ 1816943 h 4569668"/>
+                <a:gd name="connsiteX2" fmla="*/ 4465499 w 4465956"/>
+                <a:gd name="connsiteY2" fmla="*/ 2759918 h 4569668"/>
+                <a:gd name="connsiteX3" fmla="*/ 655 w 4465956"/>
+                <a:gd name="connsiteY3" fmla="*/ 4569668 h 4569668"/>
+                <a:gd name="connsiteX4" fmla="*/ 654 w 4465956"/>
+                <a:gd name="connsiteY4" fmla="*/ 3548111 h 4569668"/>
+                <a:gd name="connsiteX5" fmla="*/ 3264555 w 4465956"/>
+                <a:gd name="connsiteY5" fmla="*/ 2293194 h 4569668"/>
+                <a:gd name="connsiteX6" fmla="*/ 503 w 4465956"/>
+                <a:gd name="connsiteY6" fmla="*/ 1027957 h 4569668"/>
+                <a:gd name="connsiteX7" fmla="*/ 377 w 4465956"/>
+                <a:gd name="connsiteY7" fmla="*/ 0 h 4569668"/>
+                <a:gd name="connsiteX0" fmla="*/ 377 w 4465956"/>
+                <a:gd name="connsiteY0" fmla="*/ 0 h 4569668"/>
+                <a:gd name="connsiteX1" fmla="*/ 4465497 w 4465956"/>
+                <a:gd name="connsiteY1" fmla="*/ 1816943 h 4569668"/>
+                <a:gd name="connsiteX2" fmla="*/ 4465499 w 4465956"/>
+                <a:gd name="connsiteY2" fmla="*/ 2759918 h 4569668"/>
+                <a:gd name="connsiteX3" fmla="*/ 655 w 4465956"/>
+                <a:gd name="connsiteY3" fmla="*/ 4569668 h 4569668"/>
+                <a:gd name="connsiteX4" fmla="*/ 654 w 4465956"/>
+                <a:gd name="connsiteY4" fmla="*/ 3548111 h 4569668"/>
+                <a:gd name="connsiteX5" fmla="*/ 3257411 w 4465956"/>
+                <a:gd name="connsiteY5" fmla="*/ 2293194 h 4569668"/>
+                <a:gd name="connsiteX6" fmla="*/ 503 w 4465956"/>
+                <a:gd name="connsiteY6" fmla="*/ 1027957 h 4569668"/>
+                <a:gd name="connsiteX7" fmla="*/ 377 w 4465956"/>
+                <a:gd name="connsiteY7" fmla="*/ 0 h 4569668"/>
+              </a:gdLst>
+              <a:ahLst/>
+              <a:cxnLst>
+                <a:cxn ang="0">
+                  <a:pos x="connsiteX0" y="connsiteY0"/>
+                </a:cxn>
+                <a:cxn ang="0">
+                  <a:pos x="connsiteX1" y="connsiteY1"/>
+                </a:cxn>
+                <a:cxn ang="0">
+                  <a:pos x="connsiteX2" y="connsiteY2"/>
+                </a:cxn>
+                <a:cxn ang="0">
+                  <a:pos x="connsiteX3" y="connsiteY3"/>
+                </a:cxn>
+                <a:cxn ang="0">
+                  <a:pos x="connsiteX4" y="connsiteY4"/>
+                </a:cxn>
+                <a:cxn ang="0">
+                  <a:pos x="connsiteX5" y="connsiteY5"/>
+                </a:cxn>
+                <a:cxn ang="0">
+                  <a:pos x="connsiteX6" y="connsiteY6"/>
+                </a:cxn>
+                <a:cxn ang="0">
+                  <a:pos x="connsiteX7" y="connsiteY7"/>
+                </a:cxn>
+              </a:cxnLst>
+              <a:rect l="l" t="t" r="r" b="b"/>
+              <a:pathLst>
+                <a:path w="4465956" h="4569668">
+                  <a:moveTo>
+                    <a:pt x="377" y="0"/>
+                  </a:moveTo>
+                  <a:lnTo>
+                    <a:pt x="4465497" y="1816943"/>
+                  </a:lnTo>
+                  <a:cubicBezTo>
+                    <a:pt x="4463910" y="2124918"/>
+                    <a:pt x="4467086" y="2451943"/>
+                    <a:pt x="4465499" y="2759918"/>
+                  </a:cubicBezTo>
+                  <a:lnTo>
+                    <a:pt x="655" y="4569668"/>
+                  </a:lnTo>
+                  <a:cubicBezTo>
+                    <a:pt x="-139" y="4230737"/>
+                    <a:pt x="1448" y="3887042"/>
+                    <a:pt x="654" y="3548111"/>
+                  </a:cubicBezTo>
+                  <a:lnTo>
+                    <a:pt x="3257411" y="2293194"/>
+                  </a:lnTo>
+                  <a:lnTo>
+                    <a:pt x="503" y="1027957"/>
+                  </a:lnTo>
+                  <a:cubicBezTo>
+                    <a:pt x="-1186" y="686909"/>
+                    <a:pt x="2066" y="341048"/>
+                    <a:pt x="377" y="0"/>
+                  </a:cubicBezTo>
+                  <a:close/>
+                </a:path>
+              </a:pathLst>
+            </a:custGeom>
+            <a:solidFill>
+              <a:schemeClr val="accent2"/>
+            </a:solidFill>
+            <a:ln>
+              <a:noFill/>
+            </a:ln>
+          </p:spPr>
+          <p:style>
+            <a:lnRef idx="2">
+              <a:schemeClr val="accent1">
+                <a:shade val="50000"/>
+              </a:schemeClr>
+            </a:lnRef>
+            <a:fillRef idx="1">
+              <a:schemeClr val="accent1"/>
+            </a:fillRef>
+            <a:effectRef idx="0">
+              <a:schemeClr val="accent1"/>
+            </a:effectRef>
+            <a:fontRef idx="minor">
+              <a:schemeClr val="lt1"/>
+            </a:fontRef>
+          </p:style>
+          <p:txBody>
+            <a:bodyPr rtlCol="0" anchor="ctr"/>
+            <a:lstStyle/>
+            <a:p>
+              <a:pPr algn="ctr"/>
+              <a:endParaRPr lang="en-CA" sz="1800">
+                <a:solidFill>
+                  <a:prstClr val="white"/>
+                </a:solidFill>
+              </a:endParaRPr>
+            </a:p>
+          </p:txBody>
+        </p:sp>
+        <p:pic>
+          <p:nvPicPr>
+            <p:cNvPr id="6" name="Picture 5"/>
+            <p:cNvPicPr>
+              <a:picLocks noChangeAspect="1"/>
+            </p:cNvPicPr>
+            <p:nvPr/>
+          </p:nvPicPr>
+          <p:blipFill>
+            <a:blip r:embed="rId3" cstate="print">
+              <a:extLst>
+                <a:ext uri="{28A0092B-C50C-407E-A947-70E740481C1C}">
+                  <a14:useLocalDpi xmlns:a14="http://schemas.microsoft.com/office/drawing/2010/main" val="0"/>
+                </a:ext>
+              </a:extLst>
+            </a:blip>
+            <a:stretch>
+              <a:fillRect/>
+            </a:stretch>
+          </p:blipFill>
+          <p:spPr>
+            <a:xfrm>
+              <a:off x="5701703" y="1523009"/>
+              <a:ext cx="3074395" cy="251999"/>
+            </a:xfrm>
+            <a:prstGeom prst="rect">
+              <a:avLst/>
+            </a:prstGeom>
+          </p:spPr>
+        </p:pic>
+      </p:grpSp>
+      <p:pic>
+        <p:nvPicPr>
+          <p:cNvPr id="11" name="Picture 10"/>
+          <p:cNvPicPr>
+            <a:picLocks noChangeAspect="1"/>
+          </p:cNvPicPr>
+          <p:nvPr userDrawn="1"/>
+        </p:nvPicPr>
+        <p:blipFill>
+          <a:blip r:embed="rId4" cstate="print">
+            <a:extLst>
+              <a:ext uri="{28A0092B-C50C-407E-A947-70E740481C1C}">
+                <a14:useLocalDpi xmlns:a14="http://schemas.microsoft.com/office/drawing/2010/main" val="0"/>
+              </a:ext>
+            </a:extLst>
+          </a:blip>
+          <a:stretch>
+            <a:fillRect/>
+          </a:stretch>
+        </p:blipFill>
+        <p:spPr>
+          <a:xfrm>
+            <a:off x="8231756" y="6279323"/>
+            <a:ext cx="3361229" cy="176078"/>
+          </a:xfrm>
+          <a:prstGeom prst="rect">
+            <a:avLst/>
+          </a:prstGeom>
+        </p:spPr>
+      </p:pic>
+      <p:cxnSp>
+        <p:nvCxnSpPr>
+          <p:cNvPr id="12" name="Straight Connector 11"/>
+          <p:cNvCxnSpPr/>
+          <p:nvPr userDrawn="1"/>
+        </p:nvCxnSpPr>
+        <p:spPr>
+          <a:xfrm>
+            <a:off x="609600" y="6570921"/>
+            <a:ext cx="11582400" cy="0"/>
+          </a:xfrm>
+          <a:prstGeom prst="line">
+            <a:avLst/>
+          </a:prstGeom>
+          <a:ln w="12700">
+            <a:solidFill>
+              <a:schemeClr val="tx1"/>
+            </a:solidFill>
+          </a:ln>
+        </p:spPr>
+        <p:style>
+          <a:lnRef idx="1">
+            <a:schemeClr val="accent1"/>
+          </a:lnRef>
+          <a:fillRef idx="0">
+            <a:schemeClr val="accent1"/>
+          </a:fillRef>
+          <a:effectRef idx="0">
+            <a:schemeClr val="accent1"/>
+          </a:effectRef>
+          <a:fontRef idx="minor">
+            <a:schemeClr val="tx1"/>
+          </a:fontRef>
+        </p:style>
+      </p:cxnSp>
+      <p:sp>
+        <p:nvSpPr>
+          <p:cNvPr id="14" name="Text Placeholder 8"/>
+          <p:cNvSpPr>
+            <a:spLocks noGrp="1"/>
+          </p:cNvSpPr>
+          <p:nvPr>
+            <p:ph type="body" sz="quarter" idx="11" hasCustomPrompt="1"/>
+          </p:nvPr>
+        </p:nvSpPr>
+        <p:spPr>
+          <a:xfrm>
+            <a:off x="612428" y="2543511"/>
+            <a:ext cx="6415097" cy="1233311"/>
+          </a:xfrm>
+        </p:spPr>
+        <p:txBody>
+          <a:bodyPr>
+            <a:noAutofit/>
+          </a:bodyPr>
+          <a:lstStyle>
+            <a:lvl1pPr marL="0" indent="0">
+              <a:lnSpc>
+                <a:spcPts val="3900"/>
+              </a:lnSpc>
+              <a:spcBef>
+                <a:spcPts val="0"/>
+              </a:spcBef>
+              <a:spcAft>
+                <a:spcPts val="0"/>
+              </a:spcAft>
+              <a:buNone/>
+              <a:defRPr sz="2400" baseline="0">
+                <a:solidFill>
+                  <a:schemeClr val="bg2"/>
+                </a:solidFill>
+              </a:defRPr>
+            </a:lvl1pPr>
+            <a:lvl2pPr marL="0" indent="0">
+              <a:lnSpc>
+                <a:spcPct val="100000"/>
+              </a:lnSpc>
+              <a:spcAft>
+                <a:spcPts val="0"/>
+              </a:spcAft>
+              <a:buNone/>
+              <a:defRPr sz="1900">
+                <a:solidFill>
+                  <a:schemeClr val="bg1"/>
+                </a:solidFill>
+              </a:defRPr>
+            </a:lvl2pPr>
+            <a:lvl3pPr marL="468000" indent="0">
+              <a:buNone/>
+              <a:defRPr/>
+            </a:lvl3pPr>
+          </a:lstStyle>
+          <a:p>
+            <a:pPr lvl="0"/>
+            <a:r>
+              <a:rPr lang="en-US" dirty="0" smtClean="0"/>
+              <a:t>Master Title Slide Headline</a:t>
+            </a:r>
+          </a:p>
+        </p:txBody>
+      </p:sp>
+    </p:spTree>
+    <p:extLst>
+      <p:ext uri="{BB962C8B-B14F-4D97-AF65-F5344CB8AC3E}">
+        <p14:creationId xmlns:p14="http://schemas.microsoft.com/office/powerpoint/2010/main" val="3806211245"/>
+      </p:ext>
+    </p:extLst>
+  </p:cSld>
+  <p:clrMapOvr>
+    <a:masterClrMapping/>
+  </p:clrMapOvr>
+  <p:timing>
+    <p:tnLst>
+      <p:par>
+        <p:cTn id="1" dur="indefinite" restart="never" nodeType="tmRoot"/>
+      </p:par>
+    </p:tnLst>
+  </p:timing>
+</p:sldLayout>
+</file>
+
+<file path=ppt/slideLayouts/slideLayout32.xml><?xml version="1.0" encoding="utf-8"?>
+<p:sldLayout xmlns:a="http://schemas.openxmlformats.org/drawingml/2006/main" xmlns:r="http://schemas.openxmlformats.org/officeDocument/2006/relationships" xmlns:p="http://schemas.openxmlformats.org/presentationml/2006/main" preserve="1" userDrawn="1">
+  <p:cSld name="Divider Slide ">
+    <p:bg>
+      <p:bgPr>
+        <a:solidFill>
+          <a:schemeClr val="tx2"/>
+        </a:solidFill>
+        <a:effectLst/>
+      </p:bgPr>
+    </p:bg>
+    <p:spTree>
+      <p:nvGrpSpPr>
+        <p:cNvPr id="1" name=""/>
+        <p:cNvGrpSpPr/>
+        <p:nvPr/>
+      </p:nvGrpSpPr>
+      <p:grpSpPr>
+        <a:xfrm>
+          <a:off x="0" y="0"/>
+          <a:ext cx="0" cy="0"/>
+          <a:chOff x="0" y="0"/>
+          <a:chExt cx="0" cy="0"/>
+        </a:xfrm>
+      </p:grpSpPr>
+      <p:pic>
+        <p:nvPicPr>
+          <p:cNvPr id="3" name="Picture 2" descr="stk318019rkn.jpg"/>
+          <p:cNvPicPr>
+            <a:picLocks noChangeAspect="1"/>
+          </p:cNvPicPr>
+          <p:nvPr userDrawn="1"/>
+        </p:nvPicPr>
+        <p:blipFill>
+          <a:blip r:embed="rId2" cstate="print"/>
+          <a:stretch>
+            <a:fillRect/>
+          </a:stretch>
+        </p:blipFill>
+        <p:spPr>
+          <a:xfrm>
+            <a:off x="0" y="0"/>
+            <a:ext cx="12192000" cy="6858000"/>
+          </a:xfrm>
+          <a:prstGeom prst="rect">
+            <a:avLst/>
+          </a:prstGeom>
+        </p:spPr>
+      </p:pic>
+      <p:sp>
+        <p:nvSpPr>
+          <p:cNvPr id="5" name="Text Placeholder 8"/>
+          <p:cNvSpPr>
+            <a:spLocks noGrp="1"/>
+          </p:cNvSpPr>
+          <p:nvPr>
+            <p:ph type="body" sz="quarter" idx="10" hasCustomPrompt="1"/>
+          </p:nvPr>
+        </p:nvSpPr>
+        <p:spPr>
+          <a:xfrm>
+            <a:off x="609601" y="310097"/>
+            <a:ext cx="10970684" cy="670326"/>
+          </a:xfrm>
+        </p:spPr>
+        <p:txBody>
+          <a:bodyPr lIns="0" rIns="0" anchor="b" anchorCtr="0">
+            <a:noAutofit/>
+          </a:bodyPr>
+          <a:lstStyle>
+            <a:lvl1pPr marL="0" indent="0" algn="l">
+              <a:lnSpc>
+                <a:spcPts val="3900"/>
+              </a:lnSpc>
+              <a:spcBef>
+                <a:spcPts val="0"/>
+              </a:spcBef>
+              <a:spcAft>
+                <a:spcPts val="0"/>
+              </a:spcAft>
+              <a:buNone/>
+              <a:defRPr sz="4000" b="0" baseline="0">
+                <a:solidFill>
+                  <a:schemeClr val="tx2"/>
+                </a:solidFill>
+              </a:defRPr>
+            </a:lvl1pPr>
+            <a:lvl2pPr marL="0" indent="0">
+              <a:lnSpc>
+                <a:spcPct val="100000"/>
+              </a:lnSpc>
+              <a:spcAft>
+                <a:spcPts val="0"/>
+              </a:spcAft>
+              <a:buNone/>
+              <a:defRPr sz="1900">
+                <a:solidFill>
+                  <a:schemeClr val="bg1"/>
+                </a:solidFill>
+              </a:defRPr>
+            </a:lvl2pPr>
+            <a:lvl3pPr marL="468000" indent="0">
+              <a:buNone/>
+              <a:defRPr/>
+            </a:lvl3pPr>
+          </a:lstStyle>
+          <a:p>
+            <a:pPr lvl="0"/>
+            <a:r>
+              <a:rPr lang="en-US" dirty="0" smtClean="0"/>
+              <a:t>Master Divider Slide Headline</a:t>
+            </a:r>
+          </a:p>
+        </p:txBody>
+      </p:sp>
+    </p:spTree>
+    <p:extLst>
+      <p:ext uri="{BB962C8B-B14F-4D97-AF65-F5344CB8AC3E}">
+        <p14:creationId xmlns:p14="http://schemas.microsoft.com/office/powerpoint/2010/main" val="969120046"/>
+      </p:ext>
+    </p:extLst>
+  </p:cSld>
+  <p:clrMapOvr>
+    <a:masterClrMapping/>
+  </p:clrMapOvr>
+  <p:timing>
+    <p:tnLst>
+      <p:par>
+        <p:cTn id="1" dur="indefinite" restart="never" nodeType="tmRoot"/>
+      </p:par>
+    </p:tnLst>
+  </p:timing>
+</p:sldLayout>
+</file>
+
+<file path=ppt/slideLayouts/slideLayout33.xml><?xml version="1.0" encoding="utf-8"?>
+<p:sldLayout xmlns:a="http://schemas.openxmlformats.org/drawingml/2006/main" xmlns:r="http://schemas.openxmlformats.org/officeDocument/2006/relationships" xmlns:p="http://schemas.openxmlformats.org/presentationml/2006/main" preserve="1" userDrawn="1">
+  <p:cSld name="Title and Content">
+    <p:spTree>
+      <p:nvGrpSpPr>
+        <p:cNvPr id="1" name=""/>
+        <p:cNvGrpSpPr/>
+        <p:nvPr/>
+      </p:nvGrpSpPr>
+      <p:grpSpPr>
+        <a:xfrm>
+          <a:off x="0" y="0"/>
+          <a:ext cx="0" cy="0"/>
+          <a:chOff x="0" y="0"/>
+          <a:chExt cx="0" cy="0"/>
+        </a:xfrm>
+      </p:grpSpPr>
+      <p:sp>
+        <p:nvSpPr>
+          <p:cNvPr id="10" name="Content Placeholder 9"/>
+          <p:cNvSpPr>
+            <a:spLocks noGrp="1"/>
+          </p:cNvSpPr>
+          <p:nvPr>
+            <p:ph sz="quarter" idx="12" hasCustomPrompt="1"/>
+          </p:nvPr>
+        </p:nvSpPr>
+        <p:spPr/>
+        <p:txBody>
+          <a:bodyPr/>
+          <a:lstStyle>
+            <a:lvl2pPr>
+              <a:defRPr/>
+            </a:lvl2pPr>
+            <a:lvl3pPr>
+              <a:defRPr/>
+            </a:lvl3pPr>
+          </a:lstStyle>
+          <a:p>
+            <a:pPr lvl="0"/>
+            <a:r>
+              <a:rPr lang="en-CA" dirty="0" smtClean="0"/>
+              <a:t>First Level Text</a:t>
+            </a:r>
+          </a:p>
+          <a:p>
+            <a:pPr lvl="1"/>
+            <a:r>
+              <a:rPr lang="en-CA" dirty="0" smtClean="0"/>
+              <a:t>Second Level Text</a:t>
+            </a:r>
+          </a:p>
+          <a:p>
+            <a:pPr lvl="2"/>
+            <a:r>
+              <a:rPr lang="en-CA" dirty="0" smtClean="0"/>
+              <a:t>Third Level Text</a:t>
+            </a:r>
+          </a:p>
+          <a:p>
+            <a:pPr lvl="3"/>
+            <a:r>
+              <a:rPr lang="en-CA" dirty="0" smtClean="0"/>
+              <a:t>Fourth Level Text</a:t>
+            </a:r>
+          </a:p>
+          <a:p>
+            <a:pPr lvl="4"/>
+            <a:r>
+              <a:rPr lang="en-CA" dirty="0" smtClean="0"/>
+              <a:t>Fifth Level Text</a:t>
+            </a:r>
+          </a:p>
+        </p:txBody>
+      </p:sp>
+      <p:cxnSp>
+        <p:nvCxnSpPr>
+          <p:cNvPr id="7" name="Straight Connector 6"/>
+          <p:cNvCxnSpPr/>
+          <p:nvPr userDrawn="1"/>
+        </p:nvCxnSpPr>
+        <p:spPr>
+          <a:xfrm>
+            <a:off x="610659" y="1162050"/>
+            <a:ext cx="11581341" cy="0"/>
+          </a:xfrm>
+          <a:prstGeom prst="line">
+            <a:avLst/>
+          </a:prstGeom>
+          <a:ln w="12700">
+            <a:solidFill>
+              <a:schemeClr val="accent2"/>
+            </a:solidFill>
+          </a:ln>
+        </p:spPr>
+        <p:style>
+          <a:lnRef idx="1">
+            <a:schemeClr val="accent1"/>
+          </a:lnRef>
+          <a:fillRef idx="0">
+            <a:schemeClr val="accent1"/>
+          </a:fillRef>
+          <a:effectRef idx="0">
+            <a:schemeClr val="accent1"/>
+          </a:effectRef>
+          <a:fontRef idx="minor">
+            <a:schemeClr val="tx1"/>
+          </a:fontRef>
+        </p:style>
+      </p:cxnSp>
+      <p:sp>
+        <p:nvSpPr>
+          <p:cNvPr id="4" name="Title 3"/>
+          <p:cNvSpPr>
+            <a:spLocks noGrp="1"/>
+          </p:cNvSpPr>
+          <p:nvPr>
+            <p:ph type="title" hasCustomPrompt="1"/>
+          </p:nvPr>
+        </p:nvSpPr>
+        <p:spPr/>
+        <p:txBody>
+          <a:bodyPr/>
+          <a:lstStyle/>
+          <a:p>
+            <a:r>
+              <a:rPr lang="en-US" dirty="0" smtClean="0"/>
+              <a:t>Master Title Slide Headline</a:t>
+            </a:r>
+            <a:endParaRPr lang="en-CA" dirty="0"/>
+          </a:p>
+        </p:txBody>
+      </p:sp>
+      <p:sp>
+        <p:nvSpPr>
+          <p:cNvPr id="8" name="TextBox 7"/>
+          <p:cNvSpPr txBox="1"/>
+          <p:nvPr userDrawn="1"/>
+        </p:nvSpPr>
+        <p:spPr>
+          <a:xfrm>
+            <a:off x="10859597" y="6562940"/>
+            <a:ext cx="715200" cy="244800"/>
+          </a:xfrm>
+          <a:prstGeom prst="rect">
+            <a:avLst/>
+          </a:prstGeom>
+          <a:noFill/>
+        </p:spPr>
+        <p:txBody>
+          <a:bodyPr wrap="square" lIns="0" tIns="0" rIns="0" bIns="0" rtlCol="0" anchor="ctr" anchorCtr="0">
+            <a:noAutofit/>
+          </a:bodyPr>
+          <a:lstStyle/>
+          <a:p>
+            <a:pPr algn="r"/>
+            <a:fld id="{597A8DCA-8F96-49CD-B4D5-7AC92F955860}" type="slidenum">
+              <a:rPr lang="en-CA" sz="900" smtClean="0">
+                <a:solidFill>
+                  <a:srgbClr val="7F7F7F"/>
+                </a:solidFill>
+                <a:cs typeface="Arial" pitchFamily="34" charset="0"/>
+              </a:rPr>
+              <a:pPr algn="r"/>
+              <a:t>‹#›</a:t>
+            </a:fld>
+            <a:endParaRPr lang="en-CA" sz="900" dirty="0">
+              <a:solidFill>
+                <a:srgbClr val="7F7F7F"/>
+              </a:solidFill>
+              <a:cs typeface="Arial" pitchFamily="34" charset="0"/>
+            </a:endParaRPr>
+          </a:p>
+        </p:txBody>
+      </p:sp>
+      <p:pic>
+        <p:nvPicPr>
+          <p:cNvPr id="9" name="Picture 8" descr="apigee_logo_for_PPT.png"/>
+          <p:cNvPicPr>
+            <a:picLocks noChangeAspect="1"/>
+          </p:cNvPicPr>
+          <p:nvPr userDrawn="1"/>
+        </p:nvPicPr>
+        <p:blipFill>
+          <a:blip r:embed="rId2">
+            <a:extLst>
+              <a:ext uri="{28A0092B-C50C-407E-A947-70E740481C1C}">
+                <a14:useLocalDpi xmlns:a14="http://schemas.microsoft.com/office/drawing/2010/main" val="0"/>
+              </a:ext>
+            </a:extLst>
+          </a:blip>
+          <a:stretch>
+            <a:fillRect/>
+          </a:stretch>
+        </p:blipFill>
+        <p:spPr>
+          <a:xfrm>
+            <a:off x="9220559" y="284130"/>
+            <a:ext cx="1952419" cy="551495"/>
+          </a:xfrm>
+          <a:prstGeom prst="rect">
+            <a:avLst/>
+          </a:prstGeom>
+        </p:spPr>
+      </p:pic>
+    </p:spTree>
+    <p:extLst>
+      <p:ext uri="{BB962C8B-B14F-4D97-AF65-F5344CB8AC3E}">
+        <p14:creationId xmlns:p14="http://schemas.microsoft.com/office/powerpoint/2010/main" val="4032208590"/>
+      </p:ext>
+    </p:extLst>
+  </p:cSld>
+  <p:clrMapOvr>
+    <a:masterClrMapping/>
+  </p:clrMapOvr>
+  <p:timing>
+    <p:tnLst>
+      <p:par>
+        <p:cTn id="1" dur="indefinite" restart="never" nodeType="tmRoot"/>
+      </p:par>
+    </p:tnLst>
+  </p:timing>
+</p:sldLayout>
+</file>
+
+<file path=ppt/slideLayouts/slideLayout34.xml><?xml version="1.0" encoding="utf-8"?>
+<p:sldLayout xmlns:a="http://schemas.openxmlformats.org/drawingml/2006/main" xmlns:r="http://schemas.openxmlformats.org/officeDocument/2006/relationships" xmlns:p="http://schemas.openxmlformats.org/presentationml/2006/main" preserve="1" userDrawn="1">
+  <p:cSld name="Title and Paragraphs">
+    <p:spTree>
+      <p:nvGrpSpPr>
+        <p:cNvPr id="1" name=""/>
+        <p:cNvGrpSpPr/>
+        <p:nvPr/>
+      </p:nvGrpSpPr>
+      <p:grpSpPr>
+        <a:xfrm>
+          <a:off x="0" y="0"/>
+          <a:ext cx="0" cy="0"/>
+          <a:chOff x="0" y="0"/>
+          <a:chExt cx="0" cy="0"/>
+        </a:xfrm>
+      </p:grpSpPr>
+      <p:sp>
+        <p:nvSpPr>
+          <p:cNvPr id="10" name="Content Placeholder 9"/>
+          <p:cNvSpPr>
+            <a:spLocks noGrp="1"/>
+          </p:cNvSpPr>
+          <p:nvPr>
+            <p:ph sz="quarter" idx="12" hasCustomPrompt="1"/>
+          </p:nvPr>
+        </p:nvSpPr>
+        <p:spPr/>
+        <p:txBody>
+          <a:bodyPr/>
+          <a:lstStyle>
+            <a:lvl1pPr marL="0" indent="0">
+              <a:spcBef>
+                <a:spcPts val="1200"/>
+              </a:spcBef>
+              <a:spcAft>
+                <a:spcPts val="0"/>
+              </a:spcAft>
+              <a:buNone/>
+              <a:defRPr sz="2400" b="1">
+                <a:solidFill>
+                  <a:schemeClr val="bg2"/>
+                </a:solidFill>
+              </a:defRPr>
+            </a:lvl1pPr>
+            <a:lvl2pPr marL="231775" indent="-231775">
+              <a:spcBef>
+                <a:spcPts val="624"/>
+              </a:spcBef>
+              <a:buFont typeface="Arial" pitchFamily="34" charset="0"/>
+              <a:buChar char="•"/>
+              <a:defRPr/>
+            </a:lvl2pPr>
+            <a:lvl3pPr marL="457200" indent="-231775">
+              <a:buFont typeface="Arial" pitchFamily="34" charset="0"/>
+              <a:buChar char="–"/>
+              <a:defRPr/>
+            </a:lvl3pPr>
+            <a:lvl4pPr marL="688975" indent="-225425">
+              <a:buFont typeface="Arial" pitchFamily="34" charset="0"/>
+              <a:buChar char="•"/>
+              <a:defRPr/>
+            </a:lvl4pPr>
+            <a:lvl5pPr marL="914400" indent="-225425">
+              <a:buFont typeface="Arial" pitchFamily="34" charset="0"/>
+              <a:buChar char="–"/>
+              <a:tabLst/>
+              <a:defRPr/>
+            </a:lvl5pPr>
+          </a:lstStyle>
+          <a:p>
+            <a:pPr lvl="0"/>
+            <a:r>
+              <a:rPr lang="en-CA" dirty="0" smtClean="0"/>
+              <a:t>First Level Text</a:t>
+            </a:r>
+          </a:p>
+          <a:p>
+            <a:pPr lvl="1"/>
+            <a:r>
+              <a:rPr lang="en-CA" dirty="0" smtClean="0"/>
+              <a:t>Second Level Text</a:t>
+            </a:r>
+          </a:p>
+          <a:p>
+            <a:pPr lvl="2"/>
+            <a:r>
+              <a:rPr lang="en-CA" dirty="0" smtClean="0"/>
+              <a:t>Third Level Text</a:t>
+            </a:r>
+          </a:p>
+          <a:p>
+            <a:pPr lvl="3"/>
+            <a:r>
+              <a:rPr lang="en-CA" dirty="0" smtClean="0"/>
+              <a:t>Fourth Level Text</a:t>
+            </a:r>
+          </a:p>
+          <a:p>
+            <a:pPr lvl="4"/>
+            <a:r>
+              <a:rPr lang="en-CA" dirty="0" smtClean="0"/>
+              <a:t>Fifth Level Text</a:t>
+            </a:r>
+          </a:p>
+        </p:txBody>
+      </p:sp>
+      <p:sp>
+        <p:nvSpPr>
+          <p:cNvPr id="3" name="Title 2"/>
+          <p:cNvSpPr>
+            <a:spLocks noGrp="1"/>
+          </p:cNvSpPr>
+          <p:nvPr>
+            <p:ph type="title" hasCustomPrompt="1"/>
+          </p:nvPr>
+        </p:nvSpPr>
+        <p:spPr/>
+        <p:txBody>
+          <a:bodyPr/>
+          <a:lstStyle/>
+          <a:p>
+            <a:r>
+              <a:rPr lang="en-US" dirty="0" smtClean="0"/>
+              <a:t>Master Title Slide Headline</a:t>
+            </a:r>
+            <a:endParaRPr lang="en-CA" dirty="0"/>
+          </a:p>
+        </p:txBody>
+      </p:sp>
+      <p:sp>
+        <p:nvSpPr>
+          <p:cNvPr id="9" name="TextBox 8"/>
+          <p:cNvSpPr txBox="1"/>
+          <p:nvPr userDrawn="1"/>
+        </p:nvSpPr>
+        <p:spPr>
+          <a:xfrm>
+            <a:off x="10859597" y="6562940"/>
+            <a:ext cx="715200" cy="244800"/>
+          </a:xfrm>
+          <a:prstGeom prst="rect">
+            <a:avLst/>
+          </a:prstGeom>
+          <a:noFill/>
+        </p:spPr>
+        <p:txBody>
+          <a:bodyPr wrap="square" lIns="0" tIns="0" rIns="0" bIns="0" rtlCol="0" anchor="ctr" anchorCtr="0">
+            <a:noAutofit/>
+          </a:bodyPr>
+          <a:lstStyle/>
+          <a:p>
+            <a:pPr algn="r"/>
+            <a:fld id="{597A8DCA-8F96-49CD-B4D5-7AC92F955860}" type="slidenum">
+              <a:rPr lang="en-CA" sz="900" smtClean="0">
+                <a:solidFill>
+                  <a:srgbClr val="7F7F7F"/>
+                </a:solidFill>
+                <a:cs typeface="Arial" pitchFamily="34" charset="0"/>
+              </a:rPr>
+              <a:pPr algn="r"/>
+              <a:t>‹#›</a:t>
+            </a:fld>
+            <a:endParaRPr lang="en-CA" sz="900" dirty="0">
+              <a:solidFill>
+                <a:srgbClr val="7F7F7F"/>
+              </a:solidFill>
+              <a:cs typeface="Arial" pitchFamily="34" charset="0"/>
+            </a:endParaRPr>
+          </a:p>
+        </p:txBody>
+      </p:sp>
+      <p:pic>
+        <p:nvPicPr>
+          <p:cNvPr id="11" name="Picture 10" descr="apigee_logo_for_PPT.png"/>
+          <p:cNvPicPr>
+            <a:picLocks noChangeAspect="1"/>
+          </p:cNvPicPr>
+          <p:nvPr userDrawn="1"/>
+        </p:nvPicPr>
+        <p:blipFill>
+          <a:blip r:embed="rId2">
+            <a:extLst>
+              <a:ext uri="{28A0092B-C50C-407E-A947-70E740481C1C}">
+                <a14:useLocalDpi xmlns:a14="http://schemas.microsoft.com/office/drawing/2010/main" val="0"/>
+              </a:ext>
+            </a:extLst>
+          </a:blip>
+          <a:stretch>
+            <a:fillRect/>
+          </a:stretch>
+        </p:blipFill>
+        <p:spPr>
+          <a:xfrm>
+            <a:off x="9602643" y="193489"/>
+            <a:ext cx="1952419" cy="551495"/>
+          </a:xfrm>
+          <a:prstGeom prst="rect">
+            <a:avLst/>
+          </a:prstGeom>
+        </p:spPr>
+      </p:pic>
+    </p:spTree>
+    <p:extLst>
+      <p:ext uri="{BB962C8B-B14F-4D97-AF65-F5344CB8AC3E}">
+        <p14:creationId xmlns:p14="http://schemas.microsoft.com/office/powerpoint/2010/main" val="2644651021"/>
+      </p:ext>
+    </p:extLst>
+  </p:cSld>
+  <p:clrMapOvr>
+    <a:masterClrMapping/>
+  </p:clrMapOvr>
+  <p:timing>
+    <p:tnLst>
+      <p:par>
+        <p:cTn id="1" dur="indefinite" restart="never" nodeType="tmRoot"/>
+      </p:par>
+    </p:tnLst>
+  </p:timing>
+</p:sldLayout>
+</file>
+
+<file path=ppt/slideLayouts/slideLayout35.xml><?xml version="1.0" encoding="utf-8"?>
+<p:sldLayout xmlns:a="http://schemas.openxmlformats.org/drawingml/2006/main" xmlns:r="http://schemas.openxmlformats.org/officeDocument/2006/relationships" xmlns:p="http://schemas.openxmlformats.org/presentationml/2006/main" preserve="1" userDrawn="1">
+  <p:cSld name="Title and 2-Content">
+    <p:spTree>
+      <p:nvGrpSpPr>
+        <p:cNvPr id="1" name=""/>
+        <p:cNvGrpSpPr/>
+        <p:nvPr/>
+      </p:nvGrpSpPr>
+      <p:grpSpPr>
+        <a:xfrm>
+          <a:off x="0" y="0"/>
+          <a:ext cx="0" cy="0"/>
+          <a:chOff x="0" y="0"/>
+          <a:chExt cx="0" cy="0"/>
+        </a:xfrm>
+      </p:grpSpPr>
+      <p:sp>
+        <p:nvSpPr>
+          <p:cNvPr id="10" name="Content Placeholder 9"/>
+          <p:cNvSpPr>
+            <a:spLocks noGrp="1"/>
+          </p:cNvSpPr>
+          <p:nvPr>
+            <p:ph sz="quarter" idx="12" hasCustomPrompt="1"/>
+          </p:nvPr>
+        </p:nvSpPr>
+        <p:spPr>
+          <a:xfrm>
+            <a:off x="609602" y="1381125"/>
+            <a:ext cx="5367865" cy="4824414"/>
+          </a:xfrm>
+        </p:spPr>
+        <p:txBody>
+          <a:bodyPr>
+            <a:normAutofit/>
+          </a:bodyPr>
+          <a:lstStyle>
+            <a:lvl1pPr>
+              <a:defRPr sz="2000"/>
+            </a:lvl1pPr>
+            <a:lvl2pPr>
+              <a:defRPr sz="1800"/>
+            </a:lvl2pPr>
+            <a:lvl3pPr>
+              <a:defRPr sz="1600"/>
+            </a:lvl3pPr>
+            <a:lvl4pPr>
+              <a:defRPr sz="1400"/>
+            </a:lvl4pPr>
+            <a:lvl5pPr>
+              <a:defRPr sz="1200"/>
+            </a:lvl5pPr>
+          </a:lstStyle>
+          <a:p>
+            <a:pPr lvl="0"/>
+            <a:r>
+              <a:rPr lang="en-CA" dirty="0" smtClean="0"/>
+              <a:t>First Level Text</a:t>
+            </a:r>
+          </a:p>
+          <a:p>
+            <a:pPr lvl="1"/>
+            <a:r>
+              <a:rPr lang="en-CA" dirty="0" smtClean="0"/>
+              <a:t>Second Level Text</a:t>
+            </a:r>
+          </a:p>
+          <a:p>
+            <a:pPr lvl="2"/>
+            <a:r>
+              <a:rPr lang="en-CA" dirty="0" smtClean="0"/>
+              <a:t>Third Level Text</a:t>
+            </a:r>
+          </a:p>
+          <a:p>
+            <a:pPr lvl="3"/>
+            <a:r>
+              <a:rPr lang="en-CA" dirty="0" smtClean="0"/>
+              <a:t>Fourth Level Text</a:t>
+            </a:r>
+          </a:p>
+          <a:p>
+            <a:pPr lvl="4"/>
+            <a:r>
+              <a:rPr lang="en-CA" dirty="0" smtClean="0"/>
+              <a:t>Fifth Level Text</a:t>
+            </a:r>
+          </a:p>
+        </p:txBody>
+      </p:sp>
+      <p:sp>
+        <p:nvSpPr>
+          <p:cNvPr id="9" name="Content Placeholder 9"/>
+          <p:cNvSpPr>
+            <a:spLocks noGrp="1"/>
+          </p:cNvSpPr>
+          <p:nvPr>
+            <p:ph sz="quarter" idx="13" hasCustomPrompt="1"/>
+          </p:nvPr>
+        </p:nvSpPr>
+        <p:spPr>
+          <a:xfrm>
+            <a:off x="6212420" y="1381125"/>
+            <a:ext cx="5367865" cy="4824414"/>
+          </a:xfrm>
+        </p:spPr>
+        <p:txBody>
+          <a:bodyPr>
+            <a:normAutofit/>
+          </a:bodyPr>
+          <a:lstStyle>
+            <a:lvl1pPr>
+              <a:defRPr sz="2000"/>
+            </a:lvl1pPr>
+            <a:lvl2pPr>
+              <a:defRPr sz="1800"/>
+            </a:lvl2pPr>
+            <a:lvl3pPr>
+              <a:defRPr sz="1600"/>
+            </a:lvl3pPr>
+            <a:lvl4pPr>
+              <a:defRPr sz="1400"/>
+            </a:lvl4pPr>
+            <a:lvl5pPr>
+              <a:defRPr sz="1200"/>
+            </a:lvl5pPr>
+          </a:lstStyle>
+          <a:p>
+            <a:pPr lvl="0"/>
+            <a:r>
+              <a:rPr lang="en-CA" dirty="0" smtClean="0"/>
+              <a:t>First Level Text</a:t>
+            </a:r>
+          </a:p>
+          <a:p>
+            <a:pPr lvl="1"/>
+            <a:r>
+              <a:rPr lang="en-CA" dirty="0" smtClean="0"/>
+              <a:t>Second Level Text</a:t>
+            </a:r>
+          </a:p>
+          <a:p>
+            <a:pPr lvl="2"/>
+            <a:r>
+              <a:rPr lang="en-CA" dirty="0" smtClean="0"/>
+              <a:t>Third Level Text</a:t>
+            </a:r>
+          </a:p>
+          <a:p>
+            <a:pPr lvl="3"/>
+            <a:r>
+              <a:rPr lang="en-CA" dirty="0" smtClean="0"/>
+              <a:t>Fourth Level Text</a:t>
+            </a:r>
+          </a:p>
+          <a:p>
+            <a:pPr lvl="4"/>
+            <a:r>
+              <a:rPr lang="en-CA" dirty="0" smtClean="0"/>
+              <a:t>Fifth Level Text</a:t>
+            </a:r>
+          </a:p>
+        </p:txBody>
+      </p:sp>
+      <p:cxnSp>
+        <p:nvCxnSpPr>
+          <p:cNvPr id="11" name="Straight Connector 10"/>
+          <p:cNvCxnSpPr/>
+          <p:nvPr userDrawn="1"/>
+        </p:nvCxnSpPr>
+        <p:spPr>
+          <a:xfrm>
+            <a:off x="610659" y="1162050"/>
+            <a:ext cx="11581341" cy="0"/>
+          </a:xfrm>
+          <a:prstGeom prst="line">
+            <a:avLst/>
+          </a:prstGeom>
+          <a:ln w="12700">
+            <a:solidFill>
+              <a:schemeClr val="accent2"/>
+            </a:solidFill>
+          </a:ln>
+        </p:spPr>
+        <p:style>
+          <a:lnRef idx="1">
+            <a:schemeClr val="accent1"/>
+          </a:lnRef>
+          <a:fillRef idx="0">
+            <a:schemeClr val="accent1"/>
+          </a:fillRef>
+          <a:effectRef idx="0">
+            <a:schemeClr val="accent1"/>
+          </a:effectRef>
+          <a:fontRef idx="minor">
+            <a:schemeClr val="tx1"/>
+          </a:fontRef>
+        </p:style>
+      </p:cxnSp>
+      <p:sp>
+        <p:nvSpPr>
+          <p:cNvPr id="3" name="Title 2"/>
+          <p:cNvSpPr>
+            <a:spLocks noGrp="1"/>
+          </p:cNvSpPr>
+          <p:nvPr>
+            <p:ph type="title" hasCustomPrompt="1"/>
+          </p:nvPr>
+        </p:nvSpPr>
+        <p:spPr/>
+        <p:txBody>
+          <a:bodyPr/>
+          <a:lstStyle/>
+          <a:p>
+            <a:r>
+              <a:rPr lang="en-US" dirty="0" smtClean="0"/>
+              <a:t>Master Title Slide Headline</a:t>
+            </a:r>
+            <a:endParaRPr lang="en-CA" dirty="0"/>
+          </a:p>
+        </p:txBody>
+      </p:sp>
+      <p:sp>
+        <p:nvSpPr>
+          <p:cNvPr id="8" name="TextBox 7"/>
+          <p:cNvSpPr txBox="1"/>
+          <p:nvPr userDrawn="1"/>
+        </p:nvSpPr>
+        <p:spPr>
+          <a:xfrm>
+            <a:off x="10859597" y="6562940"/>
+            <a:ext cx="715200" cy="244800"/>
+          </a:xfrm>
+          <a:prstGeom prst="rect">
+            <a:avLst/>
+          </a:prstGeom>
+          <a:noFill/>
+        </p:spPr>
+        <p:txBody>
+          <a:bodyPr wrap="square" lIns="0" tIns="0" rIns="0" bIns="0" rtlCol="0" anchor="ctr" anchorCtr="0">
+            <a:noAutofit/>
+          </a:bodyPr>
+          <a:lstStyle/>
+          <a:p>
+            <a:pPr algn="r"/>
+            <a:fld id="{597A8DCA-8F96-49CD-B4D5-7AC92F955860}" type="slidenum">
+              <a:rPr lang="en-CA" sz="900" smtClean="0">
+                <a:solidFill>
+                  <a:srgbClr val="7F7F7F"/>
+                </a:solidFill>
+                <a:cs typeface="Arial" pitchFamily="34" charset="0"/>
+              </a:rPr>
+              <a:pPr algn="r"/>
+              <a:t>‹#›</a:t>
+            </a:fld>
+            <a:endParaRPr lang="en-CA" sz="900" dirty="0">
+              <a:solidFill>
+                <a:srgbClr val="7F7F7F"/>
+              </a:solidFill>
+              <a:cs typeface="Arial" pitchFamily="34" charset="0"/>
+            </a:endParaRPr>
+          </a:p>
+        </p:txBody>
+      </p:sp>
+    </p:spTree>
+    <p:extLst>
+      <p:ext uri="{BB962C8B-B14F-4D97-AF65-F5344CB8AC3E}">
+        <p14:creationId xmlns:p14="http://schemas.microsoft.com/office/powerpoint/2010/main" val="3006133724"/>
+      </p:ext>
+    </p:extLst>
+  </p:cSld>
+  <p:clrMapOvr>
+    <a:masterClrMapping/>
+  </p:clrMapOvr>
+  <p:timing>
+    <p:tnLst>
+      <p:par>
+        <p:cTn id="1" dur="indefinite" restart="never" nodeType="tmRoot"/>
+      </p:par>
+    </p:tnLst>
+  </p:timing>
+</p:sldLayout>
+</file>
+
+<file path=ppt/slideLayouts/slideLayout36.xml><?xml version="1.0" encoding="utf-8"?>
+<p:sldLayout xmlns:a="http://schemas.openxmlformats.org/drawingml/2006/main" xmlns:r="http://schemas.openxmlformats.org/officeDocument/2006/relationships" xmlns:p="http://schemas.openxmlformats.org/presentationml/2006/main" preserve="1" userDrawn="1">
+  <p:cSld name="Title and 2-content Paragraphs">
+    <p:spTree>
+      <p:nvGrpSpPr>
+        <p:cNvPr id="1" name=""/>
+        <p:cNvGrpSpPr/>
+        <p:nvPr/>
+      </p:nvGrpSpPr>
+      <p:grpSpPr>
+        <a:xfrm>
+          <a:off x="0" y="0"/>
+          <a:ext cx="0" cy="0"/>
+          <a:chOff x="0" y="0"/>
+          <a:chExt cx="0" cy="0"/>
+        </a:xfrm>
+      </p:grpSpPr>
+      <p:sp>
+        <p:nvSpPr>
+          <p:cNvPr id="10" name="Content Placeholder 9"/>
+          <p:cNvSpPr>
+            <a:spLocks noGrp="1"/>
+          </p:cNvSpPr>
+          <p:nvPr>
+            <p:ph sz="quarter" idx="12" hasCustomPrompt="1"/>
+          </p:nvPr>
+        </p:nvSpPr>
+        <p:spPr>
+          <a:xfrm>
+            <a:off x="609603" y="1381125"/>
+            <a:ext cx="5367864" cy="4824414"/>
+          </a:xfrm>
+        </p:spPr>
+        <p:txBody>
+          <a:bodyPr>
+            <a:normAutofit/>
+          </a:bodyPr>
+          <a:lstStyle>
+            <a:lvl1pPr marL="0" indent="0">
+              <a:spcBef>
+                <a:spcPts val="1200"/>
+              </a:spcBef>
+              <a:spcAft>
+                <a:spcPts val="0"/>
+              </a:spcAft>
+              <a:buNone/>
+              <a:defRPr sz="2000" b="1">
+                <a:solidFill>
+                  <a:schemeClr val="bg2"/>
+                </a:solidFill>
+              </a:defRPr>
+            </a:lvl1pPr>
+            <a:lvl2pPr marL="231775" indent="-231775">
+              <a:buFont typeface="Arial" pitchFamily="34" charset="0"/>
+              <a:buChar char="•"/>
+              <a:defRPr sz="2000"/>
+            </a:lvl2pPr>
+            <a:lvl3pPr marL="457200" indent="-231775">
+              <a:buFont typeface="Arial" pitchFamily="34" charset="0"/>
+              <a:buChar char="–"/>
+              <a:defRPr sz="1800"/>
+            </a:lvl3pPr>
+            <a:lvl4pPr marL="688975" indent="-225425">
+              <a:buFont typeface="Arial" pitchFamily="34" charset="0"/>
+              <a:buChar char="•"/>
+              <a:defRPr sz="1600"/>
+            </a:lvl4pPr>
+            <a:lvl5pPr marL="914400" indent="-225425">
+              <a:buFont typeface="Arial" pitchFamily="34" charset="0"/>
+              <a:buChar char="–"/>
+              <a:tabLst/>
+              <a:defRPr sz="1400"/>
+            </a:lvl5pPr>
+          </a:lstStyle>
+          <a:p>
+            <a:pPr lvl="0"/>
+            <a:r>
+              <a:rPr lang="en-CA" dirty="0" smtClean="0"/>
+              <a:t>First Level Text</a:t>
+            </a:r>
+          </a:p>
+          <a:p>
+            <a:pPr lvl="1"/>
+            <a:r>
+              <a:rPr lang="en-CA" dirty="0" smtClean="0"/>
+              <a:t>Second Level Text</a:t>
+            </a:r>
+          </a:p>
+          <a:p>
+            <a:pPr lvl="2"/>
+            <a:r>
+              <a:rPr lang="en-CA" dirty="0" smtClean="0"/>
+              <a:t>Third Level Text</a:t>
+            </a:r>
+          </a:p>
+          <a:p>
+            <a:pPr lvl="3"/>
+            <a:r>
+              <a:rPr lang="en-CA" dirty="0" smtClean="0"/>
+              <a:t>Fourth Level Text</a:t>
+            </a:r>
+          </a:p>
+          <a:p>
+            <a:pPr lvl="4"/>
+            <a:r>
+              <a:rPr lang="en-CA" dirty="0" smtClean="0"/>
+              <a:t>Fifth Level Text</a:t>
+            </a:r>
+          </a:p>
+        </p:txBody>
+      </p:sp>
+      <p:sp>
+        <p:nvSpPr>
+          <p:cNvPr id="8" name="Content Placeholder 9"/>
+          <p:cNvSpPr>
+            <a:spLocks noGrp="1"/>
+          </p:cNvSpPr>
+          <p:nvPr>
+            <p:ph sz="quarter" idx="14" hasCustomPrompt="1"/>
+          </p:nvPr>
+        </p:nvSpPr>
+        <p:spPr>
+          <a:xfrm>
+            <a:off x="6214533" y="1381125"/>
+            <a:ext cx="5367864" cy="4824414"/>
+          </a:xfrm>
+        </p:spPr>
+        <p:txBody>
+          <a:bodyPr>
+            <a:normAutofit/>
+          </a:bodyPr>
+          <a:lstStyle>
+            <a:lvl1pPr marL="0" indent="0">
+              <a:spcBef>
+                <a:spcPts val="1200"/>
+              </a:spcBef>
+              <a:spcAft>
+                <a:spcPts val="0"/>
+              </a:spcAft>
+              <a:buNone/>
+              <a:defRPr sz="2000" b="1">
+                <a:solidFill>
+                  <a:schemeClr val="bg2"/>
+                </a:solidFill>
+              </a:defRPr>
+            </a:lvl1pPr>
+            <a:lvl2pPr marL="231775" indent="-231775">
+              <a:buFont typeface="Arial" pitchFamily="34" charset="0"/>
+              <a:buChar char="•"/>
+              <a:defRPr sz="2000"/>
+            </a:lvl2pPr>
+            <a:lvl3pPr marL="457200" indent="-231775">
+              <a:buFont typeface="Arial" pitchFamily="34" charset="0"/>
+              <a:buChar char="–"/>
+              <a:defRPr sz="1800"/>
+            </a:lvl3pPr>
+            <a:lvl4pPr marL="688975" indent="-225425">
+              <a:buFont typeface="Arial" pitchFamily="34" charset="0"/>
+              <a:buChar char="•"/>
+              <a:defRPr sz="1600"/>
+            </a:lvl4pPr>
+            <a:lvl5pPr marL="914400" indent="-225425">
+              <a:buFont typeface="Arial" pitchFamily="34" charset="0"/>
+              <a:buChar char="–"/>
+              <a:tabLst/>
+              <a:defRPr sz="1400"/>
+            </a:lvl5pPr>
+          </a:lstStyle>
+          <a:p>
+            <a:pPr lvl="0"/>
+            <a:r>
+              <a:rPr lang="en-CA" dirty="0" smtClean="0"/>
+              <a:t>First Level Text</a:t>
+            </a:r>
+          </a:p>
+          <a:p>
+            <a:pPr lvl="1"/>
+            <a:r>
+              <a:rPr lang="en-CA" dirty="0" smtClean="0"/>
+              <a:t>Second Level Text</a:t>
+            </a:r>
+          </a:p>
+          <a:p>
+            <a:pPr lvl="2"/>
+            <a:r>
+              <a:rPr lang="en-CA" dirty="0" smtClean="0"/>
+              <a:t>Third Level Text</a:t>
+            </a:r>
+          </a:p>
+          <a:p>
+            <a:pPr lvl="3"/>
+            <a:r>
+              <a:rPr lang="en-CA" dirty="0" smtClean="0"/>
+              <a:t>Fourth Level Text</a:t>
+            </a:r>
+          </a:p>
+          <a:p>
+            <a:pPr lvl="4"/>
+            <a:r>
+              <a:rPr lang="en-CA" dirty="0" smtClean="0"/>
+              <a:t>Fifth Level Text</a:t>
+            </a:r>
+          </a:p>
+        </p:txBody>
+      </p:sp>
+      <p:cxnSp>
+        <p:nvCxnSpPr>
+          <p:cNvPr id="11" name="Straight Connector 10"/>
+          <p:cNvCxnSpPr/>
+          <p:nvPr userDrawn="1"/>
+        </p:nvCxnSpPr>
+        <p:spPr>
+          <a:xfrm>
+            <a:off x="610659" y="1162050"/>
+            <a:ext cx="11581341" cy="0"/>
+          </a:xfrm>
+          <a:prstGeom prst="line">
+            <a:avLst/>
+          </a:prstGeom>
+          <a:ln w="12700">
+            <a:solidFill>
+              <a:schemeClr val="accent2"/>
+            </a:solidFill>
+          </a:ln>
+        </p:spPr>
+        <p:style>
+          <a:lnRef idx="1">
+            <a:schemeClr val="accent1"/>
+          </a:lnRef>
+          <a:fillRef idx="0">
+            <a:schemeClr val="accent1"/>
+          </a:fillRef>
+          <a:effectRef idx="0">
+            <a:schemeClr val="accent1"/>
+          </a:effectRef>
+          <a:fontRef idx="minor">
+            <a:schemeClr val="tx1"/>
+          </a:fontRef>
+        </p:style>
+      </p:cxnSp>
+      <p:sp>
+        <p:nvSpPr>
+          <p:cNvPr id="3" name="Title 2"/>
+          <p:cNvSpPr>
+            <a:spLocks noGrp="1"/>
+          </p:cNvSpPr>
+          <p:nvPr>
+            <p:ph type="title" hasCustomPrompt="1"/>
+          </p:nvPr>
+        </p:nvSpPr>
+        <p:spPr/>
+        <p:txBody>
+          <a:bodyPr/>
+          <a:lstStyle/>
+          <a:p>
+            <a:r>
+              <a:rPr lang="en-US" dirty="0" smtClean="0"/>
+              <a:t>Master Title Slide Headline</a:t>
+            </a:r>
+            <a:endParaRPr lang="en-CA" dirty="0"/>
+          </a:p>
+        </p:txBody>
+      </p:sp>
+      <p:sp>
+        <p:nvSpPr>
+          <p:cNvPr id="9" name="TextBox 8"/>
+          <p:cNvSpPr txBox="1"/>
+          <p:nvPr userDrawn="1"/>
+        </p:nvSpPr>
+        <p:spPr>
+          <a:xfrm>
+            <a:off x="10859597" y="6562940"/>
+            <a:ext cx="715200" cy="244800"/>
+          </a:xfrm>
+          <a:prstGeom prst="rect">
+            <a:avLst/>
+          </a:prstGeom>
+          <a:noFill/>
+        </p:spPr>
+        <p:txBody>
+          <a:bodyPr wrap="square" lIns="0" tIns="0" rIns="0" bIns="0" rtlCol="0" anchor="ctr" anchorCtr="0">
+            <a:noAutofit/>
+          </a:bodyPr>
+          <a:lstStyle/>
+          <a:p>
+            <a:pPr algn="r"/>
+            <a:fld id="{597A8DCA-8F96-49CD-B4D5-7AC92F955860}" type="slidenum">
+              <a:rPr lang="en-CA" sz="900" smtClean="0">
+                <a:solidFill>
+                  <a:srgbClr val="666666"/>
+                </a:solidFill>
+                <a:cs typeface="Arial" pitchFamily="34" charset="0"/>
+              </a:rPr>
+              <a:pPr algn="r"/>
+              <a:t>‹#›</a:t>
+            </a:fld>
+            <a:endParaRPr lang="en-CA" sz="900" dirty="0">
+              <a:solidFill>
+                <a:srgbClr val="666666"/>
+              </a:solidFill>
+              <a:cs typeface="Arial" pitchFamily="34" charset="0"/>
+            </a:endParaRPr>
+          </a:p>
+        </p:txBody>
+      </p:sp>
+    </p:spTree>
+    <p:extLst>
+      <p:ext uri="{BB962C8B-B14F-4D97-AF65-F5344CB8AC3E}">
+        <p14:creationId xmlns:p14="http://schemas.microsoft.com/office/powerpoint/2010/main" val="2875847980"/>
+      </p:ext>
+    </p:extLst>
+  </p:cSld>
+  <p:clrMapOvr>
+    <a:masterClrMapping/>
+  </p:clrMapOvr>
+  <p:timing>
+    <p:tnLst>
+      <p:par>
+        <p:cTn id="1" dur="indefinite" restart="never" nodeType="tmRoot"/>
+      </p:par>
+    </p:tnLst>
+  </p:timing>
+</p:sldLayout>
+</file>
+
+<file path=ppt/slideLayouts/slideLayout37.xml><?xml version="1.0" encoding="utf-8"?>
+<p:sldLayout xmlns:a="http://schemas.openxmlformats.org/drawingml/2006/main" xmlns:r="http://schemas.openxmlformats.org/officeDocument/2006/relationships" xmlns:p="http://schemas.openxmlformats.org/presentationml/2006/main" preserve="1" userDrawn="1">
+  <p:cSld name="Title Only">
+    <p:spTree>
+      <p:nvGrpSpPr>
+        <p:cNvPr id="1" name=""/>
+        <p:cNvGrpSpPr/>
+        <p:nvPr/>
+      </p:nvGrpSpPr>
+      <p:grpSpPr>
+        <a:xfrm>
+          <a:off x="0" y="0"/>
+          <a:ext cx="0" cy="0"/>
+          <a:chOff x="0" y="0"/>
+          <a:chExt cx="0" cy="0"/>
+        </a:xfrm>
+      </p:grpSpPr>
+      <p:cxnSp>
+        <p:nvCxnSpPr>
+          <p:cNvPr id="7" name="Straight Connector 6"/>
+          <p:cNvCxnSpPr/>
+          <p:nvPr userDrawn="1"/>
+        </p:nvCxnSpPr>
+        <p:spPr>
+          <a:xfrm>
+            <a:off x="610659" y="1162050"/>
+            <a:ext cx="11581341" cy="0"/>
+          </a:xfrm>
+          <a:prstGeom prst="line">
+            <a:avLst/>
+          </a:prstGeom>
+          <a:ln w="12700">
+            <a:solidFill>
+              <a:schemeClr val="accent2"/>
+            </a:solidFill>
+          </a:ln>
+        </p:spPr>
+        <p:style>
+          <a:lnRef idx="1">
+            <a:schemeClr val="accent1"/>
+          </a:lnRef>
+          <a:fillRef idx="0">
+            <a:schemeClr val="accent1"/>
+          </a:fillRef>
+          <a:effectRef idx="0">
+            <a:schemeClr val="accent1"/>
+          </a:effectRef>
+          <a:fontRef idx="minor">
+            <a:schemeClr val="tx1"/>
+          </a:fontRef>
+        </p:style>
+      </p:cxnSp>
+      <p:sp>
+        <p:nvSpPr>
+          <p:cNvPr id="3" name="Title 2"/>
+          <p:cNvSpPr>
+            <a:spLocks noGrp="1"/>
+          </p:cNvSpPr>
+          <p:nvPr>
+            <p:ph type="title" hasCustomPrompt="1"/>
+          </p:nvPr>
+        </p:nvSpPr>
+        <p:spPr/>
+        <p:txBody>
+          <a:bodyPr/>
+          <a:lstStyle/>
+          <a:p>
+            <a:r>
+              <a:rPr lang="en-US" dirty="0" smtClean="0"/>
+              <a:t>Master Title Slide Headline</a:t>
+            </a:r>
+            <a:endParaRPr lang="en-CA" dirty="0"/>
+          </a:p>
+        </p:txBody>
+      </p:sp>
+      <p:sp>
+        <p:nvSpPr>
+          <p:cNvPr id="6" name="TextBox 5"/>
+          <p:cNvSpPr txBox="1"/>
+          <p:nvPr userDrawn="1"/>
+        </p:nvSpPr>
+        <p:spPr>
+          <a:xfrm>
+            <a:off x="10859597" y="6562940"/>
+            <a:ext cx="715200" cy="244800"/>
+          </a:xfrm>
+          <a:prstGeom prst="rect">
+            <a:avLst/>
+          </a:prstGeom>
+          <a:noFill/>
+        </p:spPr>
+        <p:txBody>
+          <a:bodyPr wrap="square" lIns="0" tIns="0" rIns="0" bIns="0" rtlCol="0" anchor="ctr" anchorCtr="0">
+            <a:noAutofit/>
+          </a:bodyPr>
+          <a:lstStyle/>
+          <a:p>
+            <a:pPr algn="r"/>
+            <a:fld id="{597A8DCA-8F96-49CD-B4D5-7AC92F955860}" type="slidenum">
+              <a:rPr lang="en-CA" sz="900" smtClean="0">
+                <a:solidFill>
+                  <a:srgbClr val="7F7F7F"/>
+                </a:solidFill>
+                <a:cs typeface="Arial" pitchFamily="34" charset="0"/>
+              </a:rPr>
+              <a:pPr algn="r"/>
+              <a:t>‹#›</a:t>
+            </a:fld>
+            <a:endParaRPr lang="en-CA" sz="900" dirty="0">
+              <a:solidFill>
+                <a:srgbClr val="7F7F7F"/>
+              </a:solidFill>
+              <a:cs typeface="Arial" pitchFamily="34" charset="0"/>
+            </a:endParaRPr>
+          </a:p>
+        </p:txBody>
+      </p:sp>
+      <p:pic>
+        <p:nvPicPr>
+          <p:cNvPr id="8" name="Picture 7" descr="apigee_logo_for_PPT.png"/>
+          <p:cNvPicPr>
+            <a:picLocks noChangeAspect="1"/>
+          </p:cNvPicPr>
+          <p:nvPr userDrawn="1"/>
+        </p:nvPicPr>
+        <p:blipFill>
+          <a:blip r:embed="rId2">
+            <a:extLst>
+              <a:ext uri="{28A0092B-C50C-407E-A947-70E740481C1C}">
+                <a14:useLocalDpi xmlns:a14="http://schemas.microsoft.com/office/drawing/2010/main" val="0"/>
+              </a:ext>
+            </a:extLst>
+          </a:blip>
+          <a:stretch>
+            <a:fillRect/>
+          </a:stretch>
+        </p:blipFill>
+        <p:spPr>
+          <a:xfrm>
+            <a:off x="9448800" y="287151"/>
+            <a:ext cx="1952419" cy="551495"/>
+          </a:xfrm>
+          <a:prstGeom prst="rect">
+            <a:avLst/>
+          </a:prstGeom>
+        </p:spPr>
+      </p:pic>
+    </p:spTree>
+    <p:extLst>
+      <p:ext uri="{BB962C8B-B14F-4D97-AF65-F5344CB8AC3E}">
+        <p14:creationId xmlns:p14="http://schemas.microsoft.com/office/powerpoint/2010/main" val="1761824432"/>
+      </p:ext>
+    </p:extLst>
+  </p:cSld>
+  <p:clrMapOvr>
+    <a:masterClrMapping/>
+  </p:clrMapOvr>
+  <p:timing>
+    <p:tnLst>
+      <p:par>
+        <p:cTn id="1" dur="indefinite" restart="never" nodeType="tmRoot"/>
+      </p:par>
+    </p:tnLst>
+  </p:timing>
+</p:sldLayout>
+</file>
+
+<file path=ppt/slideLayouts/slideLayout38.xml><?xml version="1.0" encoding="utf-8"?>
+<p:sldLayout xmlns:a="http://schemas.openxmlformats.org/drawingml/2006/main" xmlns:r="http://schemas.openxmlformats.org/officeDocument/2006/relationships" xmlns:p="http://schemas.openxmlformats.org/presentationml/2006/main" preserve="1" userDrawn="1">
+  <p:cSld name="Blank">
+    <p:spTree>
+      <p:nvGrpSpPr>
+        <p:cNvPr id="1" name=""/>
+        <p:cNvGrpSpPr/>
+        <p:nvPr/>
+      </p:nvGrpSpPr>
+      <p:grpSpPr>
+        <a:xfrm>
+          <a:off x="0" y="0"/>
+          <a:ext cx="0" cy="0"/>
+          <a:chOff x="0" y="0"/>
+          <a:chExt cx="0" cy="0"/>
+        </a:xfrm>
+      </p:grpSpPr>
+      <p:sp>
+        <p:nvSpPr>
+          <p:cNvPr id="3" name="TextBox 2"/>
+          <p:cNvSpPr txBox="1"/>
+          <p:nvPr userDrawn="1"/>
+        </p:nvSpPr>
+        <p:spPr>
+          <a:xfrm>
+            <a:off x="10859597" y="6562940"/>
+            <a:ext cx="715200" cy="244800"/>
+          </a:xfrm>
+          <a:prstGeom prst="rect">
+            <a:avLst/>
+          </a:prstGeom>
+          <a:noFill/>
+        </p:spPr>
+        <p:txBody>
+          <a:bodyPr wrap="square" lIns="0" tIns="0" rIns="0" bIns="0" rtlCol="0" anchor="ctr" anchorCtr="0">
+            <a:noAutofit/>
+          </a:bodyPr>
+          <a:lstStyle/>
+          <a:p>
+            <a:pPr algn="r"/>
+            <a:fld id="{597A8DCA-8F96-49CD-B4D5-7AC92F955860}" type="slidenum">
+              <a:rPr lang="en-CA" sz="900" smtClean="0">
+                <a:solidFill>
+                  <a:srgbClr val="7F7F7F"/>
+                </a:solidFill>
+                <a:cs typeface="Arial" pitchFamily="34" charset="0"/>
+              </a:rPr>
+              <a:pPr algn="r"/>
+              <a:t>‹#›</a:t>
+            </a:fld>
+            <a:endParaRPr lang="en-CA" sz="900" dirty="0">
+              <a:solidFill>
+                <a:srgbClr val="7F7F7F"/>
+              </a:solidFill>
+              <a:cs typeface="Arial" pitchFamily="34" charset="0"/>
+            </a:endParaRPr>
+          </a:p>
+        </p:txBody>
+      </p:sp>
+    </p:spTree>
+    <p:extLst>
+      <p:ext uri="{BB962C8B-B14F-4D97-AF65-F5344CB8AC3E}">
+        <p14:creationId xmlns:p14="http://schemas.microsoft.com/office/powerpoint/2010/main" val="1621656690"/>
+      </p:ext>
+    </p:extLst>
+  </p:cSld>
+  <p:clrMapOvr>
+    <a:masterClrMapping/>
+  </p:clrMapOvr>
+  <p:timing>
+    <p:tnLst>
+      <p:par>
+        <p:cTn id="1" dur="indefinite" restart="never" nodeType="tmRoot"/>
+      </p:par>
+    </p:tnLst>
+  </p:timing>
+</p:sldLayout>
+</file>
+
+<file path=ppt/slideLayouts/slideLayout39.xml><?xml version="1.0" encoding="utf-8"?>
+<p:sldLayout xmlns:a="http://schemas.openxmlformats.org/drawingml/2006/main" xmlns:r="http://schemas.openxmlformats.org/officeDocument/2006/relationships" xmlns:p="http://schemas.openxmlformats.org/presentationml/2006/main" preserve="1" userDrawn="1">
+  <p:cSld name="Questions">
+    <p:bg>
+      <p:bgPr>
+        <a:solidFill>
+          <a:schemeClr val="tx2"/>
+        </a:solidFill>
+        <a:effectLst/>
+      </p:bgPr>
+    </p:bg>
+    <p:spTree>
+      <p:nvGrpSpPr>
+        <p:cNvPr id="1" name=""/>
+        <p:cNvGrpSpPr/>
+        <p:nvPr/>
+      </p:nvGrpSpPr>
+      <p:grpSpPr>
+        <a:xfrm>
+          <a:off x="0" y="0"/>
+          <a:ext cx="0" cy="0"/>
+          <a:chOff x="0" y="0"/>
+          <a:chExt cx="0" cy="0"/>
+        </a:xfrm>
+      </p:grpSpPr>
+      <p:pic>
+        <p:nvPicPr>
+          <p:cNvPr id="3" name="Picture 2" descr="123583599.jpg"/>
+          <p:cNvPicPr>
+            <a:picLocks noChangeAspect="1"/>
+          </p:cNvPicPr>
+          <p:nvPr userDrawn="1"/>
+        </p:nvPicPr>
+        <p:blipFill>
+          <a:blip r:embed="rId2" cstate="print"/>
+          <a:stretch>
+            <a:fillRect/>
+          </a:stretch>
+        </p:blipFill>
+        <p:spPr>
+          <a:xfrm>
+            <a:off x="0" y="0"/>
+            <a:ext cx="12192000" cy="6858000"/>
+          </a:xfrm>
+          <a:prstGeom prst="rect">
+            <a:avLst/>
+          </a:prstGeom>
+        </p:spPr>
+      </p:pic>
+      <p:sp>
+        <p:nvSpPr>
+          <p:cNvPr id="5" name="Text Placeholder 8"/>
+          <p:cNvSpPr>
+            <a:spLocks noGrp="1"/>
+          </p:cNvSpPr>
+          <p:nvPr>
+            <p:ph type="body" sz="quarter" idx="10" hasCustomPrompt="1"/>
+          </p:nvPr>
+        </p:nvSpPr>
+        <p:spPr>
+          <a:xfrm>
+            <a:off x="609601" y="359082"/>
+            <a:ext cx="10970684" cy="605012"/>
+          </a:xfrm>
+        </p:spPr>
+        <p:txBody>
+          <a:bodyPr lIns="0" rIns="0" anchor="b" anchorCtr="0">
+            <a:noAutofit/>
+          </a:bodyPr>
+          <a:lstStyle>
+            <a:lvl1pPr marL="0" indent="0" algn="l">
+              <a:lnSpc>
+                <a:spcPts val="3900"/>
+              </a:lnSpc>
+              <a:spcBef>
+                <a:spcPts val="0"/>
+              </a:spcBef>
+              <a:spcAft>
+                <a:spcPts val="0"/>
+              </a:spcAft>
+              <a:buNone/>
+              <a:defRPr sz="4000" b="0" baseline="0">
+                <a:solidFill>
+                  <a:schemeClr val="tx2"/>
+                </a:solidFill>
+              </a:defRPr>
+            </a:lvl1pPr>
+            <a:lvl2pPr marL="0" indent="0">
+              <a:lnSpc>
+                <a:spcPct val="100000"/>
+              </a:lnSpc>
+              <a:spcAft>
+                <a:spcPts val="0"/>
+              </a:spcAft>
+              <a:buNone/>
+              <a:defRPr sz="1900">
+                <a:solidFill>
+                  <a:schemeClr val="bg1"/>
+                </a:solidFill>
+              </a:defRPr>
+            </a:lvl2pPr>
+            <a:lvl3pPr marL="468000" indent="0">
+              <a:buNone/>
+              <a:defRPr/>
+            </a:lvl3pPr>
+          </a:lstStyle>
+          <a:p>
+            <a:pPr lvl="0"/>
+            <a:r>
+              <a:rPr lang="en-US" dirty="0" smtClean="0"/>
+              <a:t>Master Divider Slide Headline</a:t>
+            </a:r>
+          </a:p>
+        </p:txBody>
+      </p:sp>
+    </p:spTree>
+    <p:extLst>
+      <p:ext uri="{BB962C8B-B14F-4D97-AF65-F5344CB8AC3E}">
+        <p14:creationId xmlns:p14="http://schemas.microsoft.com/office/powerpoint/2010/main" val="4146754578"/>
       </p:ext>
     </p:extLst>
   </p:cSld>
@@ -6375,6 +8677,2627 @@
   <p:clrMapOvr>
     <a:masterClrMapping/>
   </p:clrMapOvr>
+</p:sldLayout>
+</file>
+
+<file path=ppt/slideLayouts/slideLayout40.xml><?xml version="1.0" encoding="utf-8"?>
+<p:sldLayout xmlns:a="http://schemas.openxmlformats.org/drawingml/2006/main" xmlns:r="http://schemas.openxmlformats.org/officeDocument/2006/relationships" xmlns:p="http://schemas.openxmlformats.org/presentationml/2006/main" preserve="1" userDrawn="1">
+  <p:cSld name="Introductions">
+    <p:bg>
+      <p:bgPr>
+        <a:solidFill>
+          <a:schemeClr val="tx2"/>
+        </a:solidFill>
+        <a:effectLst/>
+      </p:bgPr>
+    </p:bg>
+    <p:spTree>
+      <p:nvGrpSpPr>
+        <p:cNvPr id="1" name=""/>
+        <p:cNvGrpSpPr/>
+        <p:nvPr/>
+      </p:nvGrpSpPr>
+      <p:grpSpPr>
+        <a:xfrm>
+          <a:off x="0" y="0"/>
+          <a:ext cx="0" cy="0"/>
+          <a:chOff x="0" y="0"/>
+          <a:chExt cx="0" cy="0"/>
+        </a:xfrm>
+      </p:grpSpPr>
+      <p:pic>
+        <p:nvPicPr>
+          <p:cNvPr id="4" name="Picture 3" descr="stk153597rke.jpg"/>
+          <p:cNvPicPr>
+            <a:picLocks noChangeAspect="1"/>
+          </p:cNvPicPr>
+          <p:nvPr userDrawn="1"/>
+        </p:nvPicPr>
+        <p:blipFill>
+          <a:blip r:embed="rId2" cstate="print"/>
+          <a:stretch>
+            <a:fillRect/>
+          </a:stretch>
+        </p:blipFill>
+        <p:spPr>
+          <a:xfrm>
+            <a:off x="0" y="0"/>
+            <a:ext cx="12192000" cy="6858000"/>
+          </a:xfrm>
+          <a:prstGeom prst="rect">
+            <a:avLst/>
+          </a:prstGeom>
+        </p:spPr>
+      </p:pic>
+      <p:sp>
+        <p:nvSpPr>
+          <p:cNvPr id="5" name="Text Placeholder 8"/>
+          <p:cNvSpPr>
+            <a:spLocks noGrp="1"/>
+          </p:cNvSpPr>
+          <p:nvPr>
+            <p:ph type="body" sz="quarter" idx="10" hasCustomPrompt="1"/>
+          </p:nvPr>
+        </p:nvSpPr>
+        <p:spPr>
+          <a:xfrm>
+            <a:off x="609601" y="359082"/>
+            <a:ext cx="10970684" cy="605012"/>
+          </a:xfrm>
+        </p:spPr>
+        <p:txBody>
+          <a:bodyPr lIns="0" rIns="0" anchor="b" anchorCtr="0">
+            <a:noAutofit/>
+          </a:bodyPr>
+          <a:lstStyle>
+            <a:lvl1pPr marL="0" indent="0" algn="l">
+              <a:lnSpc>
+                <a:spcPts val="3900"/>
+              </a:lnSpc>
+              <a:spcBef>
+                <a:spcPts val="0"/>
+              </a:spcBef>
+              <a:spcAft>
+                <a:spcPts val="0"/>
+              </a:spcAft>
+              <a:buNone/>
+              <a:defRPr sz="4000" b="0" baseline="0">
+                <a:solidFill>
+                  <a:schemeClr val="tx2"/>
+                </a:solidFill>
+              </a:defRPr>
+            </a:lvl1pPr>
+            <a:lvl2pPr marL="0" indent="0">
+              <a:lnSpc>
+                <a:spcPct val="100000"/>
+              </a:lnSpc>
+              <a:spcAft>
+                <a:spcPts val="0"/>
+              </a:spcAft>
+              <a:buNone/>
+              <a:defRPr sz="1900">
+                <a:solidFill>
+                  <a:schemeClr val="bg1"/>
+                </a:solidFill>
+              </a:defRPr>
+            </a:lvl2pPr>
+            <a:lvl3pPr marL="468000" indent="0">
+              <a:buNone/>
+              <a:defRPr/>
+            </a:lvl3pPr>
+          </a:lstStyle>
+          <a:p>
+            <a:pPr lvl="0"/>
+            <a:r>
+              <a:rPr lang="en-US" dirty="0" smtClean="0"/>
+              <a:t>Master Divider Slide Headline</a:t>
+            </a:r>
+          </a:p>
+        </p:txBody>
+      </p:sp>
+    </p:spTree>
+    <p:extLst>
+      <p:ext uri="{BB962C8B-B14F-4D97-AF65-F5344CB8AC3E}">
+        <p14:creationId xmlns:p14="http://schemas.microsoft.com/office/powerpoint/2010/main" val="252739957"/>
+      </p:ext>
+    </p:extLst>
+  </p:cSld>
+  <p:clrMapOvr>
+    <a:masterClrMapping/>
+  </p:clrMapOvr>
+  <p:timing>
+    <p:tnLst>
+      <p:par>
+        <p:cTn id="1" dur="indefinite" restart="never" nodeType="tmRoot"/>
+      </p:par>
+    </p:tnLst>
+  </p:timing>
+</p:sldLayout>
+</file>
+
+<file path=ppt/slideLayouts/slideLayout41.xml><?xml version="1.0" encoding="utf-8"?>
+<p:sldLayout xmlns:a="http://schemas.openxmlformats.org/drawingml/2006/main" xmlns:r="http://schemas.openxmlformats.org/officeDocument/2006/relationships" xmlns:p="http://schemas.openxmlformats.org/presentationml/2006/main" preserve="1" userDrawn="1">
+  <p:cSld name="Next Steps">
+    <p:spTree>
+      <p:nvGrpSpPr>
+        <p:cNvPr id="1" name=""/>
+        <p:cNvGrpSpPr/>
+        <p:nvPr/>
+      </p:nvGrpSpPr>
+      <p:grpSpPr>
+        <a:xfrm>
+          <a:off x="0" y="0"/>
+          <a:ext cx="0" cy="0"/>
+          <a:chOff x="0" y="0"/>
+          <a:chExt cx="0" cy="0"/>
+        </a:xfrm>
+      </p:grpSpPr>
+      <p:sp>
+        <p:nvSpPr>
+          <p:cNvPr id="10" name="Content Placeholder 9"/>
+          <p:cNvSpPr>
+            <a:spLocks noGrp="1"/>
+          </p:cNvSpPr>
+          <p:nvPr>
+            <p:ph sz="quarter" idx="12" hasCustomPrompt="1"/>
+          </p:nvPr>
+        </p:nvSpPr>
+        <p:spPr>
+          <a:xfrm>
+            <a:off x="609601" y="1381125"/>
+            <a:ext cx="10970683" cy="5037138"/>
+          </a:xfrm>
+        </p:spPr>
+        <p:txBody>
+          <a:bodyPr/>
+          <a:lstStyle>
+            <a:lvl2pPr>
+              <a:defRPr/>
+            </a:lvl2pPr>
+            <a:lvl3pPr>
+              <a:defRPr/>
+            </a:lvl3pPr>
+          </a:lstStyle>
+          <a:p>
+            <a:pPr lvl="0"/>
+            <a:r>
+              <a:rPr lang="en-CA" dirty="0" smtClean="0"/>
+              <a:t>First Level Text</a:t>
+            </a:r>
+          </a:p>
+          <a:p>
+            <a:pPr lvl="1"/>
+            <a:r>
+              <a:rPr lang="en-CA" dirty="0" smtClean="0"/>
+              <a:t>Second Level Text</a:t>
+            </a:r>
+          </a:p>
+          <a:p>
+            <a:pPr lvl="2"/>
+            <a:r>
+              <a:rPr lang="en-CA" dirty="0" smtClean="0"/>
+              <a:t>Third Level Text</a:t>
+            </a:r>
+          </a:p>
+          <a:p>
+            <a:pPr lvl="3"/>
+            <a:r>
+              <a:rPr lang="en-CA" dirty="0" smtClean="0"/>
+              <a:t>Fourth Level Text</a:t>
+            </a:r>
+          </a:p>
+          <a:p>
+            <a:pPr lvl="4"/>
+            <a:r>
+              <a:rPr lang="en-CA" dirty="0" smtClean="0"/>
+              <a:t>Fifth Level Text</a:t>
+            </a:r>
+          </a:p>
+        </p:txBody>
+      </p:sp>
+      <p:pic>
+        <p:nvPicPr>
+          <p:cNvPr id="9" name="Picture 8" descr="Power_PC [Converted].png"/>
+          <p:cNvPicPr>
+            <a:picLocks noChangeAspect="1"/>
+          </p:cNvPicPr>
+          <p:nvPr userDrawn="1"/>
+        </p:nvPicPr>
+        <p:blipFill>
+          <a:blip r:embed="rId2" cstate="print"/>
+          <a:stretch>
+            <a:fillRect/>
+          </a:stretch>
+        </p:blipFill>
+        <p:spPr>
+          <a:xfrm>
+            <a:off x="9726203" y="170123"/>
+            <a:ext cx="2047795" cy="1781155"/>
+          </a:xfrm>
+          <a:prstGeom prst="rect">
+            <a:avLst/>
+          </a:prstGeom>
+        </p:spPr>
+      </p:pic>
+      <p:cxnSp>
+        <p:nvCxnSpPr>
+          <p:cNvPr id="7" name="Straight Connector 6"/>
+          <p:cNvCxnSpPr/>
+          <p:nvPr userDrawn="1"/>
+        </p:nvCxnSpPr>
+        <p:spPr>
+          <a:xfrm>
+            <a:off x="610659" y="1162050"/>
+            <a:ext cx="11581341" cy="0"/>
+          </a:xfrm>
+          <a:prstGeom prst="line">
+            <a:avLst/>
+          </a:prstGeom>
+          <a:ln w="12700">
+            <a:solidFill>
+              <a:schemeClr val="accent2"/>
+            </a:solidFill>
+          </a:ln>
+        </p:spPr>
+        <p:style>
+          <a:lnRef idx="1">
+            <a:schemeClr val="accent1"/>
+          </a:lnRef>
+          <a:fillRef idx="0">
+            <a:schemeClr val="accent1"/>
+          </a:fillRef>
+          <a:effectRef idx="0">
+            <a:schemeClr val="accent1"/>
+          </a:effectRef>
+          <a:fontRef idx="minor">
+            <a:schemeClr val="tx1"/>
+          </a:fontRef>
+        </p:style>
+      </p:cxnSp>
+      <p:sp>
+        <p:nvSpPr>
+          <p:cNvPr id="6" name="TextBox 5"/>
+          <p:cNvSpPr txBox="1"/>
+          <p:nvPr userDrawn="1"/>
+        </p:nvSpPr>
+        <p:spPr>
+          <a:xfrm>
+            <a:off x="592668" y="6572250"/>
+            <a:ext cx="3430969" cy="230832"/>
+          </a:xfrm>
+          <a:prstGeom prst="rect">
+            <a:avLst/>
+          </a:prstGeom>
+          <a:noFill/>
+        </p:spPr>
+        <p:txBody>
+          <a:bodyPr wrap="square" lIns="0">
+            <a:spAutoFit/>
+          </a:bodyPr>
+          <a:lstStyle/>
+          <a:p>
+            <a:pPr algn="ctr">
+              <a:defRPr/>
+            </a:pPr>
+            <a:r>
+              <a:rPr lang="en-US" sz="900" dirty="0">
+                <a:solidFill>
+                  <a:srgbClr val="7F7F7F"/>
+                </a:solidFill>
+                <a:cs typeface="Arial" pitchFamily="34" charset="0"/>
+              </a:rPr>
+              <a:t>Copyright © </a:t>
+            </a:r>
+            <a:r>
+              <a:rPr lang="en-US" sz="900" dirty="0" smtClean="0">
+                <a:solidFill>
+                  <a:srgbClr val="7F7F7F"/>
+                </a:solidFill>
+                <a:cs typeface="Arial" pitchFamily="34" charset="0"/>
+              </a:rPr>
+              <a:t>2012 </a:t>
+            </a:r>
+            <a:r>
+              <a:rPr lang="en-US" sz="900" dirty="0">
+                <a:solidFill>
+                  <a:srgbClr val="7F7F7F"/>
+                </a:solidFill>
+                <a:cs typeface="Arial" pitchFamily="34" charset="0"/>
+              </a:rPr>
+              <a:t>Accenture  All rights reserved.</a:t>
+            </a:r>
+          </a:p>
+        </p:txBody>
+      </p:sp>
+      <p:sp>
+        <p:nvSpPr>
+          <p:cNvPr id="4" name="Title 3"/>
+          <p:cNvSpPr>
+            <a:spLocks noGrp="1"/>
+          </p:cNvSpPr>
+          <p:nvPr>
+            <p:ph type="title" hasCustomPrompt="1"/>
+          </p:nvPr>
+        </p:nvSpPr>
+        <p:spPr/>
+        <p:txBody>
+          <a:bodyPr/>
+          <a:lstStyle/>
+          <a:p>
+            <a:r>
+              <a:rPr lang="en-US" dirty="0" smtClean="0"/>
+              <a:t>Master Title Slide Headline</a:t>
+            </a:r>
+            <a:endParaRPr lang="en-CA" dirty="0"/>
+          </a:p>
+        </p:txBody>
+      </p:sp>
+      <p:sp>
+        <p:nvSpPr>
+          <p:cNvPr id="8" name="TextBox 7"/>
+          <p:cNvSpPr txBox="1"/>
+          <p:nvPr userDrawn="1"/>
+        </p:nvSpPr>
+        <p:spPr>
+          <a:xfrm>
+            <a:off x="10859597" y="6562940"/>
+            <a:ext cx="715200" cy="244800"/>
+          </a:xfrm>
+          <a:prstGeom prst="rect">
+            <a:avLst/>
+          </a:prstGeom>
+          <a:noFill/>
+        </p:spPr>
+        <p:txBody>
+          <a:bodyPr wrap="square" lIns="0" tIns="0" rIns="0" bIns="0" rtlCol="0" anchor="ctr" anchorCtr="0">
+            <a:noAutofit/>
+          </a:bodyPr>
+          <a:lstStyle/>
+          <a:p>
+            <a:pPr algn="r"/>
+            <a:fld id="{597A8DCA-8F96-49CD-B4D5-7AC92F955860}" type="slidenum">
+              <a:rPr lang="en-CA" sz="900" smtClean="0">
+                <a:solidFill>
+                  <a:srgbClr val="7F7F7F"/>
+                </a:solidFill>
+                <a:cs typeface="Arial" pitchFamily="34" charset="0"/>
+              </a:rPr>
+              <a:pPr algn="r"/>
+              <a:t>‹#›</a:t>
+            </a:fld>
+            <a:endParaRPr lang="en-CA" sz="900" dirty="0">
+              <a:solidFill>
+                <a:srgbClr val="7F7F7F"/>
+              </a:solidFill>
+              <a:cs typeface="Arial" pitchFamily="34" charset="0"/>
+            </a:endParaRPr>
+          </a:p>
+        </p:txBody>
+      </p:sp>
+    </p:spTree>
+    <p:extLst>
+      <p:ext uri="{BB962C8B-B14F-4D97-AF65-F5344CB8AC3E}">
+        <p14:creationId xmlns:p14="http://schemas.microsoft.com/office/powerpoint/2010/main" val="1033851773"/>
+      </p:ext>
+    </p:extLst>
+  </p:cSld>
+  <p:clrMapOvr>
+    <a:masterClrMapping/>
+  </p:clrMapOvr>
+  <p:timing>
+    <p:tnLst>
+      <p:par>
+        <p:cTn id="1" dur="indefinite" restart="never" nodeType="tmRoot"/>
+      </p:par>
+    </p:tnLst>
+  </p:timing>
+</p:sldLayout>
+</file>
+
+<file path=ppt/slideLayouts/slideLayout42.xml><?xml version="1.0" encoding="utf-8"?>
+<p:sldLayout xmlns:a="http://schemas.openxmlformats.org/drawingml/2006/main" xmlns:r="http://schemas.openxmlformats.org/officeDocument/2006/relationships" xmlns:p="http://schemas.openxmlformats.org/presentationml/2006/main" preserve="1" userDrawn="1">
+  <p:cSld name="Knowledge Check">
+    <p:spTree>
+      <p:nvGrpSpPr>
+        <p:cNvPr id="1" name=""/>
+        <p:cNvGrpSpPr/>
+        <p:nvPr/>
+      </p:nvGrpSpPr>
+      <p:grpSpPr>
+        <a:xfrm>
+          <a:off x="0" y="0"/>
+          <a:ext cx="0" cy="0"/>
+          <a:chOff x="0" y="0"/>
+          <a:chExt cx="0" cy="0"/>
+        </a:xfrm>
+      </p:grpSpPr>
+      <p:pic>
+        <p:nvPicPr>
+          <p:cNvPr id="11" name="Picture 10" descr="Light Bulb_PC [Converted].png"/>
+          <p:cNvPicPr>
+            <a:picLocks noChangeAspect="1"/>
+          </p:cNvPicPr>
+          <p:nvPr userDrawn="1"/>
+        </p:nvPicPr>
+        <p:blipFill>
+          <a:blip r:embed="rId2" cstate="print"/>
+          <a:stretch>
+            <a:fillRect/>
+          </a:stretch>
+        </p:blipFill>
+        <p:spPr>
+          <a:xfrm>
+            <a:off x="9753602" y="170123"/>
+            <a:ext cx="1851533" cy="2239199"/>
+          </a:xfrm>
+          <a:prstGeom prst="rect">
+            <a:avLst/>
+          </a:prstGeom>
+        </p:spPr>
+      </p:pic>
+      <p:sp>
+        <p:nvSpPr>
+          <p:cNvPr id="10" name="Content Placeholder 9"/>
+          <p:cNvSpPr>
+            <a:spLocks noGrp="1"/>
+          </p:cNvSpPr>
+          <p:nvPr>
+            <p:ph sz="quarter" idx="12" hasCustomPrompt="1"/>
+          </p:nvPr>
+        </p:nvSpPr>
+        <p:spPr>
+          <a:xfrm>
+            <a:off x="609601" y="1381125"/>
+            <a:ext cx="10970683" cy="5037138"/>
+          </a:xfrm>
+        </p:spPr>
+        <p:txBody>
+          <a:bodyPr/>
+          <a:lstStyle>
+            <a:lvl2pPr>
+              <a:defRPr/>
+            </a:lvl2pPr>
+            <a:lvl3pPr>
+              <a:defRPr/>
+            </a:lvl3pPr>
+          </a:lstStyle>
+          <a:p>
+            <a:pPr lvl="0"/>
+            <a:r>
+              <a:rPr lang="en-CA" dirty="0" smtClean="0"/>
+              <a:t>First Level Text</a:t>
+            </a:r>
+          </a:p>
+          <a:p>
+            <a:pPr lvl="1"/>
+            <a:r>
+              <a:rPr lang="en-CA" dirty="0" smtClean="0"/>
+              <a:t>Second Level Text</a:t>
+            </a:r>
+          </a:p>
+          <a:p>
+            <a:pPr lvl="2"/>
+            <a:r>
+              <a:rPr lang="en-CA" dirty="0" smtClean="0"/>
+              <a:t>Third Level Text</a:t>
+            </a:r>
+          </a:p>
+          <a:p>
+            <a:pPr lvl="3"/>
+            <a:r>
+              <a:rPr lang="en-CA" dirty="0" smtClean="0"/>
+              <a:t>Fourth Level Text</a:t>
+            </a:r>
+          </a:p>
+          <a:p>
+            <a:pPr lvl="4"/>
+            <a:r>
+              <a:rPr lang="en-CA" dirty="0" smtClean="0"/>
+              <a:t>Fifth Level Text</a:t>
+            </a:r>
+          </a:p>
+        </p:txBody>
+      </p:sp>
+      <p:cxnSp>
+        <p:nvCxnSpPr>
+          <p:cNvPr id="7" name="Straight Connector 6"/>
+          <p:cNvCxnSpPr/>
+          <p:nvPr userDrawn="1"/>
+        </p:nvCxnSpPr>
+        <p:spPr>
+          <a:xfrm>
+            <a:off x="610659" y="1162050"/>
+            <a:ext cx="11581341" cy="0"/>
+          </a:xfrm>
+          <a:prstGeom prst="line">
+            <a:avLst/>
+          </a:prstGeom>
+          <a:ln w="12700">
+            <a:solidFill>
+              <a:schemeClr val="accent2"/>
+            </a:solidFill>
+          </a:ln>
+        </p:spPr>
+        <p:style>
+          <a:lnRef idx="1">
+            <a:schemeClr val="accent1"/>
+          </a:lnRef>
+          <a:fillRef idx="0">
+            <a:schemeClr val="accent1"/>
+          </a:fillRef>
+          <a:effectRef idx="0">
+            <a:schemeClr val="accent1"/>
+          </a:effectRef>
+          <a:fontRef idx="minor">
+            <a:schemeClr val="tx1"/>
+          </a:fontRef>
+        </p:style>
+      </p:cxnSp>
+      <p:sp>
+        <p:nvSpPr>
+          <p:cNvPr id="6" name="TextBox 5"/>
+          <p:cNvSpPr txBox="1"/>
+          <p:nvPr userDrawn="1"/>
+        </p:nvSpPr>
+        <p:spPr>
+          <a:xfrm>
+            <a:off x="592668" y="6572250"/>
+            <a:ext cx="3430969" cy="230832"/>
+          </a:xfrm>
+          <a:prstGeom prst="rect">
+            <a:avLst/>
+          </a:prstGeom>
+          <a:noFill/>
+        </p:spPr>
+        <p:txBody>
+          <a:bodyPr wrap="square" lIns="0">
+            <a:spAutoFit/>
+          </a:bodyPr>
+          <a:lstStyle/>
+          <a:p>
+            <a:pPr algn="ctr">
+              <a:defRPr/>
+            </a:pPr>
+            <a:r>
+              <a:rPr lang="en-US" sz="900" dirty="0">
+                <a:solidFill>
+                  <a:srgbClr val="7F7F7F"/>
+                </a:solidFill>
+                <a:cs typeface="Arial" pitchFamily="34" charset="0"/>
+              </a:rPr>
+              <a:t>Copyright © </a:t>
+            </a:r>
+            <a:r>
+              <a:rPr lang="en-US" sz="900" dirty="0" smtClean="0">
+                <a:solidFill>
+                  <a:srgbClr val="7F7F7F"/>
+                </a:solidFill>
+                <a:cs typeface="Arial" pitchFamily="34" charset="0"/>
+              </a:rPr>
+              <a:t>2012 </a:t>
+            </a:r>
+            <a:r>
+              <a:rPr lang="en-US" sz="900" dirty="0">
+                <a:solidFill>
+                  <a:srgbClr val="7F7F7F"/>
+                </a:solidFill>
+                <a:cs typeface="Arial" pitchFamily="34" charset="0"/>
+              </a:rPr>
+              <a:t>Accenture  All rights reserved.</a:t>
+            </a:r>
+          </a:p>
+        </p:txBody>
+      </p:sp>
+      <p:sp>
+        <p:nvSpPr>
+          <p:cNvPr id="4" name="Title 3"/>
+          <p:cNvSpPr>
+            <a:spLocks noGrp="1"/>
+          </p:cNvSpPr>
+          <p:nvPr>
+            <p:ph type="title" hasCustomPrompt="1"/>
+          </p:nvPr>
+        </p:nvSpPr>
+        <p:spPr/>
+        <p:txBody>
+          <a:bodyPr/>
+          <a:lstStyle/>
+          <a:p>
+            <a:r>
+              <a:rPr lang="en-US" dirty="0" smtClean="0"/>
+              <a:t>Master Title Slide Headline</a:t>
+            </a:r>
+            <a:endParaRPr lang="en-CA" dirty="0"/>
+          </a:p>
+        </p:txBody>
+      </p:sp>
+      <p:sp>
+        <p:nvSpPr>
+          <p:cNvPr id="8" name="TextBox 7"/>
+          <p:cNvSpPr txBox="1"/>
+          <p:nvPr userDrawn="1"/>
+        </p:nvSpPr>
+        <p:spPr>
+          <a:xfrm>
+            <a:off x="10859597" y="6562940"/>
+            <a:ext cx="715200" cy="244800"/>
+          </a:xfrm>
+          <a:prstGeom prst="rect">
+            <a:avLst/>
+          </a:prstGeom>
+          <a:noFill/>
+        </p:spPr>
+        <p:txBody>
+          <a:bodyPr wrap="square" lIns="0" tIns="0" rIns="0" bIns="0" rtlCol="0" anchor="ctr" anchorCtr="0">
+            <a:noAutofit/>
+          </a:bodyPr>
+          <a:lstStyle/>
+          <a:p>
+            <a:pPr algn="r"/>
+            <a:fld id="{597A8DCA-8F96-49CD-B4D5-7AC92F955860}" type="slidenum">
+              <a:rPr lang="en-CA" sz="900" smtClean="0">
+                <a:solidFill>
+                  <a:srgbClr val="7F7F7F"/>
+                </a:solidFill>
+                <a:cs typeface="Arial" pitchFamily="34" charset="0"/>
+              </a:rPr>
+              <a:pPr algn="r"/>
+              <a:t>‹#›</a:t>
+            </a:fld>
+            <a:endParaRPr lang="en-CA" sz="900" dirty="0">
+              <a:solidFill>
+                <a:srgbClr val="7F7F7F"/>
+              </a:solidFill>
+              <a:cs typeface="Arial" pitchFamily="34" charset="0"/>
+            </a:endParaRPr>
+          </a:p>
+        </p:txBody>
+      </p:sp>
+    </p:spTree>
+    <p:extLst>
+      <p:ext uri="{BB962C8B-B14F-4D97-AF65-F5344CB8AC3E}">
+        <p14:creationId xmlns:p14="http://schemas.microsoft.com/office/powerpoint/2010/main" val="3142547365"/>
+      </p:ext>
+    </p:extLst>
+  </p:cSld>
+  <p:clrMapOvr>
+    <a:masterClrMapping/>
+  </p:clrMapOvr>
+  <p:timing>
+    <p:tnLst>
+      <p:par>
+        <p:cTn id="1" dur="indefinite" restart="never" nodeType="tmRoot"/>
+      </p:par>
+    </p:tnLst>
+  </p:timing>
+</p:sldLayout>
+</file>
+
+<file path=ppt/slideLayouts/slideLayout43.xml><?xml version="1.0" encoding="utf-8"?>
+<p:sldLayout xmlns:a="http://schemas.openxmlformats.org/drawingml/2006/main" xmlns:r="http://schemas.openxmlformats.org/officeDocument/2006/relationships" xmlns:p="http://schemas.openxmlformats.org/presentationml/2006/main" preserve="1" userDrawn="1">
+  <p:cSld name="Agenda">
+    <p:spTree>
+      <p:nvGrpSpPr>
+        <p:cNvPr id="1" name=""/>
+        <p:cNvGrpSpPr/>
+        <p:nvPr/>
+      </p:nvGrpSpPr>
+      <p:grpSpPr>
+        <a:xfrm>
+          <a:off x="0" y="0"/>
+          <a:ext cx="0" cy="0"/>
+          <a:chOff x="0" y="0"/>
+          <a:chExt cx="0" cy="0"/>
+        </a:xfrm>
+      </p:grpSpPr>
+      <p:pic>
+        <p:nvPicPr>
+          <p:cNvPr id="9" name="Picture 8" descr="Magnify_PC [Converted].png"/>
+          <p:cNvPicPr>
+            <a:picLocks noChangeAspect="1"/>
+          </p:cNvPicPr>
+          <p:nvPr userDrawn="1"/>
+        </p:nvPicPr>
+        <p:blipFill>
+          <a:blip r:embed="rId2" cstate="print"/>
+          <a:stretch>
+            <a:fillRect/>
+          </a:stretch>
+        </p:blipFill>
+        <p:spPr>
+          <a:xfrm>
+            <a:off x="9357258" y="158624"/>
+            <a:ext cx="2667863" cy="2006852"/>
+          </a:xfrm>
+          <a:prstGeom prst="rect">
+            <a:avLst/>
+          </a:prstGeom>
+        </p:spPr>
+      </p:pic>
+      <p:sp>
+        <p:nvSpPr>
+          <p:cNvPr id="10" name="Content Placeholder 9"/>
+          <p:cNvSpPr>
+            <a:spLocks noGrp="1"/>
+          </p:cNvSpPr>
+          <p:nvPr>
+            <p:ph sz="quarter" idx="12" hasCustomPrompt="1"/>
+          </p:nvPr>
+        </p:nvSpPr>
+        <p:spPr>
+          <a:xfrm>
+            <a:off x="609601" y="1381125"/>
+            <a:ext cx="10970683" cy="5037138"/>
+          </a:xfrm>
+        </p:spPr>
+        <p:txBody>
+          <a:bodyPr/>
+          <a:lstStyle>
+            <a:lvl2pPr>
+              <a:defRPr/>
+            </a:lvl2pPr>
+            <a:lvl3pPr>
+              <a:defRPr/>
+            </a:lvl3pPr>
+          </a:lstStyle>
+          <a:p>
+            <a:pPr lvl="0"/>
+            <a:r>
+              <a:rPr lang="en-CA" dirty="0" smtClean="0"/>
+              <a:t>First Level Text</a:t>
+            </a:r>
+          </a:p>
+          <a:p>
+            <a:pPr lvl="1"/>
+            <a:r>
+              <a:rPr lang="en-CA" dirty="0" smtClean="0"/>
+              <a:t>Second Level Text</a:t>
+            </a:r>
+          </a:p>
+          <a:p>
+            <a:pPr lvl="2"/>
+            <a:r>
+              <a:rPr lang="en-CA" dirty="0" smtClean="0"/>
+              <a:t>Third Level Text</a:t>
+            </a:r>
+          </a:p>
+          <a:p>
+            <a:pPr lvl="3"/>
+            <a:r>
+              <a:rPr lang="en-CA" dirty="0" smtClean="0"/>
+              <a:t>Fourth Level Text</a:t>
+            </a:r>
+          </a:p>
+          <a:p>
+            <a:pPr lvl="4"/>
+            <a:r>
+              <a:rPr lang="en-CA" dirty="0" smtClean="0"/>
+              <a:t>Fifth Level Text</a:t>
+            </a:r>
+          </a:p>
+        </p:txBody>
+      </p:sp>
+      <p:cxnSp>
+        <p:nvCxnSpPr>
+          <p:cNvPr id="7" name="Straight Connector 6"/>
+          <p:cNvCxnSpPr/>
+          <p:nvPr userDrawn="1"/>
+        </p:nvCxnSpPr>
+        <p:spPr>
+          <a:xfrm>
+            <a:off x="610659" y="1162050"/>
+            <a:ext cx="11581341" cy="0"/>
+          </a:xfrm>
+          <a:prstGeom prst="line">
+            <a:avLst/>
+          </a:prstGeom>
+          <a:ln w="12700">
+            <a:solidFill>
+              <a:schemeClr val="accent2"/>
+            </a:solidFill>
+          </a:ln>
+        </p:spPr>
+        <p:style>
+          <a:lnRef idx="1">
+            <a:schemeClr val="accent1"/>
+          </a:lnRef>
+          <a:fillRef idx="0">
+            <a:schemeClr val="accent1"/>
+          </a:fillRef>
+          <a:effectRef idx="0">
+            <a:schemeClr val="accent1"/>
+          </a:effectRef>
+          <a:fontRef idx="minor">
+            <a:schemeClr val="tx1"/>
+          </a:fontRef>
+        </p:style>
+      </p:cxnSp>
+      <p:sp>
+        <p:nvSpPr>
+          <p:cNvPr id="6" name="TextBox 5"/>
+          <p:cNvSpPr txBox="1"/>
+          <p:nvPr userDrawn="1"/>
+        </p:nvSpPr>
+        <p:spPr>
+          <a:xfrm>
+            <a:off x="592668" y="6572250"/>
+            <a:ext cx="3430969" cy="230832"/>
+          </a:xfrm>
+          <a:prstGeom prst="rect">
+            <a:avLst/>
+          </a:prstGeom>
+          <a:noFill/>
+        </p:spPr>
+        <p:txBody>
+          <a:bodyPr wrap="square" lIns="0">
+            <a:spAutoFit/>
+          </a:bodyPr>
+          <a:lstStyle/>
+          <a:p>
+            <a:pPr algn="ctr">
+              <a:defRPr/>
+            </a:pPr>
+            <a:r>
+              <a:rPr lang="en-US" sz="900" dirty="0">
+                <a:solidFill>
+                  <a:srgbClr val="7F7F7F"/>
+                </a:solidFill>
+                <a:cs typeface="Arial" pitchFamily="34" charset="0"/>
+              </a:rPr>
+              <a:t>Copyright © </a:t>
+            </a:r>
+            <a:r>
+              <a:rPr lang="en-US" sz="900" dirty="0" smtClean="0">
+                <a:solidFill>
+                  <a:srgbClr val="7F7F7F"/>
+                </a:solidFill>
+                <a:cs typeface="Arial" pitchFamily="34" charset="0"/>
+              </a:rPr>
+              <a:t>2012 </a:t>
+            </a:r>
+            <a:r>
+              <a:rPr lang="en-US" sz="900" dirty="0">
+                <a:solidFill>
+                  <a:srgbClr val="7F7F7F"/>
+                </a:solidFill>
+                <a:cs typeface="Arial" pitchFamily="34" charset="0"/>
+              </a:rPr>
+              <a:t>Accenture  All rights reserved.</a:t>
+            </a:r>
+          </a:p>
+        </p:txBody>
+      </p:sp>
+      <p:sp>
+        <p:nvSpPr>
+          <p:cNvPr id="4" name="Title 3"/>
+          <p:cNvSpPr>
+            <a:spLocks noGrp="1"/>
+          </p:cNvSpPr>
+          <p:nvPr>
+            <p:ph type="title" hasCustomPrompt="1"/>
+          </p:nvPr>
+        </p:nvSpPr>
+        <p:spPr/>
+        <p:txBody>
+          <a:bodyPr/>
+          <a:lstStyle/>
+          <a:p>
+            <a:r>
+              <a:rPr lang="en-US" dirty="0" smtClean="0"/>
+              <a:t>Master Title Slide Headline</a:t>
+            </a:r>
+            <a:endParaRPr lang="en-CA" dirty="0"/>
+          </a:p>
+        </p:txBody>
+      </p:sp>
+      <p:sp>
+        <p:nvSpPr>
+          <p:cNvPr id="8" name="TextBox 7"/>
+          <p:cNvSpPr txBox="1"/>
+          <p:nvPr userDrawn="1"/>
+        </p:nvSpPr>
+        <p:spPr>
+          <a:xfrm>
+            <a:off x="10859597" y="6562940"/>
+            <a:ext cx="715200" cy="244800"/>
+          </a:xfrm>
+          <a:prstGeom prst="rect">
+            <a:avLst/>
+          </a:prstGeom>
+          <a:noFill/>
+        </p:spPr>
+        <p:txBody>
+          <a:bodyPr wrap="square" lIns="0" tIns="0" rIns="0" bIns="0" rtlCol="0" anchor="ctr" anchorCtr="0">
+            <a:noAutofit/>
+          </a:bodyPr>
+          <a:lstStyle/>
+          <a:p>
+            <a:pPr algn="r"/>
+            <a:fld id="{597A8DCA-8F96-49CD-B4D5-7AC92F955860}" type="slidenum">
+              <a:rPr lang="en-CA" sz="900" smtClean="0">
+                <a:solidFill>
+                  <a:srgbClr val="7F7F7F"/>
+                </a:solidFill>
+                <a:cs typeface="Arial" pitchFamily="34" charset="0"/>
+              </a:rPr>
+              <a:pPr algn="r"/>
+              <a:t>‹#›</a:t>
+            </a:fld>
+            <a:endParaRPr lang="en-CA" sz="900" dirty="0">
+              <a:solidFill>
+                <a:srgbClr val="7F7F7F"/>
+              </a:solidFill>
+              <a:cs typeface="Arial" pitchFamily="34" charset="0"/>
+            </a:endParaRPr>
+          </a:p>
+        </p:txBody>
+      </p:sp>
+    </p:spTree>
+    <p:extLst>
+      <p:ext uri="{BB962C8B-B14F-4D97-AF65-F5344CB8AC3E}">
+        <p14:creationId xmlns:p14="http://schemas.microsoft.com/office/powerpoint/2010/main" val="838718656"/>
+      </p:ext>
+    </p:extLst>
+  </p:cSld>
+  <p:clrMapOvr>
+    <a:masterClrMapping/>
+  </p:clrMapOvr>
+  <p:timing>
+    <p:tnLst>
+      <p:par>
+        <p:cTn id="1" dur="indefinite" restart="never" nodeType="tmRoot"/>
+      </p:par>
+    </p:tnLst>
+  </p:timing>
+</p:sldLayout>
+</file>
+
+<file path=ppt/slideLayouts/slideLayout44.xml><?xml version="1.0" encoding="utf-8"?>
+<p:sldLayout xmlns:a="http://schemas.openxmlformats.org/drawingml/2006/main" xmlns:r="http://schemas.openxmlformats.org/officeDocument/2006/relationships" xmlns:p="http://schemas.openxmlformats.org/presentationml/2006/main" preserve="1" userDrawn="1">
+  <p:cSld name="Discussion">
+    <p:spTree>
+      <p:nvGrpSpPr>
+        <p:cNvPr id="1" name=""/>
+        <p:cNvGrpSpPr/>
+        <p:nvPr/>
+      </p:nvGrpSpPr>
+      <p:grpSpPr>
+        <a:xfrm>
+          <a:off x="0" y="0"/>
+          <a:ext cx="0" cy="0"/>
+          <a:chOff x="0" y="0"/>
+          <a:chExt cx="0" cy="0"/>
+        </a:xfrm>
+      </p:grpSpPr>
+      <p:pic>
+        <p:nvPicPr>
+          <p:cNvPr id="11" name="Picture 10" descr="Speaker_PC [Converted].png"/>
+          <p:cNvPicPr>
+            <a:picLocks noChangeAspect="1"/>
+          </p:cNvPicPr>
+          <p:nvPr userDrawn="1"/>
+        </p:nvPicPr>
+        <p:blipFill>
+          <a:blip r:embed="rId2" cstate="print"/>
+          <a:stretch>
+            <a:fillRect/>
+          </a:stretch>
+        </p:blipFill>
+        <p:spPr>
+          <a:xfrm>
+            <a:off x="8856502" y="195281"/>
+            <a:ext cx="2921533" cy="1808840"/>
+          </a:xfrm>
+          <a:prstGeom prst="rect">
+            <a:avLst/>
+          </a:prstGeom>
+        </p:spPr>
+      </p:pic>
+      <p:sp>
+        <p:nvSpPr>
+          <p:cNvPr id="10" name="Content Placeholder 9"/>
+          <p:cNvSpPr>
+            <a:spLocks noGrp="1"/>
+          </p:cNvSpPr>
+          <p:nvPr>
+            <p:ph sz="quarter" idx="12" hasCustomPrompt="1"/>
+          </p:nvPr>
+        </p:nvSpPr>
+        <p:spPr>
+          <a:xfrm>
+            <a:off x="609601" y="1381125"/>
+            <a:ext cx="10970683" cy="5037138"/>
+          </a:xfrm>
+        </p:spPr>
+        <p:txBody>
+          <a:bodyPr/>
+          <a:lstStyle>
+            <a:lvl2pPr>
+              <a:defRPr/>
+            </a:lvl2pPr>
+            <a:lvl3pPr>
+              <a:defRPr/>
+            </a:lvl3pPr>
+          </a:lstStyle>
+          <a:p>
+            <a:pPr lvl="0"/>
+            <a:r>
+              <a:rPr lang="en-CA" dirty="0" smtClean="0"/>
+              <a:t>First Level Text</a:t>
+            </a:r>
+          </a:p>
+          <a:p>
+            <a:pPr lvl="1"/>
+            <a:r>
+              <a:rPr lang="en-CA" dirty="0" smtClean="0"/>
+              <a:t>Second Level Text</a:t>
+            </a:r>
+          </a:p>
+          <a:p>
+            <a:pPr lvl="2"/>
+            <a:r>
+              <a:rPr lang="en-CA" dirty="0" smtClean="0"/>
+              <a:t>Third Level Text</a:t>
+            </a:r>
+          </a:p>
+          <a:p>
+            <a:pPr lvl="3"/>
+            <a:r>
+              <a:rPr lang="en-CA" dirty="0" smtClean="0"/>
+              <a:t>Fourth Level Text</a:t>
+            </a:r>
+          </a:p>
+          <a:p>
+            <a:pPr lvl="4"/>
+            <a:r>
+              <a:rPr lang="en-CA" dirty="0" smtClean="0"/>
+              <a:t>Fifth Level Text</a:t>
+            </a:r>
+          </a:p>
+        </p:txBody>
+      </p:sp>
+      <p:cxnSp>
+        <p:nvCxnSpPr>
+          <p:cNvPr id="7" name="Straight Connector 6"/>
+          <p:cNvCxnSpPr/>
+          <p:nvPr userDrawn="1"/>
+        </p:nvCxnSpPr>
+        <p:spPr>
+          <a:xfrm>
+            <a:off x="610659" y="1162050"/>
+            <a:ext cx="11581341" cy="0"/>
+          </a:xfrm>
+          <a:prstGeom prst="line">
+            <a:avLst/>
+          </a:prstGeom>
+          <a:ln w="12700">
+            <a:solidFill>
+              <a:schemeClr val="accent2"/>
+            </a:solidFill>
+          </a:ln>
+        </p:spPr>
+        <p:style>
+          <a:lnRef idx="1">
+            <a:schemeClr val="accent1"/>
+          </a:lnRef>
+          <a:fillRef idx="0">
+            <a:schemeClr val="accent1"/>
+          </a:fillRef>
+          <a:effectRef idx="0">
+            <a:schemeClr val="accent1"/>
+          </a:effectRef>
+          <a:fontRef idx="minor">
+            <a:schemeClr val="tx1"/>
+          </a:fontRef>
+        </p:style>
+      </p:cxnSp>
+      <p:sp>
+        <p:nvSpPr>
+          <p:cNvPr id="6" name="TextBox 5"/>
+          <p:cNvSpPr txBox="1"/>
+          <p:nvPr userDrawn="1"/>
+        </p:nvSpPr>
+        <p:spPr>
+          <a:xfrm>
+            <a:off x="592668" y="6572250"/>
+            <a:ext cx="3430969" cy="230832"/>
+          </a:xfrm>
+          <a:prstGeom prst="rect">
+            <a:avLst/>
+          </a:prstGeom>
+          <a:noFill/>
+        </p:spPr>
+        <p:txBody>
+          <a:bodyPr wrap="square" lIns="0">
+            <a:spAutoFit/>
+          </a:bodyPr>
+          <a:lstStyle/>
+          <a:p>
+            <a:pPr algn="ctr">
+              <a:defRPr/>
+            </a:pPr>
+            <a:r>
+              <a:rPr lang="en-US" sz="900" dirty="0">
+                <a:solidFill>
+                  <a:srgbClr val="7F7F7F"/>
+                </a:solidFill>
+                <a:cs typeface="Arial" pitchFamily="34" charset="0"/>
+              </a:rPr>
+              <a:t>Copyright © </a:t>
+            </a:r>
+            <a:r>
+              <a:rPr lang="en-US" sz="900" dirty="0" smtClean="0">
+                <a:solidFill>
+                  <a:srgbClr val="7F7F7F"/>
+                </a:solidFill>
+                <a:cs typeface="Arial" pitchFamily="34" charset="0"/>
+              </a:rPr>
+              <a:t>2012 </a:t>
+            </a:r>
+            <a:r>
+              <a:rPr lang="en-US" sz="900" dirty="0">
+                <a:solidFill>
+                  <a:srgbClr val="7F7F7F"/>
+                </a:solidFill>
+                <a:cs typeface="Arial" pitchFamily="34" charset="0"/>
+              </a:rPr>
+              <a:t>Accenture  All rights reserved.</a:t>
+            </a:r>
+          </a:p>
+        </p:txBody>
+      </p:sp>
+      <p:sp>
+        <p:nvSpPr>
+          <p:cNvPr id="4" name="Title 3"/>
+          <p:cNvSpPr>
+            <a:spLocks noGrp="1"/>
+          </p:cNvSpPr>
+          <p:nvPr>
+            <p:ph type="title" hasCustomPrompt="1"/>
+          </p:nvPr>
+        </p:nvSpPr>
+        <p:spPr/>
+        <p:txBody>
+          <a:bodyPr/>
+          <a:lstStyle/>
+          <a:p>
+            <a:r>
+              <a:rPr lang="en-US" dirty="0" smtClean="0"/>
+              <a:t>Master Title Slide Headline</a:t>
+            </a:r>
+            <a:endParaRPr lang="en-CA" dirty="0"/>
+          </a:p>
+        </p:txBody>
+      </p:sp>
+      <p:sp>
+        <p:nvSpPr>
+          <p:cNvPr id="8" name="TextBox 7"/>
+          <p:cNvSpPr txBox="1"/>
+          <p:nvPr userDrawn="1"/>
+        </p:nvSpPr>
+        <p:spPr>
+          <a:xfrm>
+            <a:off x="10859597" y="6562940"/>
+            <a:ext cx="715200" cy="244800"/>
+          </a:xfrm>
+          <a:prstGeom prst="rect">
+            <a:avLst/>
+          </a:prstGeom>
+          <a:noFill/>
+        </p:spPr>
+        <p:txBody>
+          <a:bodyPr wrap="square" lIns="0" tIns="0" rIns="0" bIns="0" rtlCol="0" anchor="ctr" anchorCtr="0">
+            <a:noAutofit/>
+          </a:bodyPr>
+          <a:lstStyle/>
+          <a:p>
+            <a:pPr algn="r"/>
+            <a:fld id="{597A8DCA-8F96-49CD-B4D5-7AC92F955860}" type="slidenum">
+              <a:rPr lang="en-CA" sz="900" smtClean="0">
+                <a:solidFill>
+                  <a:srgbClr val="7F7F7F"/>
+                </a:solidFill>
+                <a:cs typeface="Arial" pitchFamily="34" charset="0"/>
+              </a:rPr>
+              <a:pPr algn="r"/>
+              <a:t>‹#›</a:t>
+            </a:fld>
+            <a:endParaRPr lang="en-CA" sz="900" dirty="0">
+              <a:solidFill>
+                <a:srgbClr val="7F7F7F"/>
+              </a:solidFill>
+              <a:cs typeface="Arial" pitchFamily="34" charset="0"/>
+            </a:endParaRPr>
+          </a:p>
+        </p:txBody>
+      </p:sp>
+    </p:spTree>
+    <p:extLst>
+      <p:ext uri="{BB962C8B-B14F-4D97-AF65-F5344CB8AC3E}">
+        <p14:creationId xmlns:p14="http://schemas.microsoft.com/office/powerpoint/2010/main" val="3379459347"/>
+      </p:ext>
+    </p:extLst>
+  </p:cSld>
+  <p:clrMapOvr>
+    <a:masterClrMapping/>
+  </p:clrMapOvr>
+  <p:timing>
+    <p:tnLst>
+      <p:par>
+        <p:cTn id="1" dur="indefinite" restart="never" nodeType="tmRoot"/>
+      </p:par>
+    </p:tnLst>
+  </p:timing>
+</p:sldLayout>
+</file>
+
+<file path=ppt/slideLayouts/slideLayout45.xml><?xml version="1.0" encoding="utf-8"?>
+<p:sldLayout xmlns:a="http://schemas.openxmlformats.org/drawingml/2006/main" xmlns:r="http://schemas.openxmlformats.org/officeDocument/2006/relationships" xmlns:p="http://schemas.openxmlformats.org/presentationml/2006/main" preserve="1" userDrawn="1">
+  <p:cSld name="Activity">
+    <p:spTree>
+      <p:nvGrpSpPr>
+        <p:cNvPr id="1" name=""/>
+        <p:cNvGrpSpPr/>
+        <p:nvPr/>
+      </p:nvGrpSpPr>
+      <p:grpSpPr>
+        <a:xfrm>
+          <a:off x="0" y="0"/>
+          <a:ext cx="0" cy="0"/>
+          <a:chOff x="0" y="0"/>
+          <a:chExt cx="0" cy="0"/>
+        </a:xfrm>
+      </p:grpSpPr>
+      <p:pic>
+        <p:nvPicPr>
+          <p:cNvPr id="11" name="Picture 10" descr="140258517.png"/>
+          <p:cNvPicPr>
+            <a:picLocks noChangeAspect="1"/>
+          </p:cNvPicPr>
+          <p:nvPr userDrawn="1"/>
+        </p:nvPicPr>
+        <p:blipFill>
+          <a:blip r:embed="rId2" cstate="print"/>
+          <a:stretch>
+            <a:fillRect/>
+          </a:stretch>
+        </p:blipFill>
+        <p:spPr>
+          <a:xfrm>
+            <a:off x="6919157" y="3429000"/>
+            <a:ext cx="5485715" cy="3419048"/>
+          </a:xfrm>
+          <a:prstGeom prst="rect">
+            <a:avLst/>
+          </a:prstGeom>
+        </p:spPr>
+      </p:pic>
+      <p:sp>
+        <p:nvSpPr>
+          <p:cNvPr id="10" name="Content Placeholder 9"/>
+          <p:cNvSpPr>
+            <a:spLocks noGrp="1"/>
+          </p:cNvSpPr>
+          <p:nvPr>
+            <p:ph sz="quarter" idx="12" hasCustomPrompt="1"/>
+          </p:nvPr>
+        </p:nvSpPr>
+        <p:spPr/>
+        <p:txBody>
+          <a:bodyPr/>
+          <a:lstStyle>
+            <a:lvl2pPr>
+              <a:defRPr/>
+            </a:lvl2pPr>
+            <a:lvl3pPr>
+              <a:defRPr/>
+            </a:lvl3pPr>
+          </a:lstStyle>
+          <a:p>
+            <a:pPr lvl="0"/>
+            <a:r>
+              <a:rPr lang="en-CA" dirty="0" smtClean="0"/>
+              <a:t>First Level Text</a:t>
+            </a:r>
+          </a:p>
+          <a:p>
+            <a:pPr lvl="1"/>
+            <a:r>
+              <a:rPr lang="en-CA" dirty="0" smtClean="0"/>
+              <a:t>Second Level Text</a:t>
+            </a:r>
+          </a:p>
+          <a:p>
+            <a:pPr lvl="2"/>
+            <a:r>
+              <a:rPr lang="en-CA" dirty="0" smtClean="0"/>
+              <a:t>Third Level Text</a:t>
+            </a:r>
+          </a:p>
+          <a:p>
+            <a:pPr lvl="3"/>
+            <a:r>
+              <a:rPr lang="en-CA" dirty="0" smtClean="0"/>
+              <a:t>Fourth Level Text</a:t>
+            </a:r>
+          </a:p>
+          <a:p>
+            <a:pPr lvl="4"/>
+            <a:r>
+              <a:rPr lang="en-CA" dirty="0" smtClean="0"/>
+              <a:t>Fifth Level Text</a:t>
+            </a:r>
+          </a:p>
+        </p:txBody>
+      </p:sp>
+      <p:cxnSp>
+        <p:nvCxnSpPr>
+          <p:cNvPr id="7" name="Straight Connector 6"/>
+          <p:cNvCxnSpPr/>
+          <p:nvPr userDrawn="1"/>
+        </p:nvCxnSpPr>
+        <p:spPr>
+          <a:xfrm>
+            <a:off x="610659" y="1162050"/>
+            <a:ext cx="11581341" cy="0"/>
+          </a:xfrm>
+          <a:prstGeom prst="line">
+            <a:avLst/>
+          </a:prstGeom>
+          <a:ln w="12700">
+            <a:solidFill>
+              <a:schemeClr val="accent2"/>
+            </a:solidFill>
+          </a:ln>
+        </p:spPr>
+        <p:style>
+          <a:lnRef idx="1">
+            <a:schemeClr val="accent1"/>
+          </a:lnRef>
+          <a:fillRef idx="0">
+            <a:schemeClr val="accent1"/>
+          </a:fillRef>
+          <a:effectRef idx="0">
+            <a:schemeClr val="accent1"/>
+          </a:effectRef>
+          <a:fontRef idx="minor">
+            <a:schemeClr val="tx1"/>
+          </a:fontRef>
+        </p:style>
+      </p:cxnSp>
+      <p:sp>
+        <p:nvSpPr>
+          <p:cNvPr id="6" name="TextBox 5"/>
+          <p:cNvSpPr txBox="1"/>
+          <p:nvPr userDrawn="1"/>
+        </p:nvSpPr>
+        <p:spPr>
+          <a:xfrm>
+            <a:off x="592668" y="6572250"/>
+            <a:ext cx="3430969" cy="230832"/>
+          </a:xfrm>
+          <a:prstGeom prst="rect">
+            <a:avLst/>
+          </a:prstGeom>
+          <a:noFill/>
+        </p:spPr>
+        <p:txBody>
+          <a:bodyPr wrap="square" lIns="0">
+            <a:spAutoFit/>
+          </a:bodyPr>
+          <a:lstStyle/>
+          <a:p>
+            <a:pPr algn="ctr">
+              <a:defRPr/>
+            </a:pPr>
+            <a:r>
+              <a:rPr lang="en-US" sz="900" dirty="0">
+                <a:solidFill>
+                  <a:srgbClr val="7F7F7F"/>
+                </a:solidFill>
+                <a:cs typeface="Arial" pitchFamily="34" charset="0"/>
+              </a:rPr>
+              <a:t>Copyright © </a:t>
+            </a:r>
+            <a:r>
+              <a:rPr lang="en-US" sz="900" dirty="0" smtClean="0">
+                <a:solidFill>
+                  <a:srgbClr val="7F7F7F"/>
+                </a:solidFill>
+                <a:cs typeface="Arial" pitchFamily="34" charset="0"/>
+              </a:rPr>
+              <a:t>2012 </a:t>
+            </a:r>
+            <a:r>
+              <a:rPr lang="en-US" sz="900" dirty="0">
+                <a:solidFill>
+                  <a:srgbClr val="7F7F7F"/>
+                </a:solidFill>
+                <a:cs typeface="Arial" pitchFamily="34" charset="0"/>
+              </a:rPr>
+              <a:t>Accenture  All rights reserved.</a:t>
+            </a:r>
+          </a:p>
+        </p:txBody>
+      </p:sp>
+      <p:sp>
+        <p:nvSpPr>
+          <p:cNvPr id="4" name="Title 3"/>
+          <p:cNvSpPr>
+            <a:spLocks noGrp="1"/>
+          </p:cNvSpPr>
+          <p:nvPr>
+            <p:ph type="title" hasCustomPrompt="1"/>
+          </p:nvPr>
+        </p:nvSpPr>
+        <p:spPr/>
+        <p:txBody>
+          <a:bodyPr/>
+          <a:lstStyle/>
+          <a:p>
+            <a:r>
+              <a:rPr lang="en-US" dirty="0" smtClean="0"/>
+              <a:t>Master Title Slide Headline</a:t>
+            </a:r>
+            <a:endParaRPr lang="en-CA" dirty="0"/>
+          </a:p>
+        </p:txBody>
+      </p:sp>
+      <p:sp>
+        <p:nvSpPr>
+          <p:cNvPr id="8" name="TextBox 7"/>
+          <p:cNvSpPr txBox="1"/>
+          <p:nvPr userDrawn="1"/>
+        </p:nvSpPr>
+        <p:spPr>
+          <a:xfrm>
+            <a:off x="10859597" y="6562940"/>
+            <a:ext cx="715200" cy="244800"/>
+          </a:xfrm>
+          <a:prstGeom prst="rect">
+            <a:avLst/>
+          </a:prstGeom>
+          <a:noFill/>
+        </p:spPr>
+        <p:txBody>
+          <a:bodyPr wrap="square" lIns="0" tIns="0" rIns="0" bIns="0" rtlCol="0" anchor="ctr" anchorCtr="0">
+            <a:noAutofit/>
+          </a:bodyPr>
+          <a:lstStyle/>
+          <a:p>
+            <a:pPr algn="r"/>
+            <a:fld id="{597A8DCA-8F96-49CD-B4D5-7AC92F955860}" type="slidenum">
+              <a:rPr lang="en-CA" sz="900" smtClean="0">
+                <a:solidFill>
+                  <a:srgbClr val="7F7F7F"/>
+                </a:solidFill>
+                <a:cs typeface="Arial" pitchFamily="34" charset="0"/>
+              </a:rPr>
+              <a:pPr algn="r"/>
+              <a:t>‹#›</a:t>
+            </a:fld>
+            <a:endParaRPr lang="en-CA" sz="900" dirty="0">
+              <a:solidFill>
+                <a:srgbClr val="7F7F7F"/>
+              </a:solidFill>
+              <a:cs typeface="Arial" pitchFamily="34" charset="0"/>
+            </a:endParaRPr>
+          </a:p>
+        </p:txBody>
+      </p:sp>
+    </p:spTree>
+    <p:extLst>
+      <p:ext uri="{BB962C8B-B14F-4D97-AF65-F5344CB8AC3E}">
+        <p14:creationId xmlns:p14="http://schemas.microsoft.com/office/powerpoint/2010/main" val="3265603748"/>
+      </p:ext>
+    </p:extLst>
+  </p:cSld>
+  <p:clrMapOvr>
+    <a:masterClrMapping/>
+  </p:clrMapOvr>
+  <p:timing>
+    <p:tnLst>
+      <p:par>
+        <p:cTn id="1" dur="indefinite" restart="never" nodeType="tmRoot"/>
+      </p:par>
+    </p:tnLst>
+  </p:timing>
+</p:sldLayout>
+</file>
+
+<file path=ppt/slideLayouts/slideLayout46.xml><?xml version="1.0" encoding="utf-8"?>
+<p:sldLayout xmlns:a="http://schemas.openxmlformats.org/drawingml/2006/main" xmlns:r="http://schemas.openxmlformats.org/officeDocument/2006/relationships" xmlns:p="http://schemas.openxmlformats.org/presentationml/2006/main" preserve="1" userDrawn="1">
+  <p:cSld name="Demo">
+    <p:spTree>
+      <p:nvGrpSpPr>
+        <p:cNvPr id="1" name=""/>
+        <p:cNvGrpSpPr/>
+        <p:nvPr/>
+      </p:nvGrpSpPr>
+      <p:grpSpPr>
+        <a:xfrm>
+          <a:off x="0" y="0"/>
+          <a:ext cx="0" cy="0"/>
+          <a:chOff x="0" y="0"/>
+          <a:chExt cx="0" cy="0"/>
+        </a:xfrm>
+      </p:grpSpPr>
+      <p:pic>
+        <p:nvPicPr>
+          <p:cNvPr id="9" name="Picture 8" descr="100605056.png"/>
+          <p:cNvPicPr>
+            <a:picLocks noChangeAspect="1"/>
+          </p:cNvPicPr>
+          <p:nvPr userDrawn="1"/>
+        </p:nvPicPr>
+        <p:blipFill>
+          <a:blip r:embed="rId2" cstate="print"/>
+          <a:stretch>
+            <a:fillRect/>
+          </a:stretch>
+        </p:blipFill>
+        <p:spPr>
+          <a:xfrm>
+            <a:off x="8291570" y="3062746"/>
+            <a:ext cx="3263492" cy="3657143"/>
+          </a:xfrm>
+          <a:prstGeom prst="rect">
+            <a:avLst/>
+          </a:prstGeom>
+        </p:spPr>
+      </p:pic>
+      <p:sp>
+        <p:nvSpPr>
+          <p:cNvPr id="10" name="Content Placeholder 9"/>
+          <p:cNvSpPr>
+            <a:spLocks noGrp="1"/>
+          </p:cNvSpPr>
+          <p:nvPr>
+            <p:ph sz="quarter" idx="12" hasCustomPrompt="1"/>
+          </p:nvPr>
+        </p:nvSpPr>
+        <p:spPr/>
+        <p:txBody>
+          <a:bodyPr/>
+          <a:lstStyle>
+            <a:lvl2pPr>
+              <a:defRPr/>
+            </a:lvl2pPr>
+            <a:lvl3pPr>
+              <a:defRPr/>
+            </a:lvl3pPr>
+          </a:lstStyle>
+          <a:p>
+            <a:pPr lvl="0"/>
+            <a:r>
+              <a:rPr lang="en-CA" dirty="0" smtClean="0"/>
+              <a:t>First Level Text</a:t>
+            </a:r>
+          </a:p>
+          <a:p>
+            <a:pPr lvl="1"/>
+            <a:r>
+              <a:rPr lang="en-CA" dirty="0" smtClean="0"/>
+              <a:t>Second Level Text</a:t>
+            </a:r>
+          </a:p>
+          <a:p>
+            <a:pPr lvl="2"/>
+            <a:r>
+              <a:rPr lang="en-CA" dirty="0" smtClean="0"/>
+              <a:t>Third Level Text</a:t>
+            </a:r>
+          </a:p>
+          <a:p>
+            <a:pPr lvl="3"/>
+            <a:r>
+              <a:rPr lang="en-CA" dirty="0" smtClean="0"/>
+              <a:t>Fourth Level Text</a:t>
+            </a:r>
+          </a:p>
+          <a:p>
+            <a:pPr lvl="4"/>
+            <a:r>
+              <a:rPr lang="en-CA" dirty="0" smtClean="0"/>
+              <a:t>Fifth Level Text</a:t>
+            </a:r>
+          </a:p>
+        </p:txBody>
+      </p:sp>
+      <p:cxnSp>
+        <p:nvCxnSpPr>
+          <p:cNvPr id="7" name="Straight Connector 6"/>
+          <p:cNvCxnSpPr/>
+          <p:nvPr userDrawn="1"/>
+        </p:nvCxnSpPr>
+        <p:spPr>
+          <a:xfrm>
+            <a:off x="610659" y="1162050"/>
+            <a:ext cx="11581341" cy="0"/>
+          </a:xfrm>
+          <a:prstGeom prst="line">
+            <a:avLst/>
+          </a:prstGeom>
+          <a:ln w="12700">
+            <a:solidFill>
+              <a:schemeClr val="accent2"/>
+            </a:solidFill>
+          </a:ln>
+        </p:spPr>
+        <p:style>
+          <a:lnRef idx="1">
+            <a:schemeClr val="accent1"/>
+          </a:lnRef>
+          <a:fillRef idx="0">
+            <a:schemeClr val="accent1"/>
+          </a:fillRef>
+          <a:effectRef idx="0">
+            <a:schemeClr val="accent1"/>
+          </a:effectRef>
+          <a:fontRef idx="minor">
+            <a:schemeClr val="tx1"/>
+          </a:fontRef>
+        </p:style>
+      </p:cxnSp>
+      <p:sp>
+        <p:nvSpPr>
+          <p:cNvPr id="6" name="TextBox 5"/>
+          <p:cNvSpPr txBox="1"/>
+          <p:nvPr userDrawn="1"/>
+        </p:nvSpPr>
+        <p:spPr>
+          <a:xfrm>
+            <a:off x="592668" y="6572250"/>
+            <a:ext cx="3430969" cy="230832"/>
+          </a:xfrm>
+          <a:prstGeom prst="rect">
+            <a:avLst/>
+          </a:prstGeom>
+          <a:noFill/>
+        </p:spPr>
+        <p:txBody>
+          <a:bodyPr wrap="square" lIns="0">
+            <a:spAutoFit/>
+          </a:bodyPr>
+          <a:lstStyle/>
+          <a:p>
+            <a:pPr algn="ctr">
+              <a:defRPr/>
+            </a:pPr>
+            <a:r>
+              <a:rPr lang="en-US" sz="900" dirty="0">
+                <a:solidFill>
+                  <a:srgbClr val="7F7F7F"/>
+                </a:solidFill>
+                <a:cs typeface="Arial" pitchFamily="34" charset="0"/>
+              </a:rPr>
+              <a:t>Copyright © </a:t>
+            </a:r>
+            <a:r>
+              <a:rPr lang="en-US" sz="900" dirty="0" smtClean="0">
+                <a:solidFill>
+                  <a:srgbClr val="7F7F7F"/>
+                </a:solidFill>
+                <a:cs typeface="Arial" pitchFamily="34" charset="0"/>
+              </a:rPr>
+              <a:t>2012 </a:t>
+            </a:r>
+            <a:r>
+              <a:rPr lang="en-US" sz="900" dirty="0">
+                <a:solidFill>
+                  <a:srgbClr val="7F7F7F"/>
+                </a:solidFill>
+                <a:cs typeface="Arial" pitchFamily="34" charset="0"/>
+              </a:rPr>
+              <a:t>Accenture  All rights reserved.</a:t>
+            </a:r>
+          </a:p>
+        </p:txBody>
+      </p:sp>
+      <p:sp>
+        <p:nvSpPr>
+          <p:cNvPr id="4" name="Title 3"/>
+          <p:cNvSpPr>
+            <a:spLocks noGrp="1"/>
+          </p:cNvSpPr>
+          <p:nvPr>
+            <p:ph type="title" hasCustomPrompt="1"/>
+          </p:nvPr>
+        </p:nvSpPr>
+        <p:spPr/>
+        <p:txBody>
+          <a:bodyPr/>
+          <a:lstStyle/>
+          <a:p>
+            <a:r>
+              <a:rPr lang="en-US" dirty="0" smtClean="0"/>
+              <a:t>Master Title Slide Headline</a:t>
+            </a:r>
+            <a:endParaRPr lang="en-CA" dirty="0"/>
+          </a:p>
+        </p:txBody>
+      </p:sp>
+      <p:sp>
+        <p:nvSpPr>
+          <p:cNvPr id="8" name="TextBox 7"/>
+          <p:cNvSpPr txBox="1"/>
+          <p:nvPr userDrawn="1"/>
+        </p:nvSpPr>
+        <p:spPr>
+          <a:xfrm>
+            <a:off x="10859597" y="6562940"/>
+            <a:ext cx="715200" cy="244800"/>
+          </a:xfrm>
+          <a:prstGeom prst="rect">
+            <a:avLst/>
+          </a:prstGeom>
+          <a:noFill/>
+        </p:spPr>
+        <p:txBody>
+          <a:bodyPr wrap="square" lIns="0" tIns="0" rIns="0" bIns="0" rtlCol="0" anchor="ctr" anchorCtr="0">
+            <a:noAutofit/>
+          </a:bodyPr>
+          <a:lstStyle/>
+          <a:p>
+            <a:pPr algn="r"/>
+            <a:fld id="{597A8DCA-8F96-49CD-B4D5-7AC92F955860}" type="slidenum">
+              <a:rPr lang="en-CA" sz="900" smtClean="0">
+                <a:solidFill>
+                  <a:srgbClr val="7F7F7F"/>
+                </a:solidFill>
+                <a:cs typeface="Arial" pitchFamily="34" charset="0"/>
+              </a:rPr>
+              <a:pPr algn="r"/>
+              <a:t>‹#›</a:t>
+            </a:fld>
+            <a:endParaRPr lang="en-CA" sz="900" dirty="0">
+              <a:solidFill>
+                <a:srgbClr val="7F7F7F"/>
+              </a:solidFill>
+              <a:cs typeface="Arial" pitchFamily="34" charset="0"/>
+            </a:endParaRPr>
+          </a:p>
+        </p:txBody>
+      </p:sp>
+    </p:spTree>
+    <p:extLst>
+      <p:ext uri="{BB962C8B-B14F-4D97-AF65-F5344CB8AC3E}">
+        <p14:creationId xmlns:p14="http://schemas.microsoft.com/office/powerpoint/2010/main" val="1636746674"/>
+      </p:ext>
+    </p:extLst>
+  </p:cSld>
+  <p:clrMapOvr>
+    <a:masterClrMapping/>
+  </p:clrMapOvr>
+  <p:timing>
+    <p:tnLst>
+      <p:par>
+        <p:cTn id="1" dur="indefinite" restart="never" nodeType="tmRoot"/>
+      </p:par>
+    </p:tnLst>
+  </p:timing>
+</p:sldLayout>
+</file>
+
+<file path=ppt/slideLayouts/slideLayout47.xml><?xml version="1.0" encoding="utf-8"?>
+<p:sldLayout xmlns:a="http://schemas.openxmlformats.org/drawingml/2006/main" xmlns:r="http://schemas.openxmlformats.org/officeDocument/2006/relationships" xmlns:p="http://schemas.openxmlformats.org/presentationml/2006/main" preserve="1" userDrawn="1">
+  <p:cSld name="Course Goals">
+    <p:spTree>
+      <p:nvGrpSpPr>
+        <p:cNvPr id="1" name=""/>
+        <p:cNvGrpSpPr/>
+        <p:nvPr/>
+      </p:nvGrpSpPr>
+      <p:grpSpPr>
+        <a:xfrm>
+          <a:off x="0" y="0"/>
+          <a:ext cx="0" cy="0"/>
+          <a:chOff x="0" y="0"/>
+          <a:chExt cx="0" cy="0"/>
+        </a:xfrm>
+      </p:grpSpPr>
+      <p:pic>
+        <p:nvPicPr>
+          <p:cNvPr id="11" name="Picture 10" descr="AA053798.png"/>
+          <p:cNvPicPr>
+            <a:picLocks noChangeAspect="1"/>
+          </p:cNvPicPr>
+          <p:nvPr userDrawn="1"/>
+        </p:nvPicPr>
+        <p:blipFill>
+          <a:blip r:embed="rId2" cstate="print"/>
+          <a:stretch>
+            <a:fillRect/>
+          </a:stretch>
+        </p:blipFill>
+        <p:spPr>
+          <a:xfrm>
+            <a:off x="4681315" y="4689478"/>
+            <a:ext cx="7314287" cy="2019048"/>
+          </a:xfrm>
+          <a:prstGeom prst="rect">
+            <a:avLst/>
+          </a:prstGeom>
+        </p:spPr>
+      </p:pic>
+      <p:sp>
+        <p:nvSpPr>
+          <p:cNvPr id="10" name="Content Placeholder 9"/>
+          <p:cNvSpPr>
+            <a:spLocks noGrp="1"/>
+          </p:cNvSpPr>
+          <p:nvPr>
+            <p:ph sz="quarter" idx="12" hasCustomPrompt="1"/>
+          </p:nvPr>
+        </p:nvSpPr>
+        <p:spPr/>
+        <p:txBody>
+          <a:bodyPr/>
+          <a:lstStyle>
+            <a:lvl2pPr>
+              <a:defRPr/>
+            </a:lvl2pPr>
+            <a:lvl3pPr>
+              <a:defRPr/>
+            </a:lvl3pPr>
+          </a:lstStyle>
+          <a:p>
+            <a:pPr lvl="0"/>
+            <a:r>
+              <a:rPr lang="en-CA" dirty="0" smtClean="0"/>
+              <a:t>First Level Text</a:t>
+            </a:r>
+          </a:p>
+          <a:p>
+            <a:pPr lvl="1"/>
+            <a:r>
+              <a:rPr lang="en-CA" dirty="0" smtClean="0"/>
+              <a:t>Second Level Text</a:t>
+            </a:r>
+          </a:p>
+          <a:p>
+            <a:pPr lvl="2"/>
+            <a:r>
+              <a:rPr lang="en-CA" dirty="0" smtClean="0"/>
+              <a:t>Third Level Text</a:t>
+            </a:r>
+          </a:p>
+          <a:p>
+            <a:pPr lvl="3"/>
+            <a:r>
+              <a:rPr lang="en-CA" dirty="0" smtClean="0"/>
+              <a:t>Fourth Level Text</a:t>
+            </a:r>
+          </a:p>
+          <a:p>
+            <a:pPr lvl="4"/>
+            <a:r>
+              <a:rPr lang="en-CA" dirty="0" smtClean="0"/>
+              <a:t>Fifth Level Text</a:t>
+            </a:r>
+          </a:p>
+        </p:txBody>
+      </p:sp>
+      <p:cxnSp>
+        <p:nvCxnSpPr>
+          <p:cNvPr id="7" name="Straight Connector 6"/>
+          <p:cNvCxnSpPr/>
+          <p:nvPr userDrawn="1"/>
+        </p:nvCxnSpPr>
+        <p:spPr>
+          <a:xfrm>
+            <a:off x="610659" y="1162050"/>
+            <a:ext cx="11581341" cy="0"/>
+          </a:xfrm>
+          <a:prstGeom prst="line">
+            <a:avLst/>
+          </a:prstGeom>
+          <a:ln w="12700">
+            <a:solidFill>
+              <a:schemeClr val="accent2"/>
+            </a:solidFill>
+          </a:ln>
+        </p:spPr>
+        <p:style>
+          <a:lnRef idx="1">
+            <a:schemeClr val="accent1"/>
+          </a:lnRef>
+          <a:fillRef idx="0">
+            <a:schemeClr val="accent1"/>
+          </a:fillRef>
+          <a:effectRef idx="0">
+            <a:schemeClr val="accent1"/>
+          </a:effectRef>
+          <a:fontRef idx="minor">
+            <a:schemeClr val="tx1"/>
+          </a:fontRef>
+        </p:style>
+      </p:cxnSp>
+      <p:sp>
+        <p:nvSpPr>
+          <p:cNvPr id="6" name="TextBox 5"/>
+          <p:cNvSpPr txBox="1"/>
+          <p:nvPr userDrawn="1"/>
+        </p:nvSpPr>
+        <p:spPr>
+          <a:xfrm>
+            <a:off x="592668" y="6572250"/>
+            <a:ext cx="3430969" cy="230832"/>
+          </a:xfrm>
+          <a:prstGeom prst="rect">
+            <a:avLst/>
+          </a:prstGeom>
+          <a:noFill/>
+        </p:spPr>
+        <p:txBody>
+          <a:bodyPr wrap="square" lIns="0">
+            <a:spAutoFit/>
+          </a:bodyPr>
+          <a:lstStyle/>
+          <a:p>
+            <a:pPr algn="ctr">
+              <a:defRPr/>
+            </a:pPr>
+            <a:r>
+              <a:rPr lang="en-US" sz="900" dirty="0">
+                <a:solidFill>
+                  <a:srgbClr val="7F7F7F"/>
+                </a:solidFill>
+                <a:cs typeface="Arial" pitchFamily="34" charset="0"/>
+              </a:rPr>
+              <a:t>Copyright © </a:t>
+            </a:r>
+            <a:r>
+              <a:rPr lang="en-US" sz="900" dirty="0" smtClean="0">
+                <a:solidFill>
+                  <a:srgbClr val="7F7F7F"/>
+                </a:solidFill>
+                <a:cs typeface="Arial" pitchFamily="34" charset="0"/>
+              </a:rPr>
+              <a:t>2012 </a:t>
+            </a:r>
+            <a:r>
+              <a:rPr lang="en-US" sz="900" dirty="0">
+                <a:solidFill>
+                  <a:srgbClr val="7F7F7F"/>
+                </a:solidFill>
+                <a:cs typeface="Arial" pitchFamily="34" charset="0"/>
+              </a:rPr>
+              <a:t>Accenture  All rights reserved.</a:t>
+            </a:r>
+          </a:p>
+        </p:txBody>
+      </p:sp>
+      <p:sp>
+        <p:nvSpPr>
+          <p:cNvPr id="4" name="Title 3"/>
+          <p:cNvSpPr>
+            <a:spLocks noGrp="1"/>
+          </p:cNvSpPr>
+          <p:nvPr>
+            <p:ph type="title" hasCustomPrompt="1"/>
+          </p:nvPr>
+        </p:nvSpPr>
+        <p:spPr/>
+        <p:txBody>
+          <a:bodyPr/>
+          <a:lstStyle/>
+          <a:p>
+            <a:r>
+              <a:rPr lang="en-US" dirty="0" smtClean="0"/>
+              <a:t>Master Title Slide Headline</a:t>
+            </a:r>
+            <a:endParaRPr lang="en-CA" dirty="0"/>
+          </a:p>
+        </p:txBody>
+      </p:sp>
+      <p:sp>
+        <p:nvSpPr>
+          <p:cNvPr id="8" name="TextBox 7"/>
+          <p:cNvSpPr txBox="1"/>
+          <p:nvPr userDrawn="1"/>
+        </p:nvSpPr>
+        <p:spPr>
+          <a:xfrm>
+            <a:off x="10859597" y="6562940"/>
+            <a:ext cx="715200" cy="244800"/>
+          </a:xfrm>
+          <a:prstGeom prst="rect">
+            <a:avLst/>
+          </a:prstGeom>
+          <a:noFill/>
+        </p:spPr>
+        <p:txBody>
+          <a:bodyPr wrap="square" lIns="0" tIns="0" rIns="0" bIns="0" rtlCol="0" anchor="ctr" anchorCtr="0">
+            <a:noAutofit/>
+          </a:bodyPr>
+          <a:lstStyle/>
+          <a:p>
+            <a:pPr algn="r"/>
+            <a:fld id="{597A8DCA-8F96-49CD-B4D5-7AC92F955860}" type="slidenum">
+              <a:rPr lang="en-CA" sz="900" smtClean="0">
+                <a:solidFill>
+                  <a:srgbClr val="7F7F7F"/>
+                </a:solidFill>
+                <a:cs typeface="Arial" pitchFamily="34" charset="0"/>
+              </a:rPr>
+              <a:pPr algn="r"/>
+              <a:t>‹#›</a:t>
+            </a:fld>
+            <a:endParaRPr lang="en-CA" sz="900" dirty="0">
+              <a:solidFill>
+                <a:srgbClr val="7F7F7F"/>
+              </a:solidFill>
+              <a:cs typeface="Arial" pitchFamily="34" charset="0"/>
+            </a:endParaRPr>
+          </a:p>
+        </p:txBody>
+      </p:sp>
+    </p:spTree>
+    <p:extLst>
+      <p:ext uri="{BB962C8B-B14F-4D97-AF65-F5344CB8AC3E}">
+        <p14:creationId xmlns:p14="http://schemas.microsoft.com/office/powerpoint/2010/main" val="3221500361"/>
+      </p:ext>
+    </p:extLst>
+  </p:cSld>
+  <p:clrMapOvr>
+    <a:masterClrMapping/>
+  </p:clrMapOvr>
+  <p:timing>
+    <p:tnLst>
+      <p:par>
+        <p:cTn id="1" dur="indefinite" restart="never" nodeType="tmRoot"/>
+      </p:par>
+    </p:tnLst>
+  </p:timing>
+</p:sldLayout>
+</file>
+
+<file path=ppt/slideLayouts/slideLayout48.xml><?xml version="1.0" encoding="utf-8"?>
+<p:sldLayout xmlns:a="http://schemas.openxmlformats.org/drawingml/2006/main" xmlns:r="http://schemas.openxmlformats.org/officeDocument/2006/relationships" xmlns:p="http://schemas.openxmlformats.org/presentationml/2006/main" preserve="1" userDrawn="1">
+  <p:cSld name="Course Summary">
+    <p:spTree>
+      <p:nvGrpSpPr>
+        <p:cNvPr id="1" name=""/>
+        <p:cNvGrpSpPr/>
+        <p:nvPr/>
+      </p:nvGrpSpPr>
+      <p:grpSpPr>
+        <a:xfrm>
+          <a:off x="0" y="0"/>
+          <a:ext cx="0" cy="0"/>
+          <a:chOff x="0" y="0"/>
+          <a:chExt cx="0" cy="0"/>
+        </a:xfrm>
+      </p:grpSpPr>
+      <p:pic>
+        <p:nvPicPr>
+          <p:cNvPr id="9" name="Picture 8" descr="AA053797.png"/>
+          <p:cNvPicPr>
+            <a:picLocks noChangeAspect="1"/>
+          </p:cNvPicPr>
+          <p:nvPr userDrawn="1"/>
+        </p:nvPicPr>
+        <p:blipFill>
+          <a:blip r:embed="rId2" cstate="print"/>
+          <a:stretch>
+            <a:fillRect/>
+          </a:stretch>
+        </p:blipFill>
+        <p:spPr>
+          <a:xfrm>
+            <a:off x="4681315" y="4584716"/>
+            <a:ext cx="7314287" cy="2123810"/>
+          </a:xfrm>
+          <a:prstGeom prst="rect">
+            <a:avLst/>
+          </a:prstGeom>
+        </p:spPr>
+      </p:pic>
+      <p:sp>
+        <p:nvSpPr>
+          <p:cNvPr id="10" name="Content Placeholder 9"/>
+          <p:cNvSpPr>
+            <a:spLocks noGrp="1"/>
+          </p:cNvSpPr>
+          <p:nvPr>
+            <p:ph sz="quarter" idx="12" hasCustomPrompt="1"/>
+          </p:nvPr>
+        </p:nvSpPr>
+        <p:spPr/>
+        <p:txBody>
+          <a:bodyPr/>
+          <a:lstStyle>
+            <a:lvl2pPr>
+              <a:defRPr/>
+            </a:lvl2pPr>
+            <a:lvl3pPr>
+              <a:defRPr/>
+            </a:lvl3pPr>
+          </a:lstStyle>
+          <a:p>
+            <a:pPr lvl="0"/>
+            <a:r>
+              <a:rPr lang="en-CA" dirty="0" smtClean="0"/>
+              <a:t>First Level Text</a:t>
+            </a:r>
+          </a:p>
+          <a:p>
+            <a:pPr lvl="1"/>
+            <a:r>
+              <a:rPr lang="en-CA" dirty="0" smtClean="0"/>
+              <a:t>Second Level Text</a:t>
+            </a:r>
+          </a:p>
+          <a:p>
+            <a:pPr lvl="2"/>
+            <a:r>
+              <a:rPr lang="en-CA" dirty="0" smtClean="0"/>
+              <a:t>Third Level Text</a:t>
+            </a:r>
+          </a:p>
+          <a:p>
+            <a:pPr lvl="3"/>
+            <a:r>
+              <a:rPr lang="en-CA" dirty="0" smtClean="0"/>
+              <a:t>Fourth Level Text</a:t>
+            </a:r>
+          </a:p>
+          <a:p>
+            <a:pPr lvl="4"/>
+            <a:r>
+              <a:rPr lang="en-CA" dirty="0" smtClean="0"/>
+              <a:t>Fifth Level Text</a:t>
+            </a:r>
+          </a:p>
+        </p:txBody>
+      </p:sp>
+      <p:cxnSp>
+        <p:nvCxnSpPr>
+          <p:cNvPr id="7" name="Straight Connector 6"/>
+          <p:cNvCxnSpPr/>
+          <p:nvPr userDrawn="1"/>
+        </p:nvCxnSpPr>
+        <p:spPr>
+          <a:xfrm>
+            <a:off x="610659" y="1162050"/>
+            <a:ext cx="11581341" cy="0"/>
+          </a:xfrm>
+          <a:prstGeom prst="line">
+            <a:avLst/>
+          </a:prstGeom>
+          <a:ln w="12700">
+            <a:solidFill>
+              <a:schemeClr val="accent2"/>
+            </a:solidFill>
+          </a:ln>
+        </p:spPr>
+        <p:style>
+          <a:lnRef idx="1">
+            <a:schemeClr val="accent1"/>
+          </a:lnRef>
+          <a:fillRef idx="0">
+            <a:schemeClr val="accent1"/>
+          </a:fillRef>
+          <a:effectRef idx="0">
+            <a:schemeClr val="accent1"/>
+          </a:effectRef>
+          <a:fontRef idx="minor">
+            <a:schemeClr val="tx1"/>
+          </a:fontRef>
+        </p:style>
+      </p:cxnSp>
+      <p:sp>
+        <p:nvSpPr>
+          <p:cNvPr id="6" name="TextBox 5"/>
+          <p:cNvSpPr txBox="1"/>
+          <p:nvPr userDrawn="1"/>
+        </p:nvSpPr>
+        <p:spPr>
+          <a:xfrm>
+            <a:off x="592668" y="6572250"/>
+            <a:ext cx="3430969" cy="230832"/>
+          </a:xfrm>
+          <a:prstGeom prst="rect">
+            <a:avLst/>
+          </a:prstGeom>
+          <a:noFill/>
+        </p:spPr>
+        <p:txBody>
+          <a:bodyPr wrap="square" lIns="0">
+            <a:spAutoFit/>
+          </a:bodyPr>
+          <a:lstStyle/>
+          <a:p>
+            <a:pPr algn="ctr">
+              <a:defRPr/>
+            </a:pPr>
+            <a:r>
+              <a:rPr lang="en-US" sz="900" dirty="0">
+                <a:solidFill>
+                  <a:srgbClr val="7F7F7F"/>
+                </a:solidFill>
+                <a:cs typeface="Arial" pitchFamily="34" charset="0"/>
+              </a:rPr>
+              <a:t>Copyright © </a:t>
+            </a:r>
+            <a:r>
+              <a:rPr lang="en-US" sz="900" dirty="0" smtClean="0">
+                <a:solidFill>
+                  <a:srgbClr val="7F7F7F"/>
+                </a:solidFill>
+                <a:cs typeface="Arial" pitchFamily="34" charset="0"/>
+              </a:rPr>
+              <a:t>2012 </a:t>
+            </a:r>
+            <a:r>
+              <a:rPr lang="en-US" sz="900" dirty="0">
+                <a:solidFill>
+                  <a:srgbClr val="7F7F7F"/>
+                </a:solidFill>
+                <a:cs typeface="Arial" pitchFamily="34" charset="0"/>
+              </a:rPr>
+              <a:t>Accenture  All rights reserved.</a:t>
+            </a:r>
+          </a:p>
+        </p:txBody>
+      </p:sp>
+      <p:sp>
+        <p:nvSpPr>
+          <p:cNvPr id="4" name="Title 3"/>
+          <p:cNvSpPr>
+            <a:spLocks noGrp="1"/>
+          </p:cNvSpPr>
+          <p:nvPr>
+            <p:ph type="title" hasCustomPrompt="1"/>
+          </p:nvPr>
+        </p:nvSpPr>
+        <p:spPr/>
+        <p:txBody>
+          <a:bodyPr/>
+          <a:lstStyle/>
+          <a:p>
+            <a:r>
+              <a:rPr lang="en-US" dirty="0" smtClean="0"/>
+              <a:t>Master Title Slide Headline</a:t>
+            </a:r>
+            <a:endParaRPr lang="en-CA" dirty="0"/>
+          </a:p>
+        </p:txBody>
+      </p:sp>
+      <p:sp>
+        <p:nvSpPr>
+          <p:cNvPr id="8" name="TextBox 7"/>
+          <p:cNvSpPr txBox="1"/>
+          <p:nvPr userDrawn="1"/>
+        </p:nvSpPr>
+        <p:spPr>
+          <a:xfrm>
+            <a:off x="10859597" y="6562940"/>
+            <a:ext cx="715200" cy="244800"/>
+          </a:xfrm>
+          <a:prstGeom prst="rect">
+            <a:avLst/>
+          </a:prstGeom>
+          <a:noFill/>
+        </p:spPr>
+        <p:txBody>
+          <a:bodyPr wrap="square" lIns="0" tIns="0" rIns="0" bIns="0" rtlCol="0" anchor="ctr" anchorCtr="0">
+            <a:noAutofit/>
+          </a:bodyPr>
+          <a:lstStyle/>
+          <a:p>
+            <a:pPr algn="r"/>
+            <a:fld id="{597A8DCA-8F96-49CD-B4D5-7AC92F955860}" type="slidenum">
+              <a:rPr lang="en-CA" sz="900" smtClean="0">
+                <a:solidFill>
+                  <a:srgbClr val="7F7F7F"/>
+                </a:solidFill>
+                <a:cs typeface="Arial" pitchFamily="34" charset="0"/>
+              </a:rPr>
+              <a:pPr algn="r"/>
+              <a:t>‹#›</a:t>
+            </a:fld>
+            <a:endParaRPr lang="en-CA" sz="900" dirty="0">
+              <a:solidFill>
+                <a:srgbClr val="7F7F7F"/>
+              </a:solidFill>
+              <a:cs typeface="Arial" pitchFamily="34" charset="0"/>
+            </a:endParaRPr>
+          </a:p>
+        </p:txBody>
+      </p:sp>
+    </p:spTree>
+    <p:extLst>
+      <p:ext uri="{BB962C8B-B14F-4D97-AF65-F5344CB8AC3E}">
+        <p14:creationId xmlns:p14="http://schemas.microsoft.com/office/powerpoint/2010/main" val="3644218721"/>
+      </p:ext>
+    </p:extLst>
+  </p:cSld>
+  <p:clrMapOvr>
+    <a:masterClrMapping/>
+  </p:clrMapOvr>
+  <p:timing>
+    <p:tnLst>
+      <p:par>
+        <p:cTn id="1" dur="indefinite" restart="never" nodeType="tmRoot"/>
+      </p:par>
+    </p:tnLst>
+  </p:timing>
+</p:sldLayout>
+</file>
+
+<file path=ppt/slideLayouts/slideLayout49.xml><?xml version="1.0" encoding="utf-8"?>
+<p:sldLayout xmlns:a="http://schemas.openxmlformats.org/drawingml/2006/main" xmlns:r="http://schemas.openxmlformats.org/officeDocument/2006/relationships" xmlns:p="http://schemas.openxmlformats.org/presentationml/2006/main" preserve="1" userDrawn="1">
+  <p:cSld name="Reflections">
+    <p:spTree>
+      <p:nvGrpSpPr>
+        <p:cNvPr id="1" name=""/>
+        <p:cNvGrpSpPr/>
+        <p:nvPr/>
+      </p:nvGrpSpPr>
+      <p:grpSpPr>
+        <a:xfrm>
+          <a:off x="0" y="0"/>
+          <a:ext cx="0" cy="0"/>
+          <a:chOff x="0" y="0"/>
+          <a:chExt cx="0" cy="0"/>
+        </a:xfrm>
+      </p:grpSpPr>
+      <p:pic>
+        <p:nvPicPr>
+          <p:cNvPr id="11" name="Picture 10" descr="skd186908sdc.png"/>
+          <p:cNvPicPr>
+            <a:picLocks noChangeAspect="1"/>
+          </p:cNvPicPr>
+          <p:nvPr userDrawn="1"/>
+        </p:nvPicPr>
+        <p:blipFill>
+          <a:blip r:embed="rId2" cstate="print"/>
+          <a:stretch>
+            <a:fillRect/>
+          </a:stretch>
+        </p:blipFill>
+        <p:spPr>
+          <a:xfrm>
+            <a:off x="7206950" y="3953896"/>
+            <a:ext cx="4876191" cy="2733334"/>
+          </a:xfrm>
+          <a:prstGeom prst="rect">
+            <a:avLst/>
+          </a:prstGeom>
+        </p:spPr>
+      </p:pic>
+      <p:sp>
+        <p:nvSpPr>
+          <p:cNvPr id="10" name="Content Placeholder 9"/>
+          <p:cNvSpPr>
+            <a:spLocks noGrp="1"/>
+          </p:cNvSpPr>
+          <p:nvPr>
+            <p:ph sz="quarter" idx="12" hasCustomPrompt="1"/>
+          </p:nvPr>
+        </p:nvSpPr>
+        <p:spPr/>
+        <p:txBody>
+          <a:bodyPr/>
+          <a:lstStyle>
+            <a:lvl2pPr>
+              <a:defRPr/>
+            </a:lvl2pPr>
+            <a:lvl3pPr>
+              <a:defRPr/>
+            </a:lvl3pPr>
+          </a:lstStyle>
+          <a:p>
+            <a:pPr lvl="0"/>
+            <a:r>
+              <a:rPr lang="en-CA" dirty="0" smtClean="0"/>
+              <a:t>First Level Text</a:t>
+            </a:r>
+          </a:p>
+          <a:p>
+            <a:pPr lvl="1"/>
+            <a:r>
+              <a:rPr lang="en-CA" dirty="0" smtClean="0"/>
+              <a:t>Second Level Text</a:t>
+            </a:r>
+          </a:p>
+          <a:p>
+            <a:pPr lvl="2"/>
+            <a:r>
+              <a:rPr lang="en-CA" dirty="0" smtClean="0"/>
+              <a:t>Third Level Text</a:t>
+            </a:r>
+          </a:p>
+          <a:p>
+            <a:pPr lvl="3"/>
+            <a:r>
+              <a:rPr lang="en-CA" dirty="0" smtClean="0"/>
+              <a:t>Fourth Level Text</a:t>
+            </a:r>
+          </a:p>
+          <a:p>
+            <a:pPr lvl="4"/>
+            <a:r>
+              <a:rPr lang="en-CA" dirty="0" smtClean="0"/>
+              <a:t>Fifth Level Text</a:t>
+            </a:r>
+          </a:p>
+        </p:txBody>
+      </p:sp>
+      <p:cxnSp>
+        <p:nvCxnSpPr>
+          <p:cNvPr id="7" name="Straight Connector 6"/>
+          <p:cNvCxnSpPr/>
+          <p:nvPr userDrawn="1"/>
+        </p:nvCxnSpPr>
+        <p:spPr>
+          <a:xfrm>
+            <a:off x="610659" y="1162050"/>
+            <a:ext cx="11581341" cy="0"/>
+          </a:xfrm>
+          <a:prstGeom prst="line">
+            <a:avLst/>
+          </a:prstGeom>
+          <a:ln w="12700">
+            <a:solidFill>
+              <a:schemeClr val="accent2"/>
+            </a:solidFill>
+          </a:ln>
+        </p:spPr>
+        <p:style>
+          <a:lnRef idx="1">
+            <a:schemeClr val="accent1"/>
+          </a:lnRef>
+          <a:fillRef idx="0">
+            <a:schemeClr val="accent1"/>
+          </a:fillRef>
+          <a:effectRef idx="0">
+            <a:schemeClr val="accent1"/>
+          </a:effectRef>
+          <a:fontRef idx="minor">
+            <a:schemeClr val="tx1"/>
+          </a:fontRef>
+        </p:style>
+      </p:cxnSp>
+      <p:sp>
+        <p:nvSpPr>
+          <p:cNvPr id="6" name="TextBox 5"/>
+          <p:cNvSpPr txBox="1"/>
+          <p:nvPr userDrawn="1"/>
+        </p:nvSpPr>
+        <p:spPr>
+          <a:xfrm>
+            <a:off x="592668" y="6572250"/>
+            <a:ext cx="3430969" cy="230832"/>
+          </a:xfrm>
+          <a:prstGeom prst="rect">
+            <a:avLst/>
+          </a:prstGeom>
+          <a:noFill/>
+        </p:spPr>
+        <p:txBody>
+          <a:bodyPr wrap="square" lIns="0">
+            <a:spAutoFit/>
+          </a:bodyPr>
+          <a:lstStyle/>
+          <a:p>
+            <a:pPr algn="ctr">
+              <a:defRPr/>
+            </a:pPr>
+            <a:r>
+              <a:rPr lang="en-US" sz="900" dirty="0">
+                <a:solidFill>
+                  <a:srgbClr val="7F7F7F"/>
+                </a:solidFill>
+                <a:cs typeface="Arial" pitchFamily="34" charset="0"/>
+              </a:rPr>
+              <a:t>Copyright © </a:t>
+            </a:r>
+            <a:r>
+              <a:rPr lang="en-US" sz="900" dirty="0" smtClean="0">
+                <a:solidFill>
+                  <a:srgbClr val="7F7F7F"/>
+                </a:solidFill>
+                <a:cs typeface="Arial" pitchFamily="34" charset="0"/>
+              </a:rPr>
+              <a:t>2012 </a:t>
+            </a:r>
+            <a:r>
+              <a:rPr lang="en-US" sz="900" dirty="0">
+                <a:solidFill>
+                  <a:srgbClr val="7F7F7F"/>
+                </a:solidFill>
+                <a:cs typeface="Arial" pitchFamily="34" charset="0"/>
+              </a:rPr>
+              <a:t>Accenture  All rights reserved.</a:t>
+            </a:r>
+          </a:p>
+        </p:txBody>
+      </p:sp>
+      <p:sp>
+        <p:nvSpPr>
+          <p:cNvPr id="4" name="Title 3"/>
+          <p:cNvSpPr>
+            <a:spLocks noGrp="1"/>
+          </p:cNvSpPr>
+          <p:nvPr>
+            <p:ph type="title" hasCustomPrompt="1"/>
+          </p:nvPr>
+        </p:nvSpPr>
+        <p:spPr/>
+        <p:txBody>
+          <a:bodyPr/>
+          <a:lstStyle/>
+          <a:p>
+            <a:r>
+              <a:rPr lang="en-US" dirty="0" smtClean="0"/>
+              <a:t>Master Title Slide Headline</a:t>
+            </a:r>
+            <a:endParaRPr lang="en-CA" dirty="0"/>
+          </a:p>
+        </p:txBody>
+      </p:sp>
+      <p:sp>
+        <p:nvSpPr>
+          <p:cNvPr id="8" name="TextBox 7"/>
+          <p:cNvSpPr txBox="1"/>
+          <p:nvPr userDrawn="1"/>
+        </p:nvSpPr>
+        <p:spPr>
+          <a:xfrm>
+            <a:off x="10859597" y="6562940"/>
+            <a:ext cx="715200" cy="244800"/>
+          </a:xfrm>
+          <a:prstGeom prst="rect">
+            <a:avLst/>
+          </a:prstGeom>
+          <a:noFill/>
+        </p:spPr>
+        <p:txBody>
+          <a:bodyPr wrap="square" lIns="0" tIns="0" rIns="0" bIns="0" rtlCol="0" anchor="ctr" anchorCtr="0">
+            <a:noAutofit/>
+          </a:bodyPr>
+          <a:lstStyle/>
+          <a:p>
+            <a:pPr algn="r"/>
+            <a:fld id="{597A8DCA-8F96-49CD-B4D5-7AC92F955860}" type="slidenum">
+              <a:rPr lang="en-CA" sz="900" smtClean="0">
+                <a:solidFill>
+                  <a:srgbClr val="7F7F7F"/>
+                </a:solidFill>
+                <a:cs typeface="Arial" pitchFamily="34" charset="0"/>
+              </a:rPr>
+              <a:pPr algn="r"/>
+              <a:t>‹#›</a:t>
+            </a:fld>
+            <a:endParaRPr lang="en-CA" sz="900" dirty="0">
+              <a:solidFill>
+                <a:srgbClr val="7F7F7F"/>
+              </a:solidFill>
+              <a:cs typeface="Arial" pitchFamily="34" charset="0"/>
+            </a:endParaRPr>
+          </a:p>
+        </p:txBody>
+      </p:sp>
+    </p:spTree>
+    <p:extLst>
+      <p:ext uri="{BB962C8B-B14F-4D97-AF65-F5344CB8AC3E}">
+        <p14:creationId xmlns:p14="http://schemas.microsoft.com/office/powerpoint/2010/main" val="956106142"/>
+      </p:ext>
+    </p:extLst>
+  </p:cSld>
+  <p:clrMapOvr>
+    <a:masterClrMapping/>
+  </p:clrMapOvr>
+  <p:timing>
+    <p:tnLst>
+      <p:par>
+        <p:cTn id="1" dur="indefinite" restart="never" nodeType="tmRoot"/>
+      </p:par>
+    </p:tnLst>
+  </p:timing>
 </p:sldLayout>
 </file>
 
@@ -8488,6 +13411,466 @@
 </p:sldMaster>
 </file>
 
+<file path=ppt/slideMasters/slideMaster3.xml><?xml version="1.0" encoding="utf-8"?>
+<p:sldMaster xmlns:a="http://schemas.openxmlformats.org/drawingml/2006/main" xmlns:r="http://schemas.openxmlformats.org/officeDocument/2006/relationships" xmlns:p="http://schemas.openxmlformats.org/presentationml/2006/main">
+  <p:cSld>
+    <p:bg>
+      <p:bgRef idx="1001">
+        <a:schemeClr val="bg1"/>
+      </p:bgRef>
+    </p:bg>
+    <p:spTree>
+      <p:nvGrpSpPr>
+        <p:cNvPr id="1" name=""/>
+        <p:cNvGrpSpPr/>
+        <p:nvPr/>
+      </p:nvGrpSpPr>
+      <p:grpSpPr>
+        <a:xfrm>
+          <a:off x="0" y="0"/>
+          <a:ext cx="0" cy="0"/>
+          <a:chOff x="0" y="0"/>
+          <a:chExt cx="0" cy="0"/>
+        </a:xfrm>
+      </p:grpSpPr>
+      <p:sp>
+        <p:nvSpPr>
+          <p:cNvPr id="3" name="Text Placeholder 2"/>
+          <p:cNvSpPr>
+            <a:spLocks noGrp="1"/>
+          </p:cNvSpPr>
+          <p:nvPr>
+            <p:ph type="body" idx="1"/>
+          </p:nvPr>
+        </p:nvSpPr>
+        <p:spPr>
+          <a:xfrm>
+            <a:off x="609601" y="1381125"/>
+            <a:ext cx="10970683" cy="4824414"/>
+          </a:xfrm>
+          <a:prstGeom prst="rect">
+            <a:avLst/>
+          </a:prstGeom>
+        </p:spPr>
+        <p:txBody>
+          <a:bodyPr vert="horz" lIns="0" tIns="0" rIns="0" bIns="0" rtlCol="0">
+            <a:normAutofit/>
+          </a:bodyPr>
+          <a:lstStyle/>
+          <a:p>
+            <a:pPr lvl="0"/>
+            <a:r>
+              <a:rPr lang="en-CA" dirty="0" smtClean="0"/>
+              <a:t>First Level Text</a:t>
+            </a:r>
+          </a:p>
+          <a:p>
+            <a:pPr lvl="1"/>
+            <a:r>
+              <a:rPr lang="en-CA" dirty="0" smtClean="0"/>
+              <a:t>Second Level Text</a:t>
+            </a:r>
+          </a:p>
+          <a:p>
+            <a:pPr lvl="2"/>
+            <a:r>
+              <a:rPr lang="en-CA" dirty="0" smtClean="0"/>
+              <a:t>Third Level Text</a:t>
+            </a:r>
+          </a:p>
+          <a:p>
+            <a:pPr lvl="3"/>
+            <a:r>
+              <a:rPr lang="en-CA" dirty="0" smtClean="0"/>
+              <a:t>Fourth Level Text</a:t>
+            </a:r>
+          </a:p>
+          <a:p>
+            <a:pPr lvl="4"/>
+            <a:r>
+              <a:rPr lang="en-CA" dirty="0" smtClean="0"/>
+              <a:t>Fifth Level Text</a:t>
+            </a:r>
+            <a:endParaRPr lang="en-US" dirty="0" smtClean="0"/>
+          </a:p>
+        </p:txBody>
+      </p:sp>
+      <p:sp>
+        <p:nvSpPr>
+          <p:cNvPr id="9" name="Title Placeholder 1"/>
+          <p:cNvSpPr>
+            <a:spLocks noGrp="1"/>
+          </p:cNvSpPr>
+          <p:nvPr>
+            <p:ph type="title"/>
+          </p:nvPr>
+        </p:nvSpPr>
+        <p:spPr>
+          <a:xfrm>
+            <a:off x="614714" y="170123"/>
+            <a:ext cx="10940348" cy="785553"/>
+          </a:xfrm>
+          <a:prstGeom prst="rect">
+            <a:avLst/>
+          </a:prstGeom>
+        </p:spPr>
+        <p:txBody>
+          <a:bodyPr vert="horz" lIns="0" tIns="0" rIns="0" bIns="0" rtlCol="0" anchor="b" anchorCtr="0">
+            <a:normAutofit/>
+          </a:bodyPr>
+          <a:lstStyle/>
+          <a:p>
+            <a:r>
+              <a:rPr lang="en-US" dirty="0" smtClean="0"/>
+              <a:t>Master Title Slide Headline</a:t>
+            </a:r>
+            <a:endParaRPr lang="en-CA" dirty="0"/>
+          </a:p>
+        </p:txBody>
+      </p:sp>
+    </p:spTree>
+    <p:extLst>
+      <p:ext uri="{BB962C8B-B14F-4D97-AF65-F5344CB8AC3E}">
+        <p14:creationId xmlns:p14="http://schemas.microsoft.com/office/powerpoint/2010/main" val="18779819"/>
+      </p:ext>
+    </p:extLst>
+  </p:cSld>
+  <p:clrMap bg1="lt1" tx1="dk1" bg2="lt2" tx2="dk2" accent1="accent1" accent2="accent2" accent3="accent3" accent4="accent4" accent5="accent5" accent6="accent6" hlink="hlink" folHlink="folHlink"/>
+  <p:sldLayoutIdLst>
+    <p:sldLayoutId id="2147483681" r:id="rId1"/>
+    <p:sldLayoutId id="2147483682" r:id="rId2"/>
+    <p:sldLayoutId id="2147483683" r:id="rId3"/>
+    <p:sldLayoutId id="2147483684" r:id="rId4"/>
+    <p:sldLayoutId id="2147483685" r:id="rId5"/>
+    <p:sldLayoutId id="2147483686" r:id="rId6"/>
+    <p:sldLayoutId id="2147483687" r:id="rId7"/>
+    <p:sldLayoutId id="2147483688" r:id="rId8"/>
+    <p:sldLayoutId id="2147483689" r:id="rId9"/>
+    <p:sldLayoutId id="2147483690" r:id="rId10"/>
+    <p:sldLayoutId id="2147483691" r:id="rId11"/>
+    <p:sldLayoutId id="2147483692" r:id="rId12"/>
+    <p:sldLayoutId id="2147483693" r:id="rId13"/>
+    <p:sldLayoutId id="2147483694" r:id="rId14"/>
+    <p:sldLayoutId id="2147483695" r:id="rId15"/>
+    <p:sldLayoutId id="2147483696" r:id="rId16"/>
+    <p:sldLayoutId id="2147483697" r:id="rId17"/>
+    <p:sldLayoutId id="2147483698" r:id="rId18"/>
+    <p:sldLayoutId id="2147483699" r:id="rId19"/>
+  </p:sldLayoutIdLst>
+  <p:timing>
+    <p:tnLst>
+      <p:par>
+        <p:cTn id="1" dur="indefinite" restart="never" nodeType="tmRoot"/>
+      </p:par>
+    </p:tnLst>
+  </p:timing>
+  <p:hf hdr="0" ftr="0" dt="0"/>
+  <p:txStyles>
+    <p:titleStyle>
+      <a:lvl1pPr algn="l" defTabSz="914400" rtl="0" eaLnBrk="1" latinLnBrk="0" hangingPunct="1">
+        <a:lnSpc>
+          <a:spcPts val="2600"/>
+        </a:lnSpc>
+        <a:spcBef>
+          <a:spcPct val="0"/>
+        </a:spcBef>
+        <a:buNone/>
+        <a:defRPr sz="2600" b="1" kern="1200">
+          <a:solidFill>
+            <a:schemeClr val="accent1"/>
+          </a:solidFill>
+          <a:latin typeface="Arial" pitchFamily="34" charset="0"/>
+          <a:ea typeface="+mj-ea"/>
+          <a:cs typeface="Arial" pitchFamily="34" charset="0"/>
+        </a:defRPr>
+      </a:lvl1pPr>
+    </p:titleStyle>
+    <p:bodyStyle>
+      <a:lvl1pPr marL="231775" indent="-231775" algn="l" defTabSz="914400" rtl="0" eaLnBrk="1" latinLnBrk="0" hangingPunct="1">
+        <a:lnSpc>
+          <a:spcPct val="100000"/>
+        </a:lnSpc>
+        <a:spcBef>
+          <a:spcPts val="1200"/>
+        </a:spcBef>
+        <a:spcAft>
+          <a:spcPts val="0"/>
+        </a:spcAft>
+        <a:buClr>
+          <a:schemeClr val="tx1"/>
+        </a:buClr>
+        <a:buSzPct val="80000"/>
+        <a:buFont typeface="Arial" pitchFamily="34" charset="0"/>
+        <a:buChar char="•"/>
+        <a:defRPr sz="2600" b="0" kern="1200">
+          <a:solidFill>
+            <a:schemeClr val="tx1"/>
+          </a:solidFill>
+          <a:latin typeface="Arial" pitchFamily="34" charset="0"/>
+          <a:ea typeface="+mn-ea"/>
+          <a:cs typeface="Arial" pitchFamily="34" charset="0"/>
+        </a:defRPr>
+      </a:lvl1pPr>
+      <a:lvl2pPr marL="457200" indent="-231775" algn="l" defTabSz="914400" rtl="0" eaLnBrk="1" latinLnBrk="0" hangingPunct="1">
+        <a:lnSpc>
+          <a:spcPct val="100000"/>
+        </a:lnSpc>
+        <a:spcBef>
+          <a:spcPts val="624"/>
+        </a:spcBef>
+        <a:spcAft>
+          <a:spcPts val="0"/>
+        </a:spcAft>
+        <a:buClr>
+          <a:schemeClr val="tx1"/>
+        </a:buClr>
+        <a:buSzPct val="80000"/>
+        <a:buFont typeface="Arial" pitchFamily="34" charset="0"/>
+        <a:buChar char="–"/>
+        <a:defRPr sz="2400" kern="1200">
+          <a:solidFill>
+            <a:srgbClr val="000000"/>
+          </a:solidFill>
+          <a:latin typeface="Arial" pitchFamily="34" charset="0"/>
+          <a:ea typeface="+mn-ea"/>
+          <a:cs typeface="Arial" pitchFamily="34" charset="0"/>
+        </a:defRPr>
+      </a:lvl2pPr>
+      <a:lvl3pPr marL="688975" indent="-231775" algn="l" defTabSz="914400" rtl="0" eaLnBrk="1" latinLnBrk="0" hangingPunct="1">
+        <a:lnSpc>
+          <a:spcPct val="100000"/>
+        </a:lnSpc>
+        <a:spcBef>
+          <a:spcPts val="576"/>
+        </a:spcBef>
+        <a:spcAft>
+          <a:spcPts val="0"/>
+        </a:spcAft>
+        <a:buClr>
+          <a:schemeClr val="tx1"/>
+        </a:buClr>
+        <a:buSzPct val="80000"/>
+        <a:buFont typeface="Arial" pitchFamily="34" charset="0"/>
+        <a:buChar char="•"/>
+        <a:defRPr sz="2000" kern="1200" baseline="0">
+          <a:solidFill>
+            <a:srgbClr val="000000"/>
+          </a:solidFill>
+          <a:latin typeface="Arial" pitchFamily="34" charset="0"/>
+          <a:ea typeface="+mn-ea"/>
+          <a:cs typeface="Arial" pitchFamily="34" charset="0"/>
+        </a:defRPr>
+      </a:lvl3pPr>
+      <a:lvl4pPr marL="914400" indent="-225425" algn="l" defTabSz="914400" rtl="0" eaLnBrk="1" latinLnBrk="0" hangingPunct="1">
+        <a:lnSpc>
+          <a:spcPct val="100000"/>
+        </a:lnSpc>
+        <a:spcBef>
+          <a:spcPts val="528"/>
+        </a:spcBef>
+        <a:spcAft>
+          <a:spcPts val="0"/>
+        </a:spcAft>
+        <a:buClr>
+          <a:schemeClr val="tx1"/>
+        </a:buClr>
+        <a:buSzPct val="80000"/>
+        <a:buFont typeface="Arial" pitchFamily="34" charset="0"/>
+        <a:buChar char="–"/>
+        <a:defRPr sz="1800" kern="1200" baseline="0">
+          <a:solidFill>
+            <a:srgbClr val="000000"/>
+          </a:solidFill>
+          <a:latin typeface="Arial" pitchFamily="34" charset="0"/>
+          <a:ea typeface="+mn-ea"/>
+          <a:cs typeface="Arial" pitchFamily="34" charset="0"/>
+        </a:defRPr>
+      </a:lvl4pPr>
+      <a:lvl5pPr marL="1146175" indent="-231775" algn="l" defTabSz="914400" rtl="0" eaLnBrk="1" latinLnBrk="0" hangingPunct="1">
+        <a:lnSpc>
+          <a:spcPct val="100000"/>
+        </a:lnSpc>
+        <a:spcBef>
+          <a:spcPts val="480"/>
+        </a:spcBef>
+        <a:spcAft>
+          <a:spcPts val="0"/>
+        </a:spcAft>
+        <a:buClr>
+          <a:schemeClr val="tx1"/>
+        </a:buClr>
+        <a:buSzPct val="80000"/>
+        <a:buFont typeface="Arial" pitchFamily="34" charset="0"/>
+        <a:buChar char="•"/>
+        <a:defRPr sz="1600" kern="1200" baseline="0">
+          <a:solidFill>
+            <a:srgbClr val="000000"/>
+          </a:solidFill>
+          <a:latin typeface="Arial" pitchFamily="34" charset="0"/>
+          <a:ea typeface="+mn-ea"/>
+          <a:cs typeface="Arial" pitchFamily="34" charset="0"/>
+        </a:defRPr>
+      </a:lvl5pPr>
+      <a:lvl6pPr marL="2514600" indent="-228600" algn="l" defTabSz="914400" rtl="0" eaLnBrk="1" latinLnBrk="0" hangingPunct="1">
+        <a:spcBef>
+          <a:spcPct val="20000"/>
+        </a:spcBef>
+        <a:buFont typeface="Arial" pitchFamily="34" charset="0"/>
+        <a:buChar char="•"/>
+        <a:defRPr sz="2000" kern="1200">
+          <a:solidFill>
+            <a:schemeClr val="tx1"/>
+          </a:solidFill>
+          <a:latin typeface="+mn-lt"/>
+          <a:ea typeface="+mn-ea"/>
+          <a:cs typeface="+mn-cs"/>
+        </a:defRPr>
+      </a:lvl6pPr>
+      <a:lvl7pPr marL="2971800" indent="-228600" algn="l" defTabSz="914400" rtl="0" eaLnBrk="1" latinLnBrk="0" hangingPunct="1">
+        <a:spcBef>
+          <a:spcPct val="20000"/>
+        </a:spcBef>
+        <a:buFont typeface="Arial" pitchFamily="34" charset="0"/>
+        <a:buChar char="•"/>
+        <a:defRPr sz="2000" kern="1200">
+          <a:solidFill>
+            <a:schemeClr val="tx1"/>
+          </a:solidFill>
+          <a:latin typeface="+mn-lt"/>
+          <a:ea typeface="+mn-ea"/>
+          <a:cs typeface="+mn-cs"/>
+        </a:defRPr>
+      </a:lvl7pPr>
+      <a:lvl8pPr marL="3429000" indent="-228600" algn="l" defTabSz="914400" rtl="0" eaLnBrk="1" latinLnBrk="0" hangingPunct="1">
+        <a:spcBef>
+          <a:spcPct val="20000"/>
+        </a:spcBef>
+        <a:buFont typeface="Arial" pitchFamily="34" charset="0"/>
+        <a:buChar char="•"/>
+        <a:defRPr sz="2000" kern="1200">
+          <a:solidFill>
+            <a:schemeClr val="tx1"/>
+          </a:solidFill>
+          <a:latin typeface="+mn-lt"/>
+          <a:ea typeface="+mn-ea"/>
+          <a:cs typeface="+mn-cs"/>
+        </a:defRPr>
+      </a:lvl8pPr>
+      <a:lvl9pPr marL="3886200" indent="-228600" algn="l" defTabSz="914400" rtl="0" eaLnBrk="1" latinLnBrk="0" hangingPunct="1">
+        <a:spcBef>
+          <a:spcPct val="20000"/>
+        </a:spcBef>
+        <a:buFont typeface="Arial" pitchFamily="34" charset="0"/>
+        <a:buChar char="•"/>
+        <a:defRPr sz="2000" kern="1200">
+          <a:solidFill>
+            <a:schemeClr val="tx1"/>
+          </a:solidFill>
+          <a:latin typeface="+mn-lt"/>
+          <a:ea typeface="+mn-ea"/>
+          <a:cs typeface="+mn-cs"/>
+        </a:defRPr>
+      </a:lvl9pPr>
+    </p:bodyStyle>
+    <p:otherStyle>
+      <a:defPPr>
+        <a:defRPr lang="en-US"/>
+      </a:defPPr>
+      <a:lvl1pPr marL="0" algn="l" defTabSz="914400" rtl="0" eaLnBrk="1" latinLnBrk="0" hangingPunct="1">
+        <a:defRPr sz="1800" kern="1200">
+          <a:solidFill>
+            <a:schemeClr val="tx1"/>
+          </a:solidFill>
+          <a:latin typeface="+mn-lt"/>
+          <a:ea typeface="+mn-ea"/>
+          <a:cs typeface="+mn-cs"/>
+        </a:defRPr>
+      </a:lvl1pPr>
+      <a:lvl2pPr marL="457200" algn="l" defTabSz="914400" rtl="0" eaLnBrk="1" latinLnBrk="0" hangingPunct="1">
+        <a:defRPr sz="1800" kern="1200">
+          <a:solidFill>
+            <a:schemeClr val="tx1"/>
+          </a:solidFill>
+          <a:latin typeface="+mn-lt"/>
+          <a:ea typeface="+mn-ea"/>
+          <a:cs typeface="+mn-cs"/>
+        </a:defRPr>
+      </a:lvl2pPr>
+      <a:lvl3pPr marL="914400" algn="l" defTabSz="914400" rtl="0" eaLnBrk="1" latinLnBrk="0" hangingPunct="1">
+        <a:defRPr sz="1800" kern="1200">
+          <a:solidFill>
+            <a:schemeClr val="tx1"/>
+          </a:solidFill>
+          <a:latin typeface="+mn-lt"/>
+          <a:ea typeface="+mn-ea"/>
+          <a:cs typeface="+mn-cs"/>
+        </a:defRPr>
+      </a:lvl3pPr>
+      <a:lvl4pPr marL="1371600" algn="l" defTabSz="914400" rtl="0" eaLnBrk="1" latinLnBrk="0" hangingPunct="1">
+        <a:defRPr sz="1800" kern="1200">
+          <a:solidFill>
+            <a:schemeClr val="tx1"/>
+          </a:solidFill>
+          <a:latin typeface="+mn-lt"/>
+          <a:ea typeface="+mn-ea"/>
+          <a:cs typeface="+mn-cs"/>
+        </a:defRPr>
+      </a:lvl4pPr>
+      <a:lvl5pPr marL="1828800" algn="l" defTabSz="914400" rtl="0" eaLnBrk="1" latinLnBrk="0" hangingPunct="1">
+        <a:defRPr sz="1800" kern="1200">
+          <a:solidFill>
+            <a:schemeClr val="tx1"/>
+          </a:solidFill>
+          <a:latin typeface="+mn-lt"/>
+          <a:ea typeface="+mn-ea"/>
+          <a:cs typeface="+mn-cs"/>
+        </a:defRPr>
+      </a:lvl5pPr>
+      <a:lvl6pPr marL="2286000" algn="l" defTabSz="914400" rtl="0" eaLnBrk="1" latinLnBrk="0" hangingPunct="1">
+        <a:defRPr sz="1800" kern="1200">
+          <a:solidFill>
+            <a:schemeClr val="tx1"/>
+          </a:solidFill>
+          <a:latin typeface="+mn-lt"/>
+          <a:ea typeface="+mn-ea"/>
+          <a:cs typeface="+mn-cs"/>
+        </a:defRPr>
+      </a:lvl6pPr>
+      <a:lvl7pPr marL="2743200" algn="l" defTabSz="914400" rtl="0" eaLnBrk="1" latinLnBrk="0" hangingPunct="1">
+        <a:defRPr sz="1800" kern="1200">
+          <a:solidFill>
+            <a:schemeClr val="tx1"/>
+          </a:solidFill>
+          <a:latin typeface="+mn-lt"/>
+          <a:ea typeface="+mn-ea"/>
+          <a:cs typeface="+mn-cs"/>
+        </a:defRPr>
+      </a:lvl7pPr>
+      <a:lvl8pPr marL="3200400" algn="l" defTabSz="914400" rtl="0" eaLnBrk="1" latinLnBrk="0" hangingPunct="1">
+        <a:defRPr sz="1800" kern="1200">
+          <a:solidFill>
+            <a:schemeClr val="tx1"/>
+          </a:solidFill>
+          <a:latin typeface="+mn-lt"/>
+          <a:ea typeface="+mn-ea"/>
+          <a:cs typeface="+mn-cs"/>
+        </a:defRPr>
+      </a:lvl8pPr>
+      <a:lvl9pPr marL="3657600" algn="l" defTabSz="914400" rtl="0" eaLnBrk="1" latinLnBrk="0" hangingPunct="1">
+        <a:defRPr sz="1800" kern="1200">
+          <a:solidFill>
+            <a:schemeClr val="tx1"/>
+          </a:solidFill>
+          <a:latin typeface="+mn-lt"/>
+          <a:ea typeface="+mn-ea"/>
+          <a:cs typeface="+mn-cs"/>
+        </a:defRPr>
+      </a:lvl9pPr>
+    </p:otherStyle>
+  </p:txStyles>
+</p:sldMaster>
+</file>
+
 <file path=ppt/slides/slide1.xml><?xml version="1.0" encoding="utf-8"?>
 <p:sld xmlns:a="http://schemas.openxmlformats.org/drawingml/2006/main" xmlns:r="http://schemas.openxmlformats.org/officeDocument/2006/relationships" xmlns:p="http://schemas.openxmlformats.org/presentationml/2006/main">
   <p:cSld>
@@ -9508,6 +14891,375 @@
     <p:extLst>
       <p:ext uri="{BB962C8B-B14F-4D97-AF65-F5344CB8AC3E}">
         <p14:creationId xmlns:p14="http://schemas.microsoft.com/office/powerpoint/2010/main" val="2843125996"/>
+      </p:ext>
+    </p:extLst>
+  </p:cSld>
+  <p:clrMapOvr>
+    <a:masterClrMapping/>
+  </p:clrMapOvr>
+  <p:timing>
+    <p:tnLst>
+      <p:par>
+        <p:cTn id="1" dur="indefinite" restart="never" nodeType="tmRoot"/>
+      </p:par>
+    </p:tnLst>
+  </p:timing>
+</p:sld>
+</file>
+
+<file path=ppt/slides/slide6.xml><?xml version="1.0" encoding="utf-8"?>
+<p:sld xmlns:a="http://schemas.openxmlformats.org/drawingml/2006/main" xmlns:r="http://schemas.openxmlformats.org/officeDocument/2006/relationships" xmlns:p="http://schemas.openxmlformats.org/presentationml/2006/main">
+  <p:cSld>
+    <p:spTree>
+      <p:nvGrpSpPr>
+        <p:cNvPr id="1" name=""/>
+        <p:cNvGrpSpPr/>
+        <p:nvPr/>
+      </p:nvGrpSpPr>
+      <p:grpSpPr>
+        <a:xfrm>
+          <a:off x="0" y="0"/>
+          <a:ext cx="0" cy="0"/>
+          <a:chOff x="0" y="0"/>
+          <a:chExt cx="0" cy="0"/>
+        </a:xfrm>
+      </p:grpSpPr>
+      <p:sp>
+        <p:nvSpPr>
+          <p:cNvPr id="5" name="Content Placeholder 4"/>
+          <p:cNvSpPr>
+            <a:spLocks noGrp="1"/>
+          </p:cNvSpPr>
+          <p:nvPr>
+            <p:ph sz="quarter" idx="12"/>
+          </p:nvPr>
+        </p:nvSpPr>
+        <p:spPr/>
+        <p:txBody>
+          <a:bodyPr/>
+          <a:lstStyle/>
+          <a:p>
+            <a:r>
+              <a:rPr lang="pt-BR" dirty="0"/>
+              <a:t> curl https://login.apigee.com/resources/scripts/sso-cli/ssocli-bundle.zip -o "</a:t>
+            </a:r>
+            <a:r>
+              <a:rPr lang="pt-BR" dirty="0" smtClean="0"/>
+              <a:t>ssocli-bundle.zip“</a:t>
+            </a:r>
+          </a:p>
+          <a:p>
+            <a:r>
+              <a:rPr lang="en-IN" dirty="0"/>
+              <a:t> tar </a:t>
+            </a:r>
+            <a:r>
+              <a:rPr lang="en-IN" dirty="0" err="1"/>
+              <a:t>xvf</a:t>
+            </a:r>
+            <a:r>
+              <a:rPr lang="en-IN" dirty="0"/>
+              <a:t> </a:t>
+            </a:r>
+            <a:r>
+              <a:rPr lang="en-IN" dirty="0" smtClean="0"/>
+              <a:t>ssocli-bundle.zip</a:t>
+            </a:r>
+          </a:p>
+          <a:p>
+            <a:r>
+              <a:rPr lang="en-US" dirty="0"/>
+              <a:t>Create a .</a:t>
+            </a:r>
+            <a:r>
+              <a:rPr lang="en-US" dirty="0" err="1"/>
+              <a:t>sso</a:t>
+            </a:r>
+            <a:r>
+              <a:rPr lang="en-US" dirty="0"/>
+              <a:t>-cli directory in your user </a:t>
+            </a:r>
+            <a:r>
+              <a:rPr lang="en-US" dirty="0" smtClean="0"/>
+              <a:t>directory</a:t>
+            </a:r>
+          </a:p>
+          <a:p>
+            <a:r>
+              <a:rPr lang="en-US" dirty="0"/>
+              <a:t>$ </a:t>
+            </a:r>
+            <a:r>
+              <a:rPr lang="en-US" dirty="0" err="1"/>
+              <a:t>mkdir</a:t>
+            </a:r>
+            <a:r>
+              <a:rPr lang="en-US" dirty="0"/>
+              <a:t> ~/.</a:t>
+            </a:r>
+            <a:r>
+              <a:rPr lang="en-US" dirty="0" err="1"/>
+              <a:t>sso</a:t>
+            </a:r>
+            <a:r>
+              <a:rPr lang="en-US" dirty="0"/>
+              <a:t>-cli</a:t>
+            </a:r>
+            <a:endParaRPr lang="en-US" dirty="0" smtClean="0"/>
+          </a:p>
+          <a:p>
+            <a:r>
+              <a:rPr lang="en-IN" dirty="0" smtClean="0"/>
+              <a:t>Run ./</a:t>
+            </a:r>
+            <a:r>
+              <a:rPr lang="en-IN" dirty="0" err="1" smtClean="0"/>
+              <a:t>get_token</a:t>
+            </a:r>
+            <a:r>
+              <a:rPr lang="en-IN" dirty="0" smtClean="0"/>
+              <a:t> from </a:t>
+            </a:r>
+            <a:r>
+              <a:rPr lang="en-IN" dirty="0" err="1" smtClean="0"/>
+              <a:t>linux</a:t>
+            </a:r>
+            <a:r>
+              <a:rPr lang="en-IN" dirty="0" smtClean="0"/>
+              <a:t> shell (use </a:t>
+            </a:r>
+            <a:r>
+              <a:rPr lang="en-IN" dirty="0" err="1" smtClean="0"/>
+              <a:t>gitbash</a:t>
+            </a:r>
+            <a:r>
+              <a:rPr lang="en-IN" dirty="0" smtClean="0"/>
+              <a:t>)</a:t>
+            </a:r>
+          </a:p>
+          <a:p>
+            <a:r>
+              <a:rPr lang="en-US" dirty="0"/>
+              <a:t>You may be prompted for your </a:t>
+            </a:r>
+            <a:r>
+              <a:rPr lang="en-US" dirty="0" err="1"/>
+              <a:t>Apigee</a:t>
+            </a:r>
+            <a:r>
+              <a:rPr lang="en-US" dirty="0"/>
+              <a:t> Edge username and password, and an MFA token. </a:t>
+            </a:r>
+            <a:endParaRPr lang="en-IN" dirty="0"/>
+          </a:p>
+        </p:txBody>
+      </p:sp>
+      <p:sp>
+        <p:nvSpPr>
+          <p:cNvPr id="4" name="Title 3"/>
+          <p:cNvSpPr>
+            <a:spLocks noGrp="1"/>
+          </p:cNvSpPr>
+          <p:nvPr>
+            <p:ph type="title"/>
+          </p:nvPr>
+        </p:nvSpPr>
+        <p:spPr/>
+        <p:txBody>
+          <a:bodyPr/>
+          <a:lstStyle/>
+          <a:p>
+            <a:r>
+              <a:rPr lang="en-IN" dirty="0"/>
+              <a:t>PCF and APIGEE</a:t>
+            </a:r>
+          </a:p>
+        </p:txBody>
+      </p:sp>
+    </p:spTree>
+    <p:extLst>
+      <p:ext uri="{BB962C8B-B14F-4D97-AF65-F5344CB8AC3E}">
+        <p14:creationId xmlns:p14="http://schemas.microsoft.com/office/powerpoint/2010/main" val="1928895120"/>
+      </p:ext>
+    </p:extLst>
+  </p:cSld>
+  <p:clrMapOvr>
+    <a:masterClrMapping/>
+  </p:clrMapOvr>
+  <p:timing>
+    <p:tnLst>
+      <p:par>
+        <p:cTn id="1" dur="indefinite" restart="never" nodeType="tmRoot"/>
+      </p:par>
+    </p:tnLst>
+  </p:timing>
+</p:sld>
+</file>
+
+<file path=ppt/slides/slide7.xml><?xml version="1.0" encoding="utf-8"?>
+<p:sld xmlns:a="http://schemas.openxmlformats.org/drawingml/2006/main" xmlns:r="http://schemas.openxmlformats.org/officeDocument/2006/relationships" xmlns:p="http://schemas.openxmlformats.org/presentationml/2006/main">
+  <p:cSld>
+    <p:spTree>
+      <p:nvGrpSpPr>
+        <p:cNvPr id="1" name=""/>
+        <p:cNvGrpSpPr/>
+        <p:nvPr/>
+      </p:nvGrpSpPr>
+      <p:grpSpPr>
+        <a:xfrm>
+          <a:off x="0" y="0"/>
+          <a:ext cx="0" cy="0"/>
+          <a:chOff x="0" y="0"/>
+          <a:chExt cx="0" cy="0"/>
+        </a:xfrm>
+      </p:grpSpPr>
+      <p:pic>
+        <p:nvPicPr>
+          <p:cNvPr id="4" name="Picture 3"/>
+          <p:cNvPicPr>
+            <a:picLocks noChangeAspect="1"/>
+          </p:cNvPicPr>
+          <p:nvPr/>
+        </p:nvPicPr>
+        <p:blipFill rotWithShape="1">
+          <a:blip r:embed="rId2"/>
+          <a:srcRect l="10000" t="12963" r="9167" b="12963"/>
+          <a:stretch/>
+        </p:blipFill>
+        <p:spPr>
+          <a:xfrm>
+            <a:off x="1676400" y="1219200"/>
+            <a:ext cx="8869680" cy="4572000"/>
+          </a:xfrm>
+          <a:prstGeom prst="rect">
+            <a:avLst/>
+          </a:prstGeom>
+        </p:spPr>
+      </p:pic>
+    </p:spTree>
+    <p:extLst>
+      <p:ext uri="{BB962C8B-B14F-4D97-AF65-F5344CB8AC3E}">
+        <p14:creationId xmlns:p14="http://schemas.microsoft.com/office/powerpoint/2010/main" val="3408730440"/>
+      </p:ext>
+    </p:extLst>
+  </p:cSld>
+  <p:clrMapOvr>
+    <a:masterClrMapping/>
+  </p:clrMapOvr>
+  <p:timing>
+    <p:tnLst>
+      <p:par>
+        <p:cTn id="1" dur="indefinite" restart="never" nodeType="tmRoot"/>
+      </p:par>
+    </p:tnLst>
+  </p:timing>
+</p:sld>
+</file>
+
+<file path=ppt/slides/slide8.xml><?xml version="1.0" encoding="utf-8"?>
+<p:sld xmlns:a="http://schemas.openxmlformats.org/drawingml/2006/main" xmlns:r="http://schemas.openxmlformats.org/officeDocument/2006/relationships" xmlns:p="http://schemas.openxmlformats.org/presentationml/2006/main">
+  <p:cSld>
+    <p:spTree>
+      <p:nvGrpSpPr>
+        <p:cNvPr id="1" name=""/>
+        <p:cNvGrpSpPr/>
+        <p:nvPr/>
+      </p:nvGrpSpPr>
+      <p:grpSpPr>
+        <a:xfrm>
+          <a:off x="0" y="0"/>
+          <a:ext cx="0" cy="0"/>
+          <a:chOff x="0" y="0"/>
+          <a:chExt cx="0" cy="0"/>
+        </a:xfrm>
+      </p:grpSpPr>
+      <p:sp>
+        <p:nvSpPr>
+          <p:cNvPr id="5" name="Content Placeholder 4"/>
+          <p:cNvSpPr>
+            <a:spLocks noGrp="1"/>
+          </p:cNvSpPr>
+          <p:nvPr>
+            <p:ph sz="quarter" idx="12"/>
+          </p:nvPr>
+        </p:nvSpPr>
+        <p:spPr/>
+        <p:txBody>
+          <a:bodyPr/>
+          <a:lstStyle/>
+          <a:p>
+            <a:r>
+              <a:rPr lang="pt-BR" dirty="0" smtClean="0"/>
+              <a:t>  cf bind-route-service cfapps.io org --hostname </a:t>
+            </a:r>
+            <a:r>
+              <a:rPr lang="pt-BR" dirty="0"/>
+              <a:t>daimlerblogapp2019-cf -c '{"org</a:t>
+            </a:r>
+            <a:r>
+              <a:rPr lang="pt-BR" dirty="0" smtClean="0"/>
+              <a:t>":“vebconsulting2019-eval","</a:t>
+            </a:r>
+            <a:r>
+              <a:rPr lang="pt-BR" dirty="0"/>
+              <a:t>env":"test",</a:t>
+            </a:r>
+          </a:p>
+          <a:p>
+            <a:r>
+              <a:rPr lang="pt-BR" dirty="0"/>
+              <a:t>  "bearer":"'$(cat </a:t>
+            </a:r>
+            <a:r>
+              <a:rPr lang="pt-BR" dirty="0" smtClean="0"/>
+              <a:t>~./valid_token.dat</a:t>
+            </a:r>
+            <a:r>
+              <a:rPr lang="pt-BR" dirty="0"/>
+              <a:t>)'",</a:t>
+            </a:r>
+          </a:p>
+          <a:p>
+            <a:r>
+              <a:rPr lang="pt-BR" dirty="0"/>
+              <a:t>  "action":"proxy bind",</a:t>
+            </a:r>
+          </a:p>
+          <a:p>
+            <a:r>
+              <a:rPr lang="pt-BR" dirty="0"/>
+              <a:t>  "protocol":"https"}'</a:t>
+            </a:r>
+            <a:endParaRPr lang="en-IN" dirty="0"/>
+          </a:p>
+        </p:txBody>
+      </p:sp>
+      <p:sp>
+        <p:nvSpPr>
+          <p:cNvPr id="4" name="Title 3"/>
+          <p:cNvSpPr>
+            <a:spLocks noGrp="1"/>
+          </p:cNvSpPr>
+          <p:nvPr>
+            <p:ph type="title"/>
+          </p:nvPr>
+        </p:nvSpPr>
+        <p:spPr/>
+        <p:txBody>
+          <a:bodyPr/>
+          <a:lstStyle/>
+          <a:p>
+            <a:r>
+              <a:rPr lang="en-IN" dirty="0"/>
+              <a:t>PCF and APIGEE</a:t>
+            </a:r>
+          </a:p>
+        </p:txBody>
+      </p:sp>
+    </p:spTree>
+    <p:extLst>
+      <p:ext uri="{BB962C8B-B14F-4D97-AF65-F5344CB8AC3E}">
+        <p14:creationId xmlns:p14="http://schemas.microsoft.com/office/powerpoint/2010/main" val="3191338533"/>
       </p:ext>
     </p:extLst>
   </p:cSld>
@@ -10038,4 +15790,259 @@
   </a:objectDefaults>
   <a:extraClrSchemeLst/>
 </a:theme>
+</file>
+
+<file path=ppt/theme/theme3.xml><?xml version="1.0" encoding="utf-8"?>
+<a:theme xmlns:a="http://schemas.openxmlformats.org/drawingml/2006/main" name="1_Pencils_02_2012">
+  <a:themeElements>
+    <a:clrScheme name="Red">
+      <a:dk1>
+        <a:sysClr val="windowText" lastClr="000000"/>
+      </a:dk1>
+      <a:lt1>
+        <a:sysClr val="window" lastClr="FFFFFF"/>
+      </a:lt1>
+      <a:dk2>
+        <a:srgbClr val="323232"/>
+      </a:dk2>
+      <a:lt2>
+        <a:srgbClr val="E5C243"/>
+      </a:lt2>
+      <a:accent1>
+        <a:srgbClr val="A5300F"/>
+      </a:accent1>
+      <a:accent2>
+        <a:srgbClr val="D55816"/>
+      </a:accent2>
+      <a:accent3>
+        <a:srgbClr val="E19825"/>
+      </a:accent3>
+      <a:accent4>
+        <a:srgbClr val="B19C7D"/>
+      </a:accent4>
+      <a:accent5>
+        <a:srgbClr val="7F5F52"/>
+      </a:accent5>
+      <a:accent6>
+        <a:srgbClr val="B27D49"/>
+      </a:accent6>
+      <a:hlink>
+        <a:srgbClr val="6B9F25"/>
+      </a:hlink>
+      <a:folHlink>
+        <a:srgbClr val="B26B02"/>
+      </a:folHlink>
+    </a:clrScheme>
+    <a:fontScheme name="Accenture">
+      <a:majorFont>
+        <a:latin typeface="Arial"/>
+        <a:ea typeface=""/>
+        <a:cs typeface=""/>
+      </a:majorFont>
+      <a:minorFont>
+        <a:latin typeface="Arial"/>
+        <a:ea typeface=""/>
+        <a:cs typeface=""/>
+      </a:minorFont>
+    </a:fontScheme>
+    <a:fmtScheme name="Office">
+      <a:fillStyleLst>
+        <a:solidFill>
+          <a:schemeClr val="phClr"/>
+        </a:solidFill>
+        <a:gradFill rotWithShape="1">
+          <a:gsLst>
+            <a:gs pos="0">
+              <a:schemeClr val="phClr">
+                <a:tint val="50000"/>
+                <a:satMod val="300000"/>
+              </a:schemeClr>
+            </a:gs>
+            <a:gs pos="35000">
+              <a:schemeClr val="phClr">
+                <a:tint val="37000"/>
+                <a:satMod val="300000"/>
+              </a:schemeClr>
+            </a:gs>
+            <a:gs pos="100000">
+              <a:schemeClr val="phClr">
+                <a:tint val="15000"/>
+                <a:satMod val="350000"/>
+              </a:schemeClr>
+            </a:gs>
+          </a:gsLst>
+          <a:lin ang="16200000" scaled="1"/>
+        </a:gradFill>
+        <a:gradFill rotWithShape="1">
+          <a:gsLst>
+            <a:gs pos="0">
+              <a:schemeClr val="phClr">
+                <a:shade val="51000"/>
+                <a:satMod val="130000"/>
+              </a:schemeClr>
+            </a:gs>
+            <a:gs pos="80000">
+              <a:schemeClr val="phClr">
+                <a:shade val="93000"/>
+                <a:satMod val="130000"/>
+              </a:schemeClr>
+            </a:gs>
+            <a:gs pos="100000">
+              <a:schemeClr val="phClr">
+                <a:shade val="94000"/>
+                <a:satMod val="135000"/>
+              </a:schemeClr>
+            </a:gs>
+          </a:gsLst>
+          <a:lin ang="16200000" scaled="0"/>
+        </a:gradFill>
+      </a:fillStyleLst>
+      <a:lnStyleLst>
+        <a:ln w="9525" cap="flat" cmpd="sng" algn="ctr">
+          <a:solidFill>
+            <a:schemeClr val="phClr">
+              <a:shade val="95000"/>
+              <a:satMod val="105000"/>
+            </a:schemeClr>
+          </a:solidFill>
+          <a:prstDash val="solid"/>
+        </a:ln>
+        <a:ln w="25400" cap="flat" cmpd="sng" algn="ctr">
+          <a:solidFill>
+            <a:schemeClr val="phClr"/>
+          </a:solidFill>
+          <a:prstDash val="solid"/>
+        </a:ln>
+        <a:ln w="38100" cap="flat" cmpd="sng" algn="ctr">
+          <a:solidFill>
+            <a:schemeClr val="phClr"/>
+          </a:solidFill>
+          <a:prstDash val="solid"/>
+        </a:ln>
+      </a:lnStyleLst>
+      <a:effectStyleLst>
+        <a:effectStyle>
+          <a:effectLst>
+            <a:outerShdw blurRad="40000" dist="20000" dir="5400000" rotWithShape="0">
+              <a:srgbClr val="000000">
+                <a:alpha val="38000"/>
+              </a:srgbClr>
+            </a:outerShdw>
+          </a:effectLst>
+        </a:effectStyle>
+        <a:effectStyle>
+          <a:effectLst>
+            <a:outerShdw blurRad="40000" dist="23000" dir="5400000" rotWithShape="0">
+              <a:srgbClr val="000000">
+                <a:alpha val="35000"/>
+              </a:srgbClr>
+            </a:outerShdw>
+          </a:effectLst>
+        </a:effectStyle>
+        <a:effectStyle>
+          <a:effectLst>
+            <a:outerShdw blurRad="40000" dist="23000" dir="5400000" rotWithShape="0">
+              <a:srgbClr val="000000">
+                <a:alpha val="35000"/>
+              </a:srgbClr>
+            </a:outerShdw>
+          </a:effectLst>
+          <a:scene3d>
+            <a:camera prst="orthographicFront">
+              <a:rot lat="0" lon="0" rev="0"/>
+            </a:camera>
+            <a:lightRig rig="threePt" dir="t">
+              <a:rot lat="0" lon="0" rev="1200000"/>
+            </a:lightRig>
+          </a:scene3d>
+          <a:sp3d>
+            <a:bevelT w="63500" h="25400"/>
+          </a:sp3d>
+        </a:effectStyle>
+      </a:effectStyleLst>
+      <a:bgFillStyleLst>
+        <a:solidFill>
+          <a:schemeClr val="phClr"/>
+        </a:solidFill>
+        <a:gradFill rotWithShape="1">
+          <a:gsLst>
+            <a:gs pos="0">
+              <a:schemeClr val="phClr">
+                <a:tint val="40000"/>
+                <a:satMod val="350000"/>
+              </a:schemeClr>
+            </a:gs>
+            <a:gs pos="40000">
+              <a:schemeClr val="phClr">
+                <a:tint val="45000"/>
+                <a:shade val="99000"/>
+                <a:satMod val="350000"/>
+              </a:schemeClr>
+            </a:gs>
+            <a:gs pos="100000">
+              <a:schemeClr val="phClr">
+                <a:shade val="20000"/>
+                <a:satMod val="255000"/>
+              </a:schemeClr>
+            </a:gs>
+          </a:gsLst>
+          <a:path path="circle">
+            <a:fillToRect l="50000" t="-80000" r="50000" b="180000"/>
+          </a:path>
+        </a:gradFill>
+        <a:gradFill rotWithShape="1">
+          <a:gsLst>
+            <a:gs pos="0">
+              <a:schemeClr val="phClr">
+                <a:tint val="80000"/>
+                <a:satMod val="300000"/>
+              </a:schemeClr>
+            </a:gs>
+            <a:gs pos="100000">
+              <a:schemeClr val="phClr">
+                <a:shade val="30000"/>
+                <a:satMod val="200000"/>
+              </a:schemeClr>
+            </a:gs>
+          </a:gsLst>
+          <a:path path="circle">
+            <a:fillToRect l="50000" t="50000" r="50000" b="50000"/>
+          </a:path>
+        </a:gradFill>
+      </a:bgFillStyleLst>
+    </a:fmtScheme>
+  </a:themeElements>
+  <a:objectDefaults>
+    <a:spDef>
+      <a:spPr>
+        <a:ln>
+          <a:noFill/>
+        </a:ln>
+      </a:spPr>
+      <a:bodyPr rtlCol="0" anchor="ctr"/>
+      <a:lstStyle>
+        <a:defPPr algn="ctr">
+          <a:defRPr/>
+        </a:defPPr>
+      </a:lstStyle>
+      <a:style>
+        <a:lnRef idx="2">
+          <a:schemeClr val="accent1">
+            <a:shade val="50000"/>
+          </a:schemeClr>
+        </a:lnRef>
+        <a:fillRef idx="1">
+          <a:schemeClr val="accent1"/>
+        </a:fillRef>
+        <a:effectRef idx="0">
+          <a:schemeClr val="accent1"/>
+        </a:effectRef>
+        <a:fontRef idx="minor">
+          <a:schemeClr val="lt1"/>
+        </a:fontRef>
+      </a:style>
+    </a:spDef>
+  </a:objectDefaults>
+  <a:extraClrSchemeLst/>
+</a:theme>
 </file>